--- a/03.0 -- 整体架构 -- 第03章.pptx
+++ b/03.0 -- 整体架构 -- 第03章.pptx
@@ -5,36 +5,36 @@
     <p:sldMasterId id="2147483648" r:id="rId1"/>
   </p:sldMasterIdLst>
   <p:notesMasterIdLst>
-    <p:notesMasterId r:id="rId4"/>
+    <p:notesMasterId r:id="rId29"/>
   </p:notesMasterIdLst>
   <p:sldIdLst>
-    <p:sldId id="293" r:id="rId3"/>
-    <p:sldId id="458" r:id="rId5"/>
-    <p:sldId id="363" r:id="rId6"/>
-    <p:sldId id="487" r:id="rId7"/>
-    <p:sldId id="490" r:id="rId8"/>
-    <p:sldId id="488" r:id="rId9"/>
-    <p:sldId id="475" r:id="rId10"/>
-    <p:sldId id="476" r:id="rId11"/>
-    <p:sldId id="503" r:id="rId12"/>
-    <p:sldId id="505" r:id="rId13"/>
-    <p:sldId id="504" r:id="rId14"/>
-    <p:sldId id="506" r:id="rId15"/>
-    <p:sldId id="507" r:id="rId16"/>
-    <p:sldId id="508" r:id="rId17"/>
-    <p:sldId id="509" r:id="rId18"/>
-    <p:sldId id="510" r:id="rId19"/>
-    <p:sldId id="511" r:id="rId20"/>
-    <p:sldId id="485" r:id="rId21"/>
-    <p:sldId id="477" r:id="rId22"/>
-    <p:sldId id="478" r:id="rId23"/>
-    <p:sldId id="512" r:id="rId24"/>
-    <p:sldId id="479" r:id="rId25"/>
-    <p:sldId id="480" r:id="rId26"/>
-    <p:sldId id="481" r:id="rId27"/>
-    <p:sldId id="482" r:id="rId28"/>
-    <p:sldId id="483" r:id="rId29"/>
-    <p:sldId id="294" r:id="rId30"/>
+    <p:sldId id="293" r:id="rId2"/>
+    <p:sldId id="458" r:id="rId3"/>
+    <p:sldId id="363" r:id="rId4"/>
+    <p:sldId id="487" r:id="rId5"/>
+    <p:sldId id="490" r:id="rId6"/>
+    <p:sldId id="488" r:id="rId7"/>
+    <p:sldId id="475" r:id="rId8"/>
+    <p:sldId id="476" r:id="rId9"/>
+    <p:sldId id="503" r:id="rId10"/>
+    <p:sldId id="505" r:id="rId11"/>
+    <p:sldId id="504" r:id="rId12"/>
+    <p:sldId id="506" r:id="rId13"/>
+    <p:sldId id="507" r:id="rId14"/>
+    <p:sldId id="508" r:id="rId15"/>
+    <p:sldId id="509" r:id="rId16"/>
+    <p:sldId id="510" r:id="rId17"/>
+    <p:sldId id="511" r:id="rId18"/>
+    <p:sldId id="485" r:id="rId19"/>
+    <p:sldId id="477" r:id="rId20"/>
+    <p:sldId id="478" r:id="rId21"/>
+    <p:sldId id="512" r:id="rId22"/>
+    <p:sldId id="479" r:id="rId23"/>
+    <p:sldId id="480" r:id="rId24"/>
+    <p:sldId id="481" r:id="rId25"/>
+    <p:sldId id="482" r:id="rId26"/>
+    <p:sldId id="483" r:id="rId27"/>
+    <p:sldId id="294" r:id="rId28"/>
   </p:sldIdLst>
   <p:sldSz cx="9144000" cy="5143500" type="screen16x9"/>
   <p:notesSz cx="6858000" cy="9144000"/>
@@ -168,6 +168,22 @@
       </a:defRPr>
     </a:lvl9pPr>
   </p:defaultTextStyle>
+  <p:extLst>
+    <p:ext uri="{EFAFB233-063F-42B5-8137-9DF3F51BA10A}">
+      <p15:sldGuideLst xmlns:p15="http://schemas.microsoft.com/office/powerpoint/2012/main">
+        <p15:guide id="1" orient="horz" pos="1512">
+          <p15:clr>
+            <a:srgbClr val="A4A3A4"/>
+          </p15:clr>
+        </p15:guide>
+        <p15:guide id="2" pos="2880">
+          <p15:clr>
+            <a:srgbClr val="A4A3A4"/>
+          </p15:clr>
+        </p15:guide>
+      </p15:sldGuideLst>
+    </p:ext>
+  </p:extLst>
 </p:presentation>
 </file>
 
@@ -259,6 +275,7 @@
           <a:p>
             <a:fld id="{07F4A947-B69F-46AB-892A-142D315848C8}" type="datetimeFigureOut">
               <a:rPr lang="zh-CN" altLang="en-US"/>
+              <a:t>2021/8/30</a:t>
             </a:fld>
             <a:endParaRPr lang="zh-CN" altLang="en-US"/>
           </a:p>
@@ -351,7 +368,6 @@
               <a:rPr lang="zh-CN" altLang="en-US"/>
               <a:t>单击此处编辑母版文本样式</a:t>
             </a:r>
-            <a:endParaRPr lang="zh-CN" altLang="en-US"/>
           </a:p>
           <a:p>
             <a:pPr lvl="1"/>
@@ -359,7 +375,6 @@
               <a:rPr lang="zh-CN" altLang="en-US"/>
               <a:t>第二级</a:t>
             </a:r>
-            <a:endParaRPr lang="zh-CN" altLang="en-US"/>
           </a:p>
           <a:p>
             <a:pPr lvl="2"/>
@@ -367,7 +382,6 @@
               <a:rPr lang="zh-CN" altLang="en-US"/>
               <a:t>第三级</a:t>
             </a:r>
-            <a:endParaRPr lang="zh-CN" altLang="en-US"/>
           </a:p>
           <a:p>
             <a:pPr lvl="3"/>
@@ -375,7 +389,6 @@
               <a:rPr lang="zh-CN" altLang="en-US"/>
               <a:t>第四级</a:t>
             </a:r>
-            <a:endParaRPr lang="zh-CN" altLang="en-US"/>
           </a:p>
           <a:p>
             <a:pPr lvl="4"/>
@@ -383,7 +396,6 @@
               <a:rPr lang="zh-CN" altLang="en-US"/>
               <a:t>第五级</a:t>
             </a:r>
-            <a:endParaRPr lang="zh-CN" altLang="en-US"/>
           </a:p>
         </p:txBody>
       </p:sp>
@@ -447,6 +459,7 @@
           <a:p>
             <a:fld id="{083E334D-46F8-45F3-B6BE-0AF34D2B19E1}" type="slidenum">
               <a:rPr lang="zh-CN" altLang="en-US"/>
+              <a:t>‹#›</a:t>
             </a:fld>
             <a:endParaRPr lang="zh-CN" altLang="en-US"/>
           </a:p>
@@ -780,6 +793,7 @@
           <a:p>
             <a:fld id="{5F7F2611-C724-48A1-BECF-A704042F5F75}" type="slidenum">
               <a:rPr lang="zh-CN" altLang="en-US"/>
+              <a:t>1</a:t>
             </a:fld>
             <a:endParaRPr lang="zh-CN" altLang="en-US"/>
           </a:p>
@@ -993,6 +1007,7 @@
           <a:p>
             <a:fld id="{1E627E40-5501-4781-B37A-B98FC36222A4}" type="slidenum">
               <a:rPr lang="zh-CN" altLang="en-US"/>
+              <a:t>10</a:t>
             </a:fld>
             <a:endParaRPr lang="zh-CN" altLang="en-US"/>
           </a:p>
@@ -1206,6 +1221,7 @@
           <a:p>
             <a:fld id="{23D060AB-6667-49FA-B756-E37AB692A816}" type="slidenum">
               <a:rPr lang="zh-CN" altLang="en-US"/>
+              <a:t>11</a:t>
             </a:fld>
             <a:endParaRPr lang="zh-CN" altLang="en-US"/>
           </a:p>
@@ -1419,6 +1435,7 @@
           <a:p>
             <a:fld id="{6EF79C5F-9183-4BF5-861D-A7D747B525CD}" type="slidenum">
               <a:rPr lang="zh-CN" altLang="en-US"/>
+              <a:t>12</a:t>
             </a:fld>
             <a:endParaRPr lang="zh-CN" altLang="en-US"/>
           </a:p>
@@ -1632,6 +1649,7 @@
           <a:p>
             <a:fld id="{3FCDEBE0-6185-4865-A600-854846BA6E7F}" type="slidenum">
               <a:rPr lang="zh-CN" altLang="en-US"/>
+              <a:t>13</a:t>
             </a:fld>
             <a:endParaRPr lang="zh-CN" altLang="en-US"/>
           </a:p>
@@ -1845,6 +1863,7 @@
           <a:p>
             <a:fld id="{90B1D630-95F0-4012-815E-E77268B054A7}" type="slidenum">
               <a:rPr lang="zh-CN" altLang="en-US"/>
+              <a:t>14</a:t>
             </a:fld>
             <a:endParaRPr lang="zh-CN" altLang="en-US"/>
           </a:p>
@@ -2058,6 +2077,7 @@
           <a:p>
             <a:fld id="{37DF00CB-2645-4A49-BF34-72982A8290FB}" type="slidenum">
               <a:rPr lang="zh-CN" altLang="en-US"/>
+              <a:t>15</a:t>
             </a:fld>
             <a:endParaRPr lang="zh-CN" altLang="en-US"/>
           </a:p>
@@ -2271,6 +2291,7 @@
           <a:p>
             <a:fld id="{FE743B7D-2F1C-4F14-B314-72B4BFF3A34B}" type="slidenum">
               <a:rPr lang="zh-CN" altLang="en-US"/>
+              <a:t>16</a:t>
             </a:fld>
             <a:endParaRPr lang="zh-CN" altLang="en-US"/>
           </a:p>
@@ -2484,6 +2505,7 @@
           <a:p>
             <a:fld id="{3A38A4A7-1C33-410D-A0D1-569EEFC7EB3D}" type="slidenum">
               <a:rPr lang="zh-CN" altLang="en-US"/>
+              <a:t>17</a:t>
             </a:fld>
             <a:endParaRPr lang="zh-CN" altLang="en-US"/>
           </a:p>
@@ -2697,6 +2719,7 @@
           <a:p>
             <a:fld id="{6E498651-47B6-4472-B170-3D8E86A24F01}" type="slidenum">
               <a:rPr lang="zh-CN" altLang="en-US"/>
+              <a:t>19</a:t>
             </a:fld>
             <a:endParaRPr lang="zh-CN" altLang="en-US"/>
           </a:p>
@@ -2910,6 +2933,7 @@
           <a:p>
             <a:fld id="{0003C402-6E27-4EE3-ADC3-73747CD6AC5C}" type="slidenum">
               <a:rPr lang="zh-CN" altLang="en-US"/>
+              <a:t>20</a:t>
             </a:fld>
             <a:endParaRPr lang="zh-CN" altLang="en-US"/>
           </a:p>
@@ -3123,6 +3147,7 @@
           <a:p>
             <a:fld id="{9F4FF1D5-5AF2-4C15-9113-8F96E8F2FA9D}" type="slidenum">
               <a:rPr lang="zh-CN" altLang="en-US"/>
+              <a:t>2</a:t>
             </a:fld>
             <a:endParaRPr lang="zh-CN" altLang="en-US"/>
           </a:p>
@@ -3336,6 +3361,7 @@
           <a:p>
             <a:fld id="{420A9A8B-28DF-4190-884A-5EC892AAE48C}" type="slidenum">
               <a:rPr lang="zh-CN" altLang="en-US"/>
+              <a:t>22</a:t>
             </a:fld>
             <a:endParaRPr lang="zh-CN" altLang="en-US"/>
           </a:p>
@@ -3549,6 +3575,7 @@
           <a:p>
             <a:fld id="{E65515ED-BFE0-43E8-A792-F3EC99304EA9}" type="slidenum">
               <a:rPr lang="zh-CN" altLang="en-US"/>
+              <a:t>23</a:t>
             </a:fld>
             <a:endParaRPr lang="zh-CN" altLang="en-US"/>
           </a:p>
@@ -3762,6 +3789,7 @@
           <a:p>
             <a:fld id="{03D4C60F-50B8-46EF-B09F-113CFFDC21D4}" type="slidenum">
               <a:rPr lang="zh-CN" altLang="en-US"/>
+              <a:t>24</a:t>
             </a:fld>
             <a:endParaRPr lang="zh-CN" altLang="en-US"/>
           </a:p>
@@ -3975,6 +4003,7 @@
           <a:p>
             <a:fld id="{F6540450-3983-4D3F-919E-27ADD0A43E6D}" type="slidenum">
               <a:rPr lang="zh-CN" altLang="en-US"/>
+              <a:t>25</a:t>
             </a:fld>
             <a:endParaRPr lang="zh-CN" altLang="en-US"/>
           </a:p>
@@ -4188,6 +4217,7 @@
           <a:p>
             <a:fld id="{B61D605C-3085-45DE-AB9D-29E5D2C56F1F}" type="slidenum">
               <a:rPr lang="zh-CN" altLang="en-US"/>
+              <a:t>26</a:t>
             </a:fld>
             <a:endParaRPr lang="zh-CN" altLang="en-US"/>
           </a:p>
@@ -4401,6 +4431,7 @@
           <a:p>
             <a:fld id="{2F3AA09F-AAC2-4324-A623-5DA6CD63FA5D}" type="slidenum">
               <a:rPr lang="zh-CN" altLang="en-US"/>
+              <a:t>27</a:t>
             </a:fld>
             <a:endParaRPr lang="zh-CN" altLang="en-US"/>
           </a:p>
@@ -4614,6 +4645,7 @@
           <a:p>
             <a:fld id="{78CAA9FD-C3C5-4390-9C3F-CEB5F9547F1E}" type="slidenum">
               <a:rPr lang="zh-CN" altLang="en-US"/>
+              <a:t>3</a:t>
             </a:fld>
             <a:endParaRPr lang="zh-CN" altLang="en-US"/>
           </a:p>
@@ -4827,6 +4859,7 @@
           <a:p>
             <a:fld id="{C94330AD-F02A-413B-BA8B-217F001D7C48}" type="slidenum">
               <a:rPr lang="zh-CN" altLang="en-US"/>
+              <a:t>4</a:t>
             </a:fld>
             <a:endParaRPr lang="zh-CN" altLang="en-US"/>
           </a:p>
@@ -5040,6 +5073,7 @@
           <a:p>
             <a:fld id="{BC65159F-64FF-4C5B-B5D1-0E87214D4C54}" type="slidenum">
               <a:rPr lang="zh-CN" altLang="en-US"/>
+              <a:t>5</a:t>
             </a:fld>
             <a:endParaRPr lang="zh-CN" altLang="en-US"/>
           </a:p>
@@ -5253,6 +5287,7 @@
           <a:p>
             <a:fld id="{83A10767-C5DE-44DA-ABCB-1A636CDDC77A}" type="slidenum">
               <a:rPr lang="zh-CN" altLang="en-US"/>
+              <a:t>6</a:t>
             </a:fld>
             <a:endParaRPr lang="zh-CN" altLang="en-US"/>
           </a:p>
@@ -5466,6 +5501,7 @@
           <a:p>
             <a:fld id="{7AB28DAB-9E36-44B2-BD2D-E7ED36F1D0EE}" type="slidenum">
               <a:rPr lang="zh-CN" altLang="en-US"/>
+              <a:t>7</a:t>
             </a:fld>
             <a:endParaRPr lang="zh-CN" altLang="en-US"/>
           </a:p>
@@ -5679,6 +5715,7 @@
           <a:p>
             <a:fld id="{91995BED-481C-400F-9A54-C097AA2F9C5D}" type="slidenum">
               <a:rPr lang="zh-CN" altLang="en-US"/>
+              <a:t>8</a:t>
             </a:fld>
             <a:endParaRPr lang="zh-CN" altLang="en-US"/>
           </a:p>
@@ -5892,6 +5929,7 @@
           <a:p>
             <a:fld id="{DFC8CA72-291A-4BBC-9776-BD0E5E1910CD}" type="slidenum">
               <a:rPr lang="zh-CN" altLang="en-US"/>
+              <a:t>9</a:t>
             </a:fld>
             <a:endParaRPr lang="zh-CN" altLang="en-US"/>
           </a:p>
@@ -5906,7 +5944,7 @@
 </file>
 
 <file path=ppt/slideLayouts/slideLayout1.xml><?xml version="1.0" encoding="utf-8"?>
-<p:sldLayout xmlns:a="http://schemas.openxmlformats.org/drawingml/2006/main" xmlns:r="http://schemas.openxmlformats.org/officeDocument/2006/relationships" xmlns:p="http://schemas.openxmlformats.org/presentationml/2006/main" type="title" preserve="1" showMasterSp="0">
+<p:sldLayout xmlns:a="http://schemas.openxmlformats.org/drawingml/2006/main" xmlns:r="http://schemas.openxmlformats.org/officeDocument/2006/relationships" xmlns:p="http://schemas.openxmlformats.org/presentationml/2006/main" showMasterSp="0" type="title" preserve="1">
   <p:cSld name="标题幻灯片">
     <p:spTree>
       <p:nvGrpSpPr>
@@ -6156,6 +6194,7 @@
           <a:p>
             <a:fld id="{C33D8BF3-04B1-4578-9944-A784348B543C}" type="datetimeFigureOut">
               <a:rPr lang="zh-CN" altLang="en-US"/>
+              <a:t>2021/8/30</a:t>
             </a:fld>
             <a:endParaRPr lang="zh-CN" altLang="en-US"/>
           </a:p>
@@ -6205,6 +6244,7 @@
           <a:p>
             <a:fld id="{679584E0-BBAD-4866-85BE-6F905F886701}" type="slidenum">
               <a:rPr lang="zh-CN" altLang="en-US"/>
+              <a:t>‹#›</a:t>
             </a:fld>
             <a:endParaRPr lang="zh-CN" altLang="en-US"/>
           </a:p>
@@ -6276,7 +6316,6 @@
               <a:rPr lang="zh-CN" altLang="en-US" noProof="1"/>
               <a:t>单击此处编辑母版文本样式</a:t>
             </a:r>
-            <a:endParaRPr lang="zh-CN" altLang="en-US" noProof="1"/>
           </a:p>
           <a:p>
             <a:pPr lvl="1"/>
@@ -6284,7 +6323,6 @@
               <a:rPr lang="zh-CN" altLang="en-US" noProof="1"/>
               <a:t>第二级</a:t>
             </a:r>
-            <a:endParaRPr lang="zh-CN" altLang="en-US" noProof="1"/>
           </a:p>
           <a:p>
             <a:pPr lvl="2"/>
@@ -6292,7 +6330,6 @@
               <a:rPr lang="zh-CN" altLang="en-US" noProof="1"/>
               <a:t>第三级</a:t>
             </a:r>
-            <a:endParaRPr lang="zh-CN" altLang="en-US" noProof="1"/>
           </a:p>
           <a:p>
             <a:pPr lvl="3"/>
@@ -6300,7 +6337,6 @@
               <a:rPr lang="zh-CN" altLang="en-US" noProof="1"/>
               <a:t>第四级</a:t>
             </a:r>
-            <a:endParaRPr lang="zh-CN" altLang="en-US" noProof="1"/>
           </a:p>
           <a:p>
             <a:pPr lvl="4"/>
@@ -6308,7 +6344,6 @@
               <a:rPr lang="zh-CN" altLang="en-US" noProof="1"/>
               <a:t>第五级</a:t>
             </a:r>
-            <a:endParaRPr lang="zh-CN" altLang="en-US" noProof="1"/>
           </a:p>
         </p:txBody>
       </p:sp>
@@ -6333,6 +6368,7 @@
           <a:p>
             <a:fld id="{C33D8BF3-04B1-4578-9944-A784348B543C}" type="datetimeFigureOut">
               <a:rPr lang="zh-CN" altLang="en-US"/>
+              <a:t>2021/8/30</a:t>
             </a:fld>
             <a:endParaRPr lang="zh-CN" altLang="en-US"/>
           </a:p>
@@ -6382,6 +6418,7 @@
           <a:p>
             <a:fld id="{AFBB6205-02EB-437C-8EC6-2E19F6856634}" type="slidenum">
               <a:rPr lang="zh-CN" altLang="en-US"/>
+              <a:t>‹#›</a:t>
             </a:fld>
             <a:endParaRPr lang="zh-CN" altLang="en-US"/>
           </a:p>
@@ -6431,7 +6468,6 @@
               <a:rPr lang="zh-CN" altLang="en-US" noProof="1"/>
               <a:t>单击此处编辑母版标题样式</a:t>
             </a:r>
-            <a:endParaRPr lang="zh-CN" altLang="en-US" noProof="1"/>
           </a:p>
         </p:txBody>
       </p:sp>
@@ -6456,6 +6492,7 @@
           <a:p>
             <a:fld id="{C33D8BF3-04B1-4578-9944-A784348B543C}" type="datetimeFigureOut">
               <a:rPr lang="zh-CN" altLang="en-US"/>
+              <a:t>2021/8/30</a:t>
             </a:fld>
             <a:endParaRPr lang="zh-CN" altLang="en-US"/>
           </a:p>
@@ -6505,6 +6542,7 @@
           <a:p>
             <a:fld id="{86A07739-6820-42C7-8F8F-8F53C47819EF}" type="slidenum">
               <a:rPr lang="zh-CN" altLang="en-US"/>
+              <a:t>‹#›</a:t>
             </a:fld>
             <a:endParaRPr lang="zh-CN" altLang="en-US"/>
           </a:p>
@@ -6554,7 +6592,6 @@
               <a:rPr lang="zh-CN" altLang="en-US" noProof="1"/>
               <a:t>单击此处编辑母版标题样式</a:t>
             </a:r>
-            <a:endParaRPr lang="zh-CN" altLang="en-US" noProof="1"/>
           </a:p>
         </p:txBody>
       </p:sp>
@@ -6579,6 +6616,7 @@
           <a:p>
             <a:fld id="{C33D8BF3-04B1-4578-9944-A784348B543C}" type="datetimeFigureOut">
               <a:rPr lang="zh-CN" altLang="en-US"/>
+              <a:t>2021/8/30</a:t>
             </a:fld>
             <a:endParaRPr lang="zh-CN" altLang="en-US"/>
           </a:p>
@@ -6628,6 +6666,7 @@
           <a:p>
             <a:fld id="{FF4515D7-A921-4D6B-8114-19F114FE5AEB}" type="slidenum">
               <a:rPr lang="zh-CN" altLang="en-US"/>
+              <a:t>‹#›</a:t>
             </a:fld>
             <a:endParaRPr lang="zh-CN" altLang="en-US"/>
           </a:p>
@@ -6677,7 +6716,6 @@
               <a:rPr lang="zh-CN" altLang="en-US" noProof="1"/>
               <a:t>单击此处编辑母版标题样式</a:t>
             </a:r>
-            <a:endParaRPr lang="zh-CN" altLang="en-US" noProof="1"/>
           </a:p>
         </p:txBody>
       </p:sp>
@@ -6702,6 +6740,7 @@
           <a:p>
             <a:fld id="{C33D8BF3-04B1-4578-9944-A784348B543C}" type="datetimeFigureOut">
               <a:rPr lang="zh-CN" altLang="en-US"/>
+              <a:t>2021/8/30</a:t>
             </a:fld>
             <a:endParaRPr lang="zh-CN" altLang="en-US"/>
           </a:p>
@@ -6751,6 +6790,7 @@
           <a:p>
             <a:fld id="{2AAB1773-2733-49F9-B461-D40FF75BBDE7}" type="slidenum">
               <a:rPr lang="zh-CN" altLang="en-US"/>
+              <a:t>‹#›</a:t>
             </a:fld>
             <a:endParaRPr lang="zh-CN" altLang="en-US"/>
           </a:p>
@@ -6800,7 +6840,6 @@
               <a:rPr lang="zh-CN" altLang="en-US" noProof="1"/>
               <a:t>单击此处编辑母版标题样式</a:t>
             </a:r>
-            <a:endParaRPr lang="zh-CN" altLang="en-US" noProof="1"/>
           </a:p>
         </p:txBody>
       </p:sp>
@@ -6825,6 +6864,7 @@
           <a:p>
             <a:fld id="{C33D8BF3-04B1-4578-9944-A784348B543C}" type="datetimeFigureOut">
               <a:rPr lang="zh-CN" altLang="en-US"/>
+              <a:t>2021/8/30</a:t>
             </a:fld>
             <a:endParaRPr lang="zh-CN" altLang="en-US"/>
           </a:p>
@@ -6874,6 +6914,7 @@
           <a:p>
             <a:fld id="{AA8FA527-A196-40EA-BEA4-ABDBEA431587}" type="slidenum">
               <a:rPr lang="zh-CN" altLang="en-US"/>
+              <a:t>‹#›</a:t>
             </a:fld>
             <a:endParaRPr lang="zh-CN" altLang="en-US"/>
           </a:p>
@@ -6923,7 +6964,6 @@
               <a:rPr lang="zh-CN" altLang="en-US" noProof="1"/>
               <a:t>单击此处编辑母版标题样式</a:t>
             </a:r>
-            <a:endParaRPr lang="zh-CN" altLang="en-US" noProof="1"/>
           </a:p>
         </p:txBody>
       </p:sp>
@@ -6948,6 +6988,7 @@
           <a:p>
             <a:fld id="{C33D8BF3-04B1-4578-9944-A784348B543C}" type="datetimeFigureOut">
               <a:rPr lang="zh-CN" altLang="en-US"/>
+              <a:t>2021/8/30</a:t>
             </a:fld>
             <a:endParaRPr lang="zh-CN" altLang="en-US"/>
           </a:p>
@@ -6997,6 +7038,7 @@
           <a:p>
             <a:fld id="{99223D92-F4D0-4BEC-92D6-C9A828F75767}" type="slidenum">
               <a:rPr lang="zh-CN" altLang="en-US"/>
+              <a:t>‹#›</a:t>
             </a:fld>
             <a:endParaRPr lang="zh-CN" altLang="en-US"/>
           </a:p>
@@ -7046,7 +7088,6 @@
               <a:rPr lang="zh-CN" altLang="en-US" noProof="1"/>
               <a:t>单击此处编辑母版标题样式</a:t>
             </a:r>
-            <a:endParaRPr lang="zh-CN" altLang="en-US" noProof="1"/>
           </a:p>
         </p:txBody>
       </p:sp>
@@ -7071,6 +7112,7 @@
           <a:p>
             <a:fld id="{C33D8BF3-04B1-4578-9944-A784348B543C}" type="datetimeFigureOut">
               <a:rPr lang="zh-CN" altLang="en-US"/>
+              <a:t>2021/8/30</a:t>
             </a:fld>
             <a:endParaRPr lang="zh-CN" altLang="en-US"/>
           </a:p>
@@ -7120,6 +7162,7 @@
           <a:p>
             <a:fld id="{996929FE-8AD3-45A0-8B12-EE1B9C031144}" type="slidenum">
               <a:rPr lang="zh-CN" altLang="en-US"/>
+              <a:t>‹#›</a:t>
             </a:fld>
             <a:endParaRPr lang="zh-CN" altLang="en-US"/>
           </a:p>
@@ -7169,7 +7212,6 @@
               <a:rPr lang="zh-CN" altLang="en-US" noProof="1"/>
               <a:t>单击此处编辑母版标题样式</a:t>
             </a:r>
-            <a:endParaRPr lang="zh-CN" altLang="en-US" noProof="1"/>
           </a:p>
         </p:txBody>
       </p:sp>
@@ -7194,6 +7236,7 @@
           <a:p>
             <a:fld id="{C33D8BF3-04B1-4578-9944-A784348B543C}" type="datetimeFigureOut">
               <a:rPr lang="zh-CN" altLang="en-US"/>
+              <a:t>2021/8/30</a:t>
             </a:fld>
             <a:endParaRPr lang="zh-CN" altLang="en-US"/>
           </a:p>
@@ -7243,6 +7286,7 @@
           <a:p>
             <a:fld id="{1983C0FA-45A9-4D46-A3EB-676320C58201}" type="slidenum">
               <a:rPr lang="zh-CN" altLang="en-US"/>
+              <a:t>‹#›</a:t>
             </a:fld>
             <a:endParaRPr lang="zh-CN" altLang="en-US"/>
           </a:p>
@@ -7292,7 +7336,6 @@
               <a:rPr lang="zh-CN" altLang="en-US" noProof="1"/>
               <a:t>单击此处编辑母版标题样式</a:t>
             </a:r>
-            <a:endParaRPr lang="zh-CN" altLang="en-US" noProof="1"/>
           </a:p>
         </p:txBody>
       </p:sp>
@@ -7317,6 +7360,7 @@
           <a:p>
             <a:fld id="{C33D8BF3-04B1-4578-9944-A784348B543C}" type="datetimeFigureOut">
               <a:rPr lang="zh-CN" altLang="en-US"/>
+              <a:t>2021/8/30</a:t>
             </a:fld>
             <a:endParaRPr lang="zh-CN" altLang="en-US"/>
           </a:p>
@@ -7366,6 +7410,7 @@
           <a:p>
             <a:fld id="{7D90883B-3787-480B-817A-43D60692C3F9}" type="slidenum">
               <a:rPr lang="zh-CN" altLang="en-US"/>
+              <a:t>‹#›</a:t>
             </a:fld>
             <a:endParaRPr lang="zh-CN" altLang="en-US"/>
           </a:p>
@@ -7415,7 +7460,6 @@
               <a:rPr lang="zh-CN" altLang="en-US" noProof="1"/>
               <a:t>单击此处编辑母版标题样式</a:t>
             </a:r>
-            <a:endParaRPr lang="zh-CN" altLang="en-US" noProof="1"/>
           </a:p>
         </p:txBody>
       </p:sp>
@@ -7440,6 +7484,7 @@
           <a:p>
             <a:fld id="{C33D8BF3-04B1-4578-9944-A784348B543C}" type="datetimeFigureOut">
               <a:rPr lang="zh-CN" altLang="en-US"/>
+              <a:t>2021/8/30</a:t>
             </a:fld>
             <a:endParaRPr lang="zh-CN" altLang="en-US"/>
           </a:p>
@@ -7489,6 +7534,7 @@
           <a:p>
             <a:fld id="{CAB1236C-FC32-485A-A6EE-602735658949}" type="slidenum">
               <a:rPr lang="zh-CN" altLang="en-US"/>
+              <a:t>‹#›</a:t>
             </a:fld>
             <a:endParaRPr lang="zh-CN" altLang="en-US"/>
           </a:p>
@@ -7562,7 +7608,6 @@
               <a:rPr lang="zh-CN" altLang="en-US" noProof="1"/>
               <a:t>单击此处编辑母版文本样式</a:t>
             </a:r>
-            <a:endParaRPr lang="zh-CN" altLang="en-US" noProof="1"/>
           </a:p>
           <a:p>
             <a:pPr lvl="1"/>
@@ -7570,7 +7615,6 @@
               <a:rPr lang="zh-CN" altLang="en-US" noProof="1"/>
               <a:t>第二级</a:t>
             </a:r>
-            <a:endParaRPr lang="zh-CN" altLang="en-US" noProof="1"/>
           </a:p>
           <a:p>
             <a:pPr lvl="2"/>
@@ -7578,7 +7622,6 @@
               <a:rPr lang="zh-CN" altLang="en-US" noProof="1"/>
               <a:t>第三级</a:t>
             </a:r>
-            <a:endParaRPr lang="zh-CN" altLang="en-US" noProof="1"/>
           </a:p>
           <a:p>
             <a:pPr lvl="3"/>
@@ -7586,7 +7629,6 @@
               <a:rPr lang="zh-CN" altLang="en-US" noProof="1"/>
               <a:t>第四级</a:t>
             </a:r>
-            <a:endParaRPr lang="zh-CN" altLang="en-US" noProof="1"/>
           </a:p>
           <a:p>
             <a:pPr lvl="4"/>
@@ -7619,6 +7661,7 @@
           <a:p>
             <a:fld id="{C33D8BF3-04B1-4578-9944-A784348B543C}" type="datetimeFigureOut">
               <a:rPr lang="zh-CN" altLang="en-US"/>
+              <a:t>2021/8/30</a:t>
             </a:fld>
             <a:endParaRPr lang="zh-CN" altLang="en-US"/>
           </a:p>
@@ -7668,6 +7711,7 @@
           <a:p>
             <a:fld id="{5513CD7F-C41D-4FDE-B0A9-FAA91CAA7254}" type="slidenum">
               <a:rPr lang="zh-CN" altLang="en-US"/>
+              <a:t>‹#›</a:t>
             </a:fld>
             <a:endParaRPr lang="zh-CN" altLang="en-US"/>
           </a:p>
@@ -7717,7 +7761,6 @@
               <a:rPr lang="zh-CN" altLang="en-US" noProof="1"/>
               <a:t>单击此处编辑母版标题样式</a:t>
             </a:r>
-            <a:endParaRPr lang="zh-CN" altLang="en-US" noProof="1"/>
           </a:p>
         </p:txBody>
       </p:sp>
@@ -7742,6 +7785,7 @@
           <a:p>
             <a:fld id="{C33D8BF3-04B1-4578-9944-A784348B543C}" type="datetimeFigureOut">
               <a:rPr lang="zh-CN" altLang="en-US"/>
+              <a:t>2021/8/30</a:t>
             </a:fld>
             <a:endParaRPr lang="zh-CN" altLang="en-US"/>
           </a:p>
@@ -7791,6 +7835,7 @@
           <a:p>
             <a:fld id="{B6ACAA7A-74B8-4858-BFDA-E925E3F613EC}" type="slidenum">
               <a:rPr lang="zh-CN" altLang="en-US"/>
+              <a:t>‹#›</a:t>
             </a:fld>
             <a:endParaRPr lang="zh-CN" altLang="en-US"/>
           </a:p>
@@ -7840,7 +7885,6 @@
               <a:rPr lang="zh-CN" altLang="en-US" noProof="1"/>
               <a:t>单击此处编辑母版标题样式</a:t>
             </a:r>
-            <a:endParaRPr lang="zh-CN" altLang="en-US" noProof="1"/>
           </a:p>
         </p:txBody>
       </p:sp>
@@ -7865,6 +7909,7 @@
           <a:p>
             <a:fld id="{C33D8BF3-04B1-4578-9944-A784348B543C}" type="datetimeFigureOut">
               <a:rPr lang="zh-CN" altLang="en-US"/>
+              <a:t>2021/8/30</a:t>
             </a:fld>
             <a:endParaRPr lang="zh-CN" altLang="en-US"/>
           </a:p>
@@ -7914,6 +7959,7 @@
           <a:p>
             <a:fld id="{4FD6DC57-EFD2-4B1D-9ACC-BB4228D4BF66}" type="slidenum">
               <a:rPr lang="zh-CN" altLang="en-US"/>
+              <a:t>‹#›</a:t>
             </a:fld>
             <a:endParaRPr lang="zh-CN" altLang="en-US"/>
           </a:p>
@@ -7963,7 +8009,6 @@
               <a:rPr lang="zh-CN" altLang="en-US" noProof="1"/>
               <a:t>单击此处编辑母版标题样式</a:t>
             </a:r>
-            <a:endParaRPr lang="zh-CN" altLang="en-US" noProof="1"/>
           </a:p>
         </p:txBody>
       </p:sp>
@@ -7988,6 +8033,7 @@
           <a:p>
             <a:fld id="{C33D8BF3-04B1-4578-9944-A784348B543C}" type="datetimeFigureOut">
               <a:rPr lang="zh-CN" altLang="en-US"/>
+              <a:t>2021/8/30</a:t>
             </a:fld>
             <a:endParaRPr lang="zh-CN" altLang="en-US"/>
           </a:p>
@@ -8037,6 +8083,7 @@
           <a:p>
             <a:fld id="{CAC6951B-7CE2-41DC-BD03-6540CCDCF339}" type="slidenum">
               <a:rPr lang="zh-CN" altLang="en-US"/>
+              <a:t>‹#›</a:t>
             </a:fld>
             <a:endParaRPr lang="zh-CN" altLang="en-US"/>
           </a:p>
@@ -8086,7 +8133,6 @@
               <a:rPr lang="zh-CN" altLang="en-US" noProof="1"/>
               <a:t>单击此处编辑母版标题样式</a:t>
             </a:r>
-            <a:endParaRPr lang="zh-CN" altLang="en-US" noProof="1"/>
           </a:p>
         </p:txBody>
       </p:sp>
@@ -8111,6 +8157,7 @@
           <a:p>
             <a:fld id="{C33D8BF3-04B1-4578-9944-A784348B543C}" type="datetimeFigureOut">
               <a:rPr lang="zh-CN" altLang="en-US"/>
+              <a:t>2021/8/30</a:t>
             </a:fld>
             <a:endParaRPr lang="zh-CN" altLang="en-US"/>
           </a:p>
@@ -8160,6 +8207,7 @@
           <a:p>
             <a:fld id="{40E565B0-1F99-4B95-9A18-5D212E3FFF9C}" type="slidenum">
               <a:rPr lang="zh-CN" altLang="en-US"/>
+              <a:t>‹#›</a:t>
             </a:fld>
             <a:endParaRPr lang="zh-CN" altLang="en-US"/>
           </a:p>
@@ -8174,7 +8222,7 @@
 </file>
 
 <file path=ppt/slideLayouts/slideLayout3.xml><?xml version="1.0" encoding="utf-8"?>
-<p:sldLayout xmlns:a="http://schemas.openxmlformats.org/drawingml/2006/main" xmlns:r="http://schemas.openxmlformats.org/officeDocument/2006/relationships" xmlns:p="http://schemas.openxmlformats.org/presentationml/2006/main" type="secHead" preserve="1" showMasterSp="0">
+<p:sldLayout xmlns:a="http://schemas.openxmlformats.org/drawingml/2006/main" xmlns:r="http://schemas.openxmlformats.org/officeDocument/2006/relationships" xmlns:p="http://schemas.openxmlformats.org/presentationml/2006/main" showMasterSp="0" type="secHead" preserve="1">
   <p:cSld name="节标题">
     <p:spTree>
       <p:nvGrpSpPr>
@@ -8437,7 +8485,6 @@
               <a:rPr lang="zh-CN" altLang="en-US" noProof="1"/>
               <a:t>单击此处编辑母版文本样式</a:t>
             </a:r>
-            <a:endParaRPr lang="zh-CN" altLang="en-US" noProof="1"/>
           </a:p>
         </p:txBody>
       </p:sp>
@@ -8462,6 +8509,7 @@
           <a:p>
             <a:fld id="{C33D8BF3-04B1-4578-9944-A784348B543C}" type="datetimeFigureOut">
               <a:rPr lang="zh-CN" altLang="en-US"/>
+              <a:t>2021/8/30</a:t>
             </a:fld>
             <a:endParaRPr lang="zh-CN" altLang="en-US"/>
           </a:p>
@@ -8511,6 +8559,7 @@
           <a:p>
             <a:fld id="{F1E35CDB-C783-4F0F-A377-9F52908D4EA3}" type="slidenum">
               <a:rPr lang="zh-CN" altLang="en-US"/>
+              <a:t>‹#›</a:t>
             </a:fld>
             <a:endParaRPr lang="zh-CN" altLang="en-US"/>
           </a:p>
@@ -8593,7 +8642,6 @@
               <a:rPr lang="zh-CN" altLang="en-US" noProof="1"/>
               <a:t>单击此处编辑母版文本样式</a:t>
             </a:r>
-            <a:endParaRPr lang="zh-CN" altLang="en-US" noProof="1"/>
           </a:p>
           <a:p>
             <a:pPr lvl="1"/>
@@ -8601,7 +8649,6 @@
               <a:rPr lang="zh-CN" altLang="en-US" noProof="1"/>
               <a:t>第二级</a:t>
             </a:r>
-            <a:endParaRPr lang="zh-CN" altLang="en-US" noProof="1"/>
           </a:p>
           <a:p>
             <a:pPr lvl="2"/>
@@ -8609,7 +8656,6 @@
               <a:rPr lang="zh-CN" altLang="en-US" noProof="1"/>
               <a:t>第三级</a:t>
             </a:r>
-            <a:endParaRPr lang="zh-CN" altLang="en-US" noProof="1"/>
           </a:p>
           <a:p>
             <a:pPr lvl="3"/>
@@ -8617,7 +8663,6 @@
               <a:rPr lang="zh-CN" altLang="en-US" noProof="1"/>
               <a:t>第四级</a:t>
             </a:r>
-            <a:endParaRPr lang="zh-CN" altLang="en-US" noProof="1"/>
           </a:p>
           <a:p>
             <a:pPr lvl="4"/>
@@ -8654,7 +8699,6 @@
               <a:rPr lang="zh-CN" altLang="en-US" noProof="1"/>
               <a:t>单击此处编辑母版文本样式</a:t>
             </a:r>
-            <a:endParaRPr lang="zh-CN" altLang="en-US" noProof="1"/>
           </a:p>
           <a:p>
             <a:pPr lvl="1"/>
@@ -8662,7 +8706,6 @@
               <a:rPr lang="zh-CN" altLang="en-US" noProof="1"/>
               <a:t>第二级</a:t>
             </a:r>
-            <a:endParaRPr lang="zh-CN" altLang="en-US" noProof="1"/>
           </a:p>
           <a:p>
             <a:pPr lvl="2"/>
@@ -8670,7 +8713,6 @@
               <a:rPr lang="zh-CN" altLang="en-US" noProof="1"/>
               <a:t>第三级</a:t>
             </a:r>
-            <a:endParaRPr lang="zh-CN" altLang="en-US" noProof="1"/>
           </a:p>
           <a:p>
             <a:pPr lvl="3"/>
@@ -8678,7 +8720,6 @@
               <a:rPr lang="zh-CN" altLang="en-US" noProof="1"/>
               <a:t>第四级</a:t>
             </a:r>
-            <a:endParaRPr lang="zh-CN" altLang="en-US" noProof="1"/>
           </a:p>
           <a:p>
             <a:pPr lvl="4"/>
@@ -8711,6 +8752,7 @@
           <a:p>
             <a:fld id="{C33D8BF3-04B1-4578-9944-A784348B543C}" type="datetimeFigureOut">
               <a:rPr lang="zh-CN" altLang="en-US"/>
+              <a:t>2021/8/30</a:t>
             </a:fld>
             <a:endParaRPr lang="zh-CN" altLang="en-US"/>
           </a:p>
@@ -8760,6 +8802,7 @@
           <a:p>
             <a:fld id="{FD1C98B6-4319-4E0F-99E0-E5819F0ACB40}" type="slidenum">
               <a:rPr lang="zh-CN" altLang="en-US"/>
+              <a:t>‹#›</a:t>
             </a:fld>
             <a:endParaRPr lang="zh-CN" altLang="en-US"/>
           </a:p>
@@ -8852,7 +8895,6 @@
               <a:rPr lang="zh-CN" altLang="en-US" noProof="1"/>
               <a:t>单击此处编辑母版文本样式</a:t>
             </a:r>
-            <a:endParaRPr lang="zh-CN" altLang="en-US" noProof="1"/>
           </a:p>
         </p:txBody>
       </p:sp>
@@ -8881,7 +8923,6 @@
               <a:rPr lang="zh-CN" altLang="en-US" noProof="1"/>
               <a:t>单击此处编辑母版文本样式</a:t>
             </a:r>
-            <a:endParaRPr lang="zh-CN" altLang="en-US" noProof="1"/>
           </a:p>
           <a:p>
             <a:pPr lvl="1"/>
@@ -8889,7 +8930,6 @@
               <a:rPr lang="zh-CN" altLang="en-US" noProof="1"/>
               <a:t>第二级</a:t>
             </a:r>
-            <a:endParaRPr lang="zh-CN" altLang="en-US" noProof="1"/>
           </a:p>
           <a:p>
             <a:pPr lvl="2"/>
@@ -8897,7 +8937,6 @@
               <a:rPr lang="zh-CN" altLang="en-US" noProof="1"/>
               <a:t>第三级</a:t>
             </a:r>
-            <a:endParaRPr lang="zh-CN" altLang="en-US" noProof="1"/>
           </a:p>
           <a:p>
             <a:pPr lvl="3"/>
@@ -8905,7 +8944,6 @@
               <a:rPr lang="zh-CN" altLang="en-US" noProof="1"/>
               <a:t>第四级</a:t>
             </a:r>
-            <a:endParaRPr lang="zh-CN" altLang="en-US" noProof="1"/>
           </a:p>
           <a:p>
             <a:pPr lvl="4"/>
@@ -8979,7 +9017,6 @@
               <a:rPr lang="zh-CN" altLang="en-US" noProof="1"/>
               <a:t>单击此处编辑母版文本样式</a:t>
             </a:r>
-            <a:endParaRPr lang="zh-CN" altLang="en-US" noProof="1"/>
           </a:p>
         </p:txBody>
       </p:sp>
@@ -9008,7 +9045,6 @@
               <a:rPr lang="zh-CN" altLang="en-US" noProof="1"/>
               <a:t>单击此处编辑母版文本样式</a:t>
             </a:r>
-            <a:endParaRPr lang="zh-CN" altLang="en-US" noProof="1"/>
           </a:p>
           <a:p>
             <a:pPr lvl="1"/>
@@ -9016,7 +9052,6 @@
               <a:rPr lang="zh-CN" altLang="en-US" noProof="1"/>
               <a:t>第二级</a:t>
             </a:r>
-            <a:endParaRPr lang="zh-CN" altLang="en-US" noProof="1"/>
           </a:p>
           <a:p>
             <a:pPr lvl="2"/>
@@ -9024,7 +9059,6 @@
               <a:rPr lang="zh-CN" altLang="en-US" noProof="1"/>
               <a:t>第三级</a:t>
             </a:r>
-            <a:endParaRPr lang="zh-CN" altLang="en-US" noProof="1"/>
           </a:p>
           <a:p>
             <a:pPr lvl="3"/>
@@ -9032,7 +9066,6 @@
               <a:rPr lang="zh-CN" altLang="en-US" noProof="1"/>
               <a:t>第四级</a:t>
             </a:r>
-            <a:endParaRPr lang="zh-CN" altLang="en-US" noProof="1"/>
           </a:p>
           <a:p>
             <a:pPr lvl="4"/>
@@ -9097,6 +9130,7 @@
           <a:p>
             <a:fld id="{C33D8BF3-04B1-4578-9944-A784348B543C}" type="datetimeFigureOut">
               <a:rPr lang="zh-CN" altLang="en-US"/>
+              <a:t>2021/8/30</a:t>
             </a:fld>
             <a:endParaRPr lang="zh-CN" altLang="en-US"/>
           </a:p>
@@ -9146,6 +9180,7 @@
           <a:p>
             <a:fld id="{70147208-7F83-4CA4-9DAF-39A5483FA9E2}" type="slidenum">
               <a:rPr lang="zh-CN" altLang="en-US"/>
+              <a:t>‹#›</a:t>
             </a:fld>
             <a:endParaRPr lang="zh-CN" altLang="en-US"/>
           </a:p>
@@ -9992,7 +10027,7 @@
           </p:cNvSpPr>
           <p:nvPr>
             <p:custDataLst>
-              <p:tags r:id="rId2"/>
+              <p:tags r:id="rId1"/>
             </p:custDataLst>
           </p:nvPr>
         </p:nvSpPr>
@@ -10305,7 +10340,7 @@
           </p:cNvSpPr>
           <p:nvPr>
             <p:custDataLst>
-              <p:tags r:id="rId3"/>
+              <p:tags r:id="rId2"/>
             </p:custDataLst>
           </p:nvPr>
         </p:nvSpPr>
@@ -10813,7 +10848,7 @@
           </p:cNvSpPr>
           <p:nvPr>
             <p:custDataLst>
-              <p:tags r:id="rId4"/>
+              <p:tags r:id="rId3"/>
             </p:custDataLst>
           </p:nvPr>
         </p:nvSpPr>
@@ -11245,7 +11280,6 @@
               <a:rPr lang="zh-CN" altLang="en-US" noProof="1"/>
               <a:t>编辑标题</a:t>
             </a:r>
-            <a:endParaRPr lang="zh-CN" altLang="en-US" noProof="1"/>
           </a:p>
         </p:txBody>
       </p:sp>
@@ -11285,7 +11319,6 @@
               <a:rPr lang="zh-CN" altLang="en-US" noProof="1"/>
               <a:t>编辑文本</a:t>
             </a:r>
-            <a:endParaRPr lang="zh-CN" altLang="en-US" noProof="1"/>
           </a:p>
         </p:txBody>
       </p:sp>
@@ -11325,7 +11358,6 @@
               <a:rPr lang="zh-CN" altLang="en-US" noProof="1"/>
               <a:t>编辑文本</a:t>
             </a:r>
-            <a:endParaRPr lang="zh-CN" altLang="en-US" noProof="1"/>
           </a:p>
         </p:txBody>
       </p:sp>
@@ -11365,7 +11397,6 @@
               <a:rPr lang="zh-CN" altLang="en-US" noProof="1"/>
               <a:t>编辑文本</a:t>
             </a:r>
-            <a:endParaRPr lang="zh-CN" altLang="en-US" noProof="1"/>
           </a:p>
         </p:txBody>
       </p:sp>
@@ -11390,6 +11421,7 @@
           <a:p>
             <a:fld id="{C33D8BF3-04B1-4578-9944-A784348B543C}" type="datetimeFigureOut">
               <a:rPr lang="zh-CN" altLang="en-US"/>
+              <a:t>2021/8/30</a:t>
             </a:fld>
             <a:endParaRPr lang="zh-CN" altLang="en-US"/>
           </a:p>
@@ -11439,6 +11471,7 @@
           <a:p>
             <a:fld id="{01488A32-9D98-48BF-BE0B-A317326D1409}" type="slidenum">
               <a:rPr lang="zh-CN" altLang="en-US"/>
+              <a:t>‹#›</a:t>
             </a:fld>
             <a:endParaRPr lang="zh-CN" altLang="en-US"/>
           </a:p>
@@ -11453,7 +11486,7 @@
 </file>
 
 <file path=ppt/slideLayouts/slideLayout7.xml><?xml version="1.0" encoding="utf-8"?>
-<p:sldLayout xmlns:a="http://schemas.openxmlformats.org/drawingml/2006/main" xmlns:r="http://schemas.openxmlformats.org/officeDocument/2006/relationships" xmlns:p="http://schemas.openxmlformats.org/presentationml/2006/main" type="blank" preserve="1" showMasterSp="0">
+<p:sldLayout xmlns:a="http://schemas.openxmlformats.org/drawingml/2006/main" xmlns:r="http://schemas.openxmlformats.org/officeDocument/2006/relationships" xmlns:p="http://schemas.openxmlformats.org/presentationml/2006/main" showMasterSp="0" type="blank" preserve="1">
   <p:cSld name="空白">
     <p:spTree>
       <p:nvGrpSpPr>
@@ -11490,6 +11523,7 @@
           <a:p>
             <a:fld id="{C33D8BF3-04B1-4578-9944-A784348B543C}" type="datetimeFigureOut">
               <a:rPr lang="zh-CN" altLang="en-US"/>
+              <a:t>2021/8/30</a:t>
             </a:fld>
             <a:endParaRPr lang="zh-CN" altLang="en-US"/>
           </a:p>
@@ -11539,6 +11573,7 @@
           <a:p>
             <a:fld id="{30D36166-AAC6-44D4-BC67-11299A51180F}" type="slidenum">
               <a:rPr lang="zh-CN" altLang="en-US"/>
+              <a:t>‹#›</a:t>
             </a:fld>
             <a:endParaRPr lang="zh-CN" altLang="en-US"/>
           </a:p>
@@ -11679,6 +11714,7 @@
           <a:p>
             <a:fld id="{C33D8BF3-04B1-4578-9944-A784348B543C}" type="datetimeFigureOut">
               <a:rPr lang="zh-CN" altLang="en-US"/>
+              <a:t>2021/8/30</a:t>
             </a:fld>
             <a:endParaRPr lang="zh-CN" altLang="en-US"/>
           </a:p>
@@ -11728,6 +11764,7 @@
           <a:p>
             <a:fld id="{339826B4-9239-423D-99B4-AB3ACE263E43}" type="slidenum">
               <a:rPr lang="zh-CN" altLang="en-US"/>
+              <a:t>‹#›</a:t>
             </a:fld>
             <a:endParaRPr lang="zh-CN" altLang="en-US"/>
           </a:p>
@@ -11742,7 +11779,7 @@
 </file>
 
 <file path=ppt/slideLayouts/slideLayout9.xml><?xml version="1.0" encoding="utf-8"?>
-<p:sldLayout xmlns:a="http://schemas.openxmlformats.org/drawingml/2006/main" xmlns:r="http://schemas.openxmlformats.org/officeDocument/2006/relationships" xmlns:p="http://schemas.openxmlformats.org/presentationml/2006/main" type="vertTitleAndTx" preserve="1" showMasterSp="0">
+<p:sldLayout xmlns:a="http://schemas.openxmlformats.org/drawingml/2006/main" xmlns:r="http://schemas.openxmlformats.org/officeDocument/2006/relationships" xmlns:p="http://schemas.openxmlformats.org/presentationml/2006/main" showMasterSp="0" type="vertTitleAndTx" preserve="1">
   <p:cSld name="垂直排列标题与&#10;文本">
     <p:spTree>
       <p:nvGrpSpPr>
@@ -11821,7 +11858,6 @@
               <a:rPr lang="zh-CN" altLang="en-US" noProof="1"/>
               <a:t>单击此处编辑母版文本样式</a:t>
             </a:r>
-            <a:endParaRPr lang="zh-CN" altLang="en-US" noProof="1"/>
           </a:p>
           <a:p>
             <a:pPr lvl="1"/>
@@ -11829,7 +11865,6 @@
               <a:rPr lang="zh-CN" altLang="en-US" noProof="1"/>
               <a:t>第二级</a:t>
             </a:r>
-            <a:endParaRPr lang="zh-CN" altLang="en-US" noProof="1"/>
           </a:p>
           <a:p>
             <a:pPr lvl="2"/>
@@ -11837,7 +11872,6 @@
               <a:rPr lang="zh-CN" altLang="en-US" noProof="1"/>
               <a:t>第三级</a:t>
             </a:r>
-            <a:endParaRPr lang="zh-CN" altLang="en-US" noProof="1"/>
           </a:p>
           <a:p>
             <a:pPr lvl="3"/>
@@ -11845,7 +11879,6 @@
               <a:rPr lang="zh-CN" altLang="en-US" noProof="1"/>
               <a:t>第四级</a:t>
             </a:r>
-            <a:endParaRPr lang="zh-CN" altLang="en-US" noProof="1"/>
           </a:p>
           <a:p>
             <a:pPr lvl="4"/>
@@ -11878,6 +11911,7 @@
           <a:p>
             <a:fld id="{C33D8BF3-04B1-4578-9944-A784348B543C}" type="datetimeFigureOut">
               <a:rPr lang="zh-CN" altLang="en-US"/>
+              <a:t>2021/8/30</a:t>
             </a:fld>
             <a:endParaRPr lang="zh-CN" altLang="en-US"/>
           </a:p>
@@ -11927,6 +11961,7 @@
           <a:p>
             <a:fld id="{1A5130E6-7CAF-4560-AC59-D1BFBBDCBA15}" type="slidenum">
               <a:rPr lang="zh-CN" altLang="en-US"/>
+              <a:t>‹#›</a:t>
             </a:fld>
             <a:endParaRPr lang="zh-CN" altLang="en-US"/>
           </a:p>
@@ -12030,7 +12065,7 @@
             <a:avLst/>
           </a:prstGeom>
           <a:blipFill dpi="0" rotWithShape="1">
-            <a:blip r:embed="rId24" cstate="print">
+            <a:blip r:embed="rId27" cstate="print">
               <a:extLst>
                 <a:ext uri="{28A0092B-C50C-407E-A947-70E740481C1C}">
                   <a14:useLocalDpi xmlns:a14="http://schemas.microsoft.com/office/drawing/2010/main" val="0"/>
@@ -12166,7 +12201,6 @@
               <a:rPr lang="zh-CN" altLang="en-US" noProof="1"/>
               <a:t>单击此处编辑母版文本样式</a:t>
             </a:r>
-            <a:endParaRPr lang="zh-CN" altLang="en-US" noProof="1"/>
           </a:p>
           <a:p>
             <a:pPr lvl="1"/>
@@ -12174,7 +12208,6 @@
               <a:rPr lang="zh-CN" altLang="en-US" noProof="1"/>
               <a:t>第二级</a:t>
             </a:r>
-            <a:endParaRPr lang="zh-CN" altLang="en-US" noProof="1"/>
           </a:p>
           <a:p>
             <a:pPr lvl="2"/>
@@ -12182,7 +12215,6 @@
               <a:rPr lang="zh-CN" altLang="en-US" noProof="1"/>
               <a:t>第三级</a:t>
             </a:r>
-            <a:endParaRPr lang="zh-CN" altLang="en-US" noProof="1"/>
           </a:p>
           <a:p>
             <a:pPr lvl="3"/>
@@ -12190,7 +12222,6 @@
               <a:rPr lang="zh-CN" altLang="en-US" noProof="1"/>
               <a:t>第四级</a:t>
             </a:r>
-            <a:endParaRPr lang="zh-CN" altLang="en-US" noProof="1"/>
           </a:p>
           <a:p>
             <a:pPr lvl="4"/>
@@ -12237,6 +12268,7 @@
           <a:p>
             <a:fld id="{C33D8BF3-04B1-4578-9944-A784348B543C}" type="datetimeFigureOut">
               <a:rPr lang="zh-CN" altLang="en-US"/>
+              <a:t>2021/8/30</a:t>
             </a:fld>
             <a:endParaRPr lang="zh-CN" altLang="en-US"/>
           </a:p>
@@ -12312,6 +12344,7 @@
           <a:p>
             <a:fld id="{6EB9AECA-C369-43E2-86C6-D1D542B4F2ED}" type="slidenum">
               <a:rPr lang="zh-CN" altLang="en-US"/>
+              <a:t>‹#›</a:t>
             </a:fld>
             <a:endParaRPr lang="zh-CN" altLang="en-US"/>
           </a:p>
@@ -13200,14 +13233,6 @@
               </a:rPr>
               <a:t>基本原理</a:t>
             </a:r>
-            <a:endParaRPr lang="zh-CN" altLang="en-US" sz="2400" b="1">
-              <a:solidFill>
-                <a:schemeClr val="bg1"/>
-              </a:solidFill>
-              <a:latin typeface="微软雅黑 Light" panose="020B0502040204020203" pitchFamily="34" charset="-122"/>
-              <a:ea typeface="微软雅黑 Light" panose="020B0502040204020203" pitchFamily="34" charset="-122"/>
-              <a:sym typeface="宋体" panose="02010600030101010101" pitchFamily="2" charset="-122"/>
-            </a:endParaRPr>
           </a:p>
         </p:txBody>
       </p:sp>
@@ -13561,7 +13586,7 @@
         <p:spPr bwMode="auto">
           <a:xfrm>
             <a:off x="539750" y="268288"/>
-            <a:ext cx="4167188" cy="368300"/>
+            <a:ext cx="4208140" cy="369332"/>
           </a:xfrm>
           <a:prstGeom prst="rect">
             <a:avLst/>
@@ -13707,30 +13732,63 @@
           </a:lstStyle>
           <a:p>
             <a:r>
-              <a:rPr lang="en-US" altLang="zh-CN">
-                <a:solidFill>
-                  <a:srgbClr val="000000"/>
+              <a:rPr lang="en-US" altLang="zh-CN" dirty="0">
+                <a:solidFill>
+                  <a:schemeClr val="bg1"/>
                 </a:solidFill>
                 <a:latin typeface="微软雅黑" panose="020B0503020204020204" pitchFamily="34" charset="-122"/>
                 <a:ea typeface="微软雅黑" panose="020B0503020204020204" pitchFamily="34" charset="-122"/>
                 <a:sym typeface="宋体" panose="02010600030101010101" pitchFamily="2" charset="-122"/>
               </a:rPr>
-              <a:t>3.1.2 运行原理 - Android设备</a:t>
-            </a:r>
-            <a:r>
-              <a:rPr lang="zh-CN" altLang="en-US">
-                <a:solidFill>
-                  <a:srgbClr val="000000"/>
+              <a:t>3.1.2 </a:t>
+            </a:r>
+            <a:r>
+              <a:rPr lang="en-US" altLang="zh-CN" dirty="0" err="1">
+                <a:solidFill>
+                  <a:schemeClr val="bg1"/>
                 </a:solidFill>
                 <a:latin typeface="微软雅黑" panose="020B0503020204020204" pitchFamily="34" charset="-122"/>
                 <a:ea typeface="微软雅黑" panose="020B0503020204020204" pitchFamily="34" charset="-122"/>
                 <a:sym typeface="宋体" panose="02010600030101010101" pitchFamily="2" charset="-122"/>
               </a:rPr>
+              <a:t>运行原理</a:t>
+            </a:r>
+            <a:r>
+              <a:rPr lang="en-US" altLang="zh-CN" dirty="0">
+                <a:solidFill>
+                  <a:schemeClr val="bg1"/>
+                </a:solidFill>
+                <a:latin typeface="微软雅黑" panose="020B0503020204020204" pitchFamily="34" charset="-122"/>
+                <a:ea typeface="微软雅黑" panose="020B0503020204020204" pitchFamily="34" charset="-122"/>
+                <a:sym typeface="宋体" panose="02010600030101010101" pitchFamily="2" charset="-122"/>
+              </a:rPr>
+              <a:t> - </a:t>
+            </a:r>
+            <a:r>
+              <a:rPr lang="en-US" altLang="zh-CN" dirty="0" err="1">
+                <a:solidFill>
+                  <a:schemeClr val="bg1"/>
+                </a:solidFill>
+                <a:latin typeface="微软雅黑" panose="020B0503020204020204" pitchFamily="34" charset="-122"/>
+                <a:ea typeface="微软雅黑" panose="020B0503020204020204" pitchFamily="34" charset="-122"/>
+                <a:sym typeface="宋体" panose="02010600030101010101" pitchFamily="2" charset="-122"/>
+              </a:rPr>
+              <a:t>Android设备</a:t>
+            </a:r>
+            <a:r>
+              <a:rPr lang="zh-CN" altLang="en-US" dirty="0">
+                <a:solidFill>
+                  <a:schemeClr val="bg1"/>
+                </a:solidFill>
+                <a:latin typeface="微软雅黑" panose="020B0503020204020204" pitchFamily="34" charset="-122"/>
+                <a:ea typeface="微软雅黑" panose="020B0503020204020204" pitchFamily="34" charset="-122"/>
+                <a:sym typeface="宋体" panose="02010600030101010101" pitchFamily="2" charset="-122"/>
+              </a:rPr>
               <a:t>启动过程</a:t>
             </a:r>
-            <a:endParaRPr lang="en-US" altLang="zh-CN">
+            <a:endParaRPr lang="en-US" altLang="zh-CN" dirty="0">
               <a:solidFill>
-                <a:srgbClr val="000000"/>
+                <a:schemeClr val="bg1"/>
               </a:solidFill>
               <a:latin typeface="微软雅黑" panose="020B0503020204020204" pitchFamily="34" charset="-122"/>
               <a:ea typeface="微软雅黑" panose="020B0503020204020204" pitchFamily="34" charset="-122"/>
@@ -13854,7 +13912,7 @@
           <p:nvPr/>
         </p:nvPicPr>
         <p:blipFill>
-          <a:blip r:embed="rId1">
+          <a:blip r:embed="rId4">
             <a:extLst>
               <a:ext uri="{28A0092B-C50C-407E-A947-70E740481C1C}">
                 <a14:useLocalDpi xmlns:a14="http://schemas.microsoft.com/office/drawing/2010/main" val="0"/>
@@ -13953,6 +14011,8 @@
               </a:rPr>
               <a:t>第三步：内核</a:t>
             </a:r>
+          </a:p>
+          <a:p>
             <a:endParaRPr lang="zh-CN" altLang="en-US" noProof="1">
               <a:solidFill>
                 <a:srgbClr val="000000"/>
@@ -13963,6 +14023,19 @@
             </a:endParaRPr>
           </a:p>
           <a:p>
+            <a:r>
+              <a:rPr lang="zh-CN" altLang="en-US" noProof="1">
+                <a:solidFill>
+                  <a:srgbClr val="000000"/>
+                </a:solidFill>
+                <a:latin typeface="微软雅黑" panose="020B0503020204020204" pitchFamily="34" charset="-122"/>
+                <a:ea typeface="微软雅黑" panose="020B0503020204020204" pitchFamily="34" charset="-122"/>
+                <a:sym typeface="宋体" panose="02010600030101010101" pitchFamily="2" charset="-122"/>
+              </a:rPr>
+              <a:t>Android内核与桌面linux内核启动的方式类似。</a:t>
+            </a:r>
+          </a:p>
+          <a:p>
             <a:endParaRPr lang="zh-CN" altLang="en-US" noProof="1">
               <a:solidFill>
                 <a:srgbClr val="000000"/>
@@ -13973,37 +14046,6 @@
             </a:endParaRPr>
           </a:p>
           <a:p>
-            <a:r>
-              <a:rPr lang="zh-CN" altLang="en-US" noProof="1">
-                <a:solidFill>
-                  <a:srgbClr val="000000"/>
-                </a:solidFill>
-                <a:latin typeface="微软雅黑" panose="020B0503020204020204" pitchFamily="34" charset="-122"/>
-                <a:ea typeface="微软雅黑" panose="020B0503020204020204" pitchFamily="34" charset="-122"/>
-                <a:sym typeface="宋体" panose="02010600030101010101" pitchFamily="2" charset="-122"/>
-              </a:rPr>
-              <a:t>Android内核与桌面linux内核启动的方式类似。</a:t>
-            </a:r>
-            <a:endParaRPr lang="zh-CN" altLang="en-US" noProof="1">
-              <a:solidFill>
-                <a:srgbClr val="000000"/>
-              </a:solidFill>
-              <a:latin typeface="微软雅黑" panose="020B0503020204020204" pitchFamily="34" charset="-122"/>
-              <a:ea typeface="微软雅黑" panose="020B0503020204020204" pitchFamily="34" charset="-122"/>
-              <a:sym typeface="宋体" panose="02010600030101010101" pitchFamily="2" charset="-122"/>
-            </a:endParaRPr>
-          </a:p>
-          <a:p>
-            <a:endParaRPr lang="zh-CN" altLang="en-US" noProof="1">
-              <a:solidFill>
-                <a:srgbClr val="000000"/>
-              </a:solidFill>
-              <a:latin typeface="微软雅黑" panose="020B0503020204020204" pitchFamily="34" charset="-122"/>
-              <a:ea typeface="微软雅黑" panose="020B0503020204020204" pitchFamily="34" charset="-122"/>
-              <a:sym typeface="宋体" panose="02010600030101010101" pitchFamily="2" charset="-122"/>
-            </a:endParaRPr>
-          </a:p>
-          <a:p>
             <a:pPr marL="285750" indent="-285750">
               <a:buFont typeface="Wingdings" panose="05000000000000000000" charset="0"/>
               <a:buChar char=""/>
@@ -14019,14 +14061,6 @@
               </a:rPr>
               <a:t>内核启动时，设置缓存、被保护存储器、计划列表，加载驱动。</a:t>
             </a:r>
-            <a:endParaRPr lang="zh-CN" altLang="en-US" noProof="1">
-              <a:solidFill>
-                <a:srgbClr val="000000"/>
-              </a:solidFill>
-              <a:latin typeface="微软雅黑" panose="020B0503020204020204" pitchFamily="34" charset="-122"/>
-              <a:ea typeface="微软雅黑" panose="020B0503020204020204" pitchFamily="34" charset="-122"/>
-              <a:sym typeface="宋体" panose="02010600030101010101" pitchFamily="2" charset="-122"/>
-            </a:endParaRPr>
           </a:p>
           <a:p>
             <a:pPr marL="285750" indent="-285750">
@@ -14058,6 +14092,8 @@
               </a:rPr>
               <a:t>内核完成系统设置，首先在系统文件中寻找”init”文件，然后启动root进程或者系统的第一个进程。</a:t>
             </a:r>
+          </a:p>
+          <a:p>
             <a:endParaRPr lang="zh-CN" altLang="en-US" noProof="1">
               <a:solidFill>
                 <a:srgbClr val="000000"/>
@@ -14077,21 +14113,11 @@
               <a:sym typeface="宋体" panose="02010600030101010101" pitchFamily="2" charset="-122"/>
             </a:endParaRPr>
           </a:p>
-          <a:p>
-            <a:endParaRPr lang="zh-CN" altLang="en-US" noProof="1">
-              <a:solidFill>
-                <a:srgbClr val="000000"/>
-              </a:solidFill>
-              <a:latin typeface="微软雅黑" panose="020B0503020204020204" pitchFamily="34" charset="-122"/>
-              <a:ea typeface="微软雅黑" panose="020B0503020204020204" pitchFamily="34" charset="-122"/>
-              <a:sym typeface="宋体" panose="02010600030101010101" pitchFamily="2" charset="-122"/>
-            </a:endParaRPr>
-          </a:p>
         </p:txBody>
       </p:sp>
     </p:spTree>
     <p:custDataLst>
-      <p:tags r:id="rId2"/>
+      <p:tags r:id="rId1"/>
     </p:custDataLst>
   </p:cSld>
   <p:clrMapOvr>
@@ -14131,7 +14157,7 @@
         <p:spPr bwMode="auto">
           <a:xfrm>
             <a:off x="539750" y="268288"/>
-            <a:ext cx="4167188" cy="368300"/>
+            <a:ext cx="4208140" cy="369332"/>
           </a:xfrm>
           <a:prstGeom prst="rect">
             <a:avLst/>
@@ -14277,30 +14303,63 @@
           </a:lstStyle>
           <a:p>
             <a:r>
-              <a:rPr lang="en-US" altLang="zh-CN">
-                <a:solidFill>
-                  <a:srgbClr val="000000"/>
+              <a:rPr lang="en-US" altLang="zh-CN" dirty="0">
+                <a:solidFill>
+                  <a:schemeClr val="bg1"/>
                 </a:solidFill>
                 <a:latin typeface="微软雅黑" panose="020B0503020204020204" pitchFamily="34" charset="-122"/>
                 <a:ea typeface="微软雅黑" panose="020B0503020204020204" pitchFamily="34" charset="-122"/>
                 <a:sym typeface="宋体" panose="02010600030101010101" pitchFamily="2" charset="-122"/>
               </a:rPr>
-              <a:t>3.1.2 运行原理 - Android设备</a:t>
-            </a:r>
-            <a:r>
-              <a:rPr lang="zh-CN" altLang="en-US">
-                <a:solidFill>
-                  <a:srgbClr val="000000"/>
+              <a:t>3.1.2 </a:t>
+            </a:r>
+            <a:r>
+              <a:rPr lang="en-US" altLang="zh-CN" dirty="0" err="1">
+                <a:solidFill>
+                  <a:schemeClr val="bg1"/>
                 </a:solidFill>
                 <a:latin typeface="微软雅黑" panose="020B0503020204020204" pitchFamily="34" charset="-122"/>
                 <a:ea typeface="微软雅黑" panose="020B0503020204020204" pitchFamily="34" charset="-122"/>
                 <a:sym typeface="宋体" panose="02010600030101010101" pitchFamily="2" charset="-122"/>
               </a:rPr>
+              <a:t>运行原理</a:t>
+            </a:r>
+            <a:r>
+              <a:rPr lang="en-US" altLang="zh-CN" dirty="0">
+                <a:solidFill>
+                  <a:schemeClr val="bg1"/>
+                </a:solidFill>
+                <a:latin typeface="微软雅黑" panose="020B0503020204020204" pitchFamily="34" charset="-122"/>
+                <a:ea typeface="微软雅黑" panose="020B0503020204020204" pitchFamily="34" charset="-122"/>
+                <a:sym typeface="宋体" panose="02010600030101010101" pitchFamily="2" charset="-122"/>
+              </a:rPr>
+              <a:t> - </a:t>
+            </a:r>
+            <a:r>
+              <a:rPr lang="en-US" altLang="zh-CN" dirty="0" err="1">
+                <a:solidFill>
+                  <a:schemeClr val="bg1"/>
+                </a:solidFill>
+                <a:latin typeface="微软雅黑" panose="020B0503020204020204" pitchFamily="34" charset="-122"/>
+                <a:ea typeface="微软雅黑" panose="020B0503020204020204" pitchFamily="34" charset="-122"/>
+                <a:sym typeface="宋体" panose="02010600030101010101" pitchFamily="2" charset="-122"/>
+              </a:rPr>
+              <a:t>Android设备</a:t>
+            </a:r>
+            <a:r>
+              <a:rPr lang="zh-CN" altLang="en-US" dirty="0">
+                <a:solidFill>
+                  <a:schemeClr val="bg1"/>
+                </a:solidFill>
+                <a:latin typeface="微软雅黑" panose="020B0503020204020204" pitchFamily="34" charset="-122"/>
+                <a:ea typeface="微软雅黑" panose="020B0503020204020204" pitchFamily="34" charset="-122"/>
+                <a:sym typeface="宋体" panose="02010600030101010101" pitchFamily="2" charset="-122"/>
+              </a:rPr>
               <a:t>启动过程</a:t>
             </a:r>
-            <a:endParaRPr lang="en-US" altLang="zh-CN">
+            <a:endParaRPr lang="en-US" altLang="zh-CN" dirty="0">
               <a:solidFill>
-                <a:srgbClr val="000000"/>
+                <a:schemeClr val="bg1"/>
               </a:solidFill>
               <a:latin typeface="微软雅黑" panose="020B0503020204020204" pitchFamily="34" charset="-122"/>
               <a:ea typeface="微软雅黑" panose="020B0503020204020204" pitchFamily="34" charset="-122"/>
@@ -14424,7 +14483,7 @@
           <p:nvPr/>
         </p:nvPicPr>
         <p:blipFill>
-          <a:blip r:embed="rId1">
+          <a:blip r:embed="rId4">
             <a:extLst>
               <a:ext uri="{28A0092B-C50C-407E-A947-70E740481C1C}">
                 <a14:useLocalDpi xmlns:a14="http://schemas.microsoft.com/office/drawing/2010/main" val="0"/>
@@ -14523,6 +14582,8 @@
               </a:rPr>
               <a:t>第四步：init进程</a:t>
             </a:r>
+          </a:p>
+          <a:p>
             <a:endParaRPr lang="zh-CN" altLang="en-US" noProof="1">
               <a:solidFill>
                 <a:srgbClr val="000000"/>
@@ -14533,6 +14594,19 @@
             </a:endParaRPr>
           </a:p>
           <a:p>
+            <a:r>
+              <a:rPr lang="zh-CN" altLang="en-US" noProof="1">
+                <a:solidFill>
+                  <a:srgbClr val="000000"/>
+                </a:solidFill>
+                <a:latin typeface="微软雅黑" panose="020B0503020204020204" pitchFamily="34" charset="-122"/>
+                <a:ea typeface="微软雅黑" panose="020B0503020204020204" pitchFamily="34" charset="-122"/>
+                <a:sym typeface="宋体" panose="02010600030101010101" pitchFamily="2" charset="-122"/>
+              </a:rPr>
+              <a:t>init是第一个进程。有两个责任：</a:t>
+            </a:r>
+          </a:p>
+          <a:p>
             <a:endParaRPr lang="zh-CN" altLang="en-US" noProof="1">
               <a:solidFill>
                 <a:srgbClr val="000000"/>
@@ -14543,37 +14617,6 @@
             </a:endParaRPr>
           </a:p>
           <a:p>
-            <a:r>
-              <a:rPr lang="zh-CN" altLang="en-US" noProof="1">
-                <a:solidFill>
-                  <a:srgbClr val="000000"/>
-                </a:solidFill>
-                <a:latin typeface="微软雅黑" panose="020B0503020204020204" pitchFamily="34" charset="-122"/>
-                <a:ea typeface="微软雅黑" panose="020B0503020204020204" pitchFamily="34" charset="-122"/>
-                <a:sym typeface="宋体" panose="02010600030101010101" pitchFamily="2" charset="-122"/>
-              </a:rPr>
-              <a:t>init是第一个进程。有两个责任：</a:t>
-            </a:r>
-            <a:endParaRPr lang="zh-CN" altLang="en-US" noProof="1">
-              <a:solidFill>
-                <a:srgbClr val="000000"/>
-              </a:solidFill>
-              <a:latin typeface="微软雅黑" panose="020B0503020204020204" pitchFamily="34" charset="-122"/>
-              <a:ea typeface="微软雅黑" panose="020B0503020204020204" pitchFamily="34" charset="-122"/>
-              <a:sym typeface="宋体" panose="02010600030101010101" pitchFamily="2" charset="-122"/>
-            </a:endParaRPr>
-          </a:p>
-          <a:p>
-            <a:endParaRPr lang="zh-CN" altLang="en-US" noProof="1">
-              <a:solidFill>
-                <a:srgbClr val="000000"/>
-              </a:solidFill>
-              <a:latin typeface="微软雅黑" panose="020B0503020204020204" pitchFamily="34" charset="-122"/>
-              <a:ea typeface="微软雅黑" panose="020B0503020204020204" pitchFamily="34" charset="-122"/>
-              <a:sym typeface="宋体" panose="02010600030101010101" pitchFamily="2" charset="-122"/>
-            </a:endParaRPr>
-          </a:p>
-          <a:p>
             <a:pPr marL="285750" indent="-285750">
               <a:buFont typeface="Wingdings" panose="05000000000000000000" charset="0"/>
               <a:buChar char=""/>
@@ -14589,14 +14632,6 @@
               </a:rPr>
               <a:t>挂载目录，比如/sys、/dev、/proc</a:t>
             </a:r>
-            <a:endParaRPr lang="zh-CN" altLang="en-US" noProof="1">
-              <a:solidFill>
-                <a:srgbClr val="000000"/>
-              </a:solidFill>
-              <a:latin typeface="微软雅黑" panose="020B0503020204020204" pitchFamily="34" charset="-122"/>
-              <a:ea typeface="微软雅黑" panose="020B0503020204020204" pitchFamily="34" charset="-122"/>
-              <a:sym typeface="宋体" panose="02010600030101010101" pitchFamily="2" charset="-122"/>
-            </a:endParaRPr>
           </a:p>
           <a:p>
             <a:pPr marL="285750" indent="-285750">
@@ -14628,6 +14663,8 @@
               </a:rPr>
               <a:t>运行init.rc脚本。</a:t>
             </a:r>
+          </a:p>
+          <a:p>
             <a:endParaRPr lang="zh-CN" altLang="en-US" noProof="1">
               <a:solidFill>
                 <a:srgbClr val="000000"/>
@@ -14648,6 +14685,44 @@
             </a:endParaRPr>
           </a:p>
           <a:p>
+            <a:r>
+              <a:rPr lang="zh-CN" altLang="en-US" noProof="1">
+                <a:solidFill>
+                  <a:srgbClr val="000000"/>
+                </a:solidFill>
+                <a:latin typeface="微软雅黑" panose="020B0503020204020204" pitchFamily="34" charset="-122"/>
+                <a:ea typeface="微软雅黑" panose="020B0503020204020204" pitchFamily="34" charset="-122"/>
+                <a:sym typeface="宋体" panose="02010600030101010101" pitchFamily="2" charset="-122"/>
+              </a:rPr>
+              <a:t>在这个阶段可以在设备的屏幕上看到</a:t>
+            </a:r>
+            <a:r>
+              <a:rPr lang="zh-CN" altLang="en-US" noProof="1">
+                <a:solidFill>
+                  <a:srgbClr val="000000"/>
+                </a:solidFill>
+                <a:highlight>
+                  <a:srgbClr val="FFFF00"/>
+                </a:highlight>
+                <a:latin typeface="微软雅黑" panose="020B0503020204020204" pitchFamily="34" charset="-122"/>
+                <a:ea typeface="微软雅黑" panose="020B0503020204020204" pitchFamily="34" charset="-122"/>
+                <a:sym typeface="宋体" panose="02010600030101010101" pitchFamily="2" charset="-122"/>
+              </a:rPr>
+              <a:t>“Android”logo</a:t>
+            </a:r>
+            <a:r>
+              <a:rPr lang="zh-CN" altLang="en-US" noProof="1">
+                <a:solidFill>
+                  <a:srgbClr val="000000"/>
+                </a:solidFill>
+                <a:latin typeface="微软雅黑" panose="020B0503020204020204" pitchFamily="34" charset="-122"/>
+                <a:ea typeface="微软雅黑" panose="020B0503020204020204" pitchFamily="34" charset="-122"/>
+                <a:sym typeface="宋体" panose="02010600030101010101" pitchFamily="2" charset="-122"/>
+              </a:rPr>
+              <a:t>。</a:t>
+            </a:r>
+          </a:p>
+          <a:p>
             <a:endParaRPr lang="zh-CN" altLang="en-US" noProof="1">
               <a:solidFill>
                 <a:srgbClr val="000000"/>
@@ -14658,42 +14733,6 @@
             </a:endParaRPr>
           </a:p>
           <a:p>
-            <a:r>
-              <a:rPr lang="zh-CN" altLang="en-US" noProof="1">
-                <a:solidFill>
-                  <a:srgbClr val="000000"/>
-                </a:solidFill>
-                <a:latin typeface="微软雅黑" panose="020B0503020204020204" pitchFamily="34" charset="-122"/>
-                <a:ea typeface="微软雅黑" panose="020B0503020204020204" pitchFamily="34" charset="-122"/>
-                <a:sym typeface="宋体" panose="02010600030101010101" pitchFamily="2" charset="-122"/>
-              </a:rPr>
-              <a:t>在这个阶段可以在设备的屏幕上看到</a:t>
-            </a:r>
-            <a:r>
-              <a:rPr lang="zh-CN" altLang="en-US" noProof="1">
-                <a:solidFill>
-                  <a:srgbClr val="000000"/>
-                </a:solidFill>
-                <a:highlight>
-                  <a:srgbClr val="FFFF00"/>
-                </a:highlight>
-                <a:latin typeface="微软雅黑" panose="020B0503020204020204" pitchFamily="34" charset="-122"/>
-                <a:ea typeface="微软雅黑" panose="020B0503020204020204" pitchFamily="34" charset="-122"/>
-                <a:sym typeface="宋体" panose="02010600030101010101" pitchFamily="2" charset="-122"/>
-              </a:rPr>
-              <a:t>“Android”logo</a:t>
-            </a:r>
-            <a:r>
-              <a:rPr lang="zh-CN" altLang="en-US" noProof="1">
-                <a:solidFill>
-                  <a:srgbClr val="000000"/>
-                </a:solidFill>
-                <a:latin typeface="微软雅黑" panose="020B0503020204020204" pitchFamily="34" charset="-122"/>
-                <a:ea typeface="微软雅黑" panose="020B0503020204020204" pitchFamily="34" charset="-122"/>
-                <a:sym typeface="宋体" panose="02010600030101010101" pitchFamily="2" charset="-122"/>
-              </a:rPr>
-              <a:t>。</a:t>
-            </a:r>
             <a:endParaRPr lang="zh-CN" altLang="en-US" noProof="1">
               <a:solidFill>
                 <a:srgbClr val="000000"/>
@@ -14703,31 +14742,11 @@
               <a:sym typeface="宋体" panose="02010600030101010101" pitchFamily="2" charset="-122"/>
             </a:endParaRPr>
           </a:p>
-          <a:p>
-            <a:endParaRPr lang="zh-CN" altLang="en-US" noProof="1">
-              <a:solidFill>
-                <a:srgbClr val="000000"/>
-              </a:solidFill>
-              <a:latin typeface="微软雅黑" panose="020B0503020204020204" pitchFamily="34" charset="-122"/>
-              <a:ea typeface="微软雅黑" panose="020B0503020204020204" pitchFamily="34" charset="-122"/>
-              <a:sym typeface="宋体" panose="02010600030101010101" pitchFamily="2" charset="-122"/>
-            </a:endParaRPr>
-          </a:p>
-          <a:p>
-            <a:endParaRPr lang="zh-CN" altLang="en-US" noProof="1">
-              <a:solidFill>
-                <a:srgbClr val="000000"/>
-              </a:solidFill>
-              <a:latin typeface="微软雅黑" panose="020B0503020204020204" pitchFamily="34" charset="-122"/>
-              <a:ea typeface="微软雅黑" panose="020B0503020204020204" pitchFamily="34" charset="-122"/>
-              <a:sym typeface="宋体" panose="02010600030101010101" pitchFamily="2" charset="-122"/>
-            </a:endParaRPr>
-          </a:p>
         </p:txBody>
       </p:sp>
     </p:spTree>
     <p:custDataLst>
-      <p:tags r:id="rId2"/>
+      <p:tags r:id="rId1"/>
     </p:custDataLst>
   </p:cSld>
   <p:clrMapOvr>
@@ -14767,7 +14786,7 @@
         <p:spPr bwMode="auto">
           <a:xfrm>
             <a:off x="539750" y="268288"/>
-            <a:ext cx="4167188" cy="368300"/>
+            <a:ext cx="4208140" cy="369332"/>
           </a:xfrm>
           <a:prstGeom prst="rect">
             <a:avLst/>
@@ -14913,30 +14932,63 @@
           </a:lstStyle>
           <a:p>
             <a:r>
-              <a:rPr lang="en-US" altLang="zh-CN">
-                <a:solidFill>
-                  <a:srgbClr val="000000"/>
+              <a:rPr lang="en-US" altLang="zh-CN" dirty="0">
+                <a:solidFill>
+                  <a:schemeClr val="bg1"/>
                 </a:solidFill>
                 <a:latin typeface="微软雅黑" panose="020B0503020204020204" pitchFamily="34" charset="-122"/>
                 <a:ea typeface="微软雅黑" panose="020B0503020204020204" pitchFamily="34" charset="-122"/>
                 <a:sym typeface="宋体" panose="02010600030101010101" pitchFamily="2" charset="-122"/>
               </a:rPr>
-              <a:t>3.1.2 运行原理 - Android设备</a:t>
-            </a:r>
-            <a:r>
-              <a:rPr lang="zh-CN" altLang="en-US">
-                <a:solidFill>
-                  <a:srgbClr val="000000"/>
+              <a:t>3.1.2 </a:t>
+            </a:r>
+            <a:r>
+              <a:rPr lang="en-US" altLang="zh-CN" dirty="0" err="1">
+                <a:solidFill>
+                  <a:schemeClr val="bg1"/>
                 </a:solidFill>
                 <a:latin typeface="微软雅黑" panose="020B0503020204020204" pitchFamily="34" charset="-122"/>
                 <a:ea typeface="微软雅黑" panose="020B0503020204020204" pitchFamily="34" charset="-122"/>
                 <a:sym typeface="宋体" panose="02010600030101010101" pitchFamily="2" charset="-122"/>
               </a:rPr>
+              <a:t>运行原理</a:t>
+            </a:r>
+            <a:r>
+              <a:rPr lang="en-US" altLang="zh-CN" dirty="0">
+                <a:solidFill>
+                  <a:schemeClr val="bg1"/>
+                </a:solidFill>
+                <a:latin typeface="微软雅黑" panose="020B0503020204020204" pitchFamily="34" charset="-122"/>
+                <a:ea typeface="微软雅黑" panose="020B0503020204020204" pitchFamily="34" charset="-122"/>
+                <a:sym typeface="宋体" panose="02010600030101010101" pitchFamily="2" charset="-122"/>
+              </a:rPr>
+              <a:t> - </a:t>
+            </a:r>
+            <a:r>
+              <a:rPr lang="en-US" altLang="zh-CN" dirty="0" err="1">
+                <a:solidFill>
+                  <a:schemeClr val="bg1"/>
+                </a:solidFill>
+                <a:latin typeface="微软雅黑" panose="020B0503020204020204" pitchFamily="34" charset="-122"/>
+                <a:ea typeface="微软雅黑" panose="020B0503020204020204" pitchFamily="34" charset="-122"/>
+                <a:sym typeface="宋体" panose="02010600030101010101" pitchFamily="2" charset="-122"/>
+              </a:rPr>
+              <a:t>Android设备</a:t>
+            </a:r>
+            <a:r>
+              <a:rPr lang="zh-CN" altLang="en-US" dirty="0">
+                <a:solidFill>
+                  <a:schemeClr val="bg1"/>
+                </a:solidFill>
+                <a:latin typeface="微软雅黑" panose="020B0503020204020204" pitchFamily="34" charset="-122"/>
+                <a:ea typeface="微软雅黑" panose="020B0503020204020204" pitchFamily="34" charset="-122"/>
+                <a:sym typeface="宋体" panose="02010600030101010101" pitchFamily="2" charset="-122"/>
+              </a:rPr>
               <a:t>启动过程</a:t>
             </a:r>
-            <a:endParaRPr lang="en-US" altLang="zh-CN">
+            <a:endParaRPr lang="en-US" altLang="zh-CN" dirty="0">
               <a:solidFill>
-                <a:srgbClr val="000000"/>
+                <a:schemeClr val="bg1"/>
               </a:solidFill>
               <a:latin typeface="微软雅黑" panose="020B0503020204020204" pitchFamily="34" charset="-122"/>
               <a:ea typeface="微软雅黑" panose="020B0503020204020204" pitchFamily="34" charset="-122"/>
@@ -15060,7 +15112,7 @@
           <p:nvPr/>
         </p:nvPicPr>
         <p:blipFill>
-          <a:blip r:embed="rId1">
+          <a:blip r:embed="rId4">
             <a:extLst>
               <a:ext uri="{28A0092B-C50C-407E-A947-70E740481C1C}">
                 <a14:useLocalDpi xmlns:a14="http://schemas.microsoft.com/office/drawing/2010/main" val="0"/>
@@ -15271,6 +15323,8 @@
               </a:rPr>
               <a:t>第五步</a:t>
             </a:r>
+          </a:p>
+          <a:p>
             <a:endParaRPr lang="zh-CN" altLang="en-US" dirty="0">
               <a:solidFill>
                 <a:srgbClr val="000000"/>
@@ -15281,6 +15335,19 @@
             </a:endParaRPr>
           </a:p>
           <a:p>
+            <a:r>
+              <a:rPr lang="zh-CN" altLang="en-US" dirty="0">
+                <a:solidFill>
+                  <a:srgbClr val="000000"/>
+                </a:solidFill>
+                <a:latin typeface="微软雅黑" panose="020B0503020204020204" pitchFamily="34" charset="-122"/>
+                <a:ea typeface="微软雅黑" panose="020B0503020204020204" pitchFamily="34" charset="-122"/>
+                <a:sym typeface="宋体" panose="02010600030101010101" pitchFamily="2" charset="-122"/>
+              </a:rPr>
+              <a:t>Zygote让Dalvik虚拟机共享代码、低内存占用以及最小的启动时间成为可能。</a:t>
+            </a:r>
+          </a:p>
+          <a:p>
             <a:endParaRPr lang="zh-CN" altLang="en-US" dirty="0">
               <a:solidFill>
                 <a:srgbClr val="000000"/>
@@ -15291,17 +15358,6 @@
             </a:endParaRPr>
           </a:p>
           <a:p>
-            <a:r>
-              <a:rPr lang="zh-CN" altLang="en-US" dirty="0">
-                <a:solidFill>
-                  <a:srgbClr val="000000"/>
-                </a:solidFill>
-                <a:latin typeface="微软雅黑" panose="020B0503020204020204" pitchFamily="34" charset="-122"/>
-                <a:ea typeface="微软雅黑" panose="020B0503020204020204" pitchFamily="34" charset="-122"/>
-                <a:sym typeface="宋体" panose="02010600030101010101" pitchFamily="2" charset="-122"/>
-              </a:rPr>
-              <a:t>Zygote让Dalvik虚拟机共享代码、低内存占用以及最小的启动时间成为可能。</a:t>
-            </a:r>
             <a:endParaRPr lang="zh-CN" altLang="en-US" dirty="0">
               <a:solidFill>
                 <a:srgbClr val="000000"/>
@@ -15312,6 +15368,19 @@
             </a:endParaRPr>
           </a:p>
           <a:p>
+            <a:r>
+              <a:rPr lang="zh-CN" altLang="en-US" dirty="0">
+                <a:solidFill>
+                  <a:srgbClr val="000000"/>
+                </a:solidFill>
+                <a:latin typeface="微软雅黑" panose="020B0503020204020204" pitchFamily="34" charset="-122"/>
+                <a:ea typeface="微软雅黑" panose="020B0503020204020204" pitchFamily="34" charset="-122"/>
+                <a:sym typeface="宋体" panose="02010600030101010101" pitchFamily="2" charset="-122"/>
+              </a:rPr>
+              <a:t>Zygote预加载以及初始化核心库类。</a:t>
+            </a:r>
+          </a:p>
+          <a:p>
             <a:endParaRPr lang="zh-CN" altLang="en-US" dirty="0">
               <a:solidFill>
                 <a:srgbClr val="000000"/>
@@ -15341,8 +15410,35 @@
                 <a:ea typeface="微软雅黑" panose="020B0503020204020204" pitchFamily="34" charset="-122"/>
                 <a:sym typeface="宋体" panose="02010600030101010101" pitchFamily="2" charset="-122"/>
               </a:rPr>
-              <a:t>Zygote预加载以及初始化核心库类。</a:t>
-            </a:r>
+              <a:t>在这个阶段，可以看到</a:t>
+            </a:r>
+            <a:r>
+              <a:rPr lang="zh-CN" altLang="en-US" dirty="0">
+                <a:solidFill>
+                  <a:srgbClr val="000000"/>
+                </a:solidFill>
+                <a:highlight>
+                  <a:srgbClr val="FFFF00"/>
+                </a:highlight>
+                <a:latin typeface="微软雅黑" panose="020B0503020204020204" pitchFamily="34" charset="-122"/>
+                <a:ea typeface="微软雅黑" panose="020B0503020204020204" pitchFamily="34" charset="-122"/>
+                <a:sym typeface="宋体" panose="02010600030101010101" pitchFamily="2" charset="-122"/>
+              </a:rPr>
+              <a:t>启动动画</a:t>
+            </a:r>
+            <a:r>
+              <a:rPr lang="zh-CN" altLang="en-US" dirty="0">
+                <a:solidFill>
+                  <a:srgbClr val="000000"/>
+                </a:solidFill>
+                <a:latin typeface="微软雅黑" panose="020B0503020204020204" pitchFamily="34" charset="-122"/>
+                <a:ea typeface="微软雅黑" panose="020B0503020204020204" pitchFamily="34" charset="-122"/>
+                <a:sym typeface="宋体" panose="02010600030101010101" pitchFamily="2" charset="-122"/>
+              </a:rPr>
+              <a:t>。</a:t>
+            </a:r>
+          </a:p>
+          <a:p>
             <a:endParaRPr lang="zh-CN" altLang="en-US" dirty="0">
               <a:solidFill>
                 <a:srgbClr val="000000"/>
@@ -15362,87 +15458,11 @@
               <a:sym typeface="宋体" panose="02010600030101010101" pitchFamily="2" charset="-122"/>
             </a:endParaRPr>
           </a:p>
-          <a:p>
-            <a:endParaRPr lang="zh-CN" altLang="en-US" dirty="0">
-              <a:solidFill>
-                <a:srgbClr val="000000"/>
-              </a:solidFill>
-              <a:latin typeface="微软雅黑" panose="020B0503020204020204" pitchFamily="34" charset="-122"/>
-              <a:ea typeface="微软雅黑" panose="020B0503020204020204" pitchFamily="34" charset="-122"/>
-              <a:sym typeface="宋体" panose="02010600030101010101" pitchFamily="2" charset="-122"/>
-            </a:endParaRPr>
-          </a:p>
-          <a:p>
-            <a:r>
-              <a:rPr lang="zh-CN" altLang="en-US" dirty="0">
-                <a:solidFill>
-                  <a:srgbClr val="000000"/>
-                </a:solidFill>
-                <a:latin typeface="微软雅黑" panose="020B0503020204020204" pitchFamily="34" charset="-122"/>
-                <a:ea typeface="微软雅黑" panose="020B0503020204020204" pitchFamily="34" charset="-122"/>
-                <a:sym typeface="宋体" panose="02010600030101010101" pitchFamily="2" charset="-122"/>
-              </a:rPr>
-              <a:t>在这个阶段，可以看到</a:t>
-            </a:r>
-            <a:r>
-              <a:rPr lang="zh-CN" altLang="en-US" dirty="0">
-                <a:solidFill>
-                  <a:srgbClr val="000000"/>
-                </a:solidFill>
-                <a:highlight>
-                  <a:srgbClr val="FFFF00"/>
-                </a:highlight>
-                <a:latin typeface="微软雅黑" panose="020B0503020204020204" pitchFamily="34" charset="-122"/>
-                <a:ea typeface="微软雅黑" panose="020B0503020204020204" pitchFamily="34" charset="-122"/>
-                <a:sym typeface="宋体" panose="02010600030101010101" pitchFamily="2" charset="-122"/>
-              </a:rPr>
-              <a:t>启动动画</a:t>
-            </a:r>
-            <a:r>
-              <a:rPr lang="zh-CN" altLang="en-US" dirty="0">
-                <a:solidFill>
-                  <a:srgbClr val="000000"/>
-                </a:solidFill>
-                <a:latin typeface="微软雅黑" panose="020B0503020204020204" pitchFamily="34" charset="-122"/>
-                <a:ea typeface="微软雅黑" panose="020B0503020204020204" pitchFamily="34" charset="-122"/>
-                <a:sym typeface="宋体" panose="02010600030101010101" pitchFamily="2" charset="-122"/>
-              </a:rPr>
-              <a:t>。</a:t>
-            </a:r>
-            <a:endParaRPr lang="zh-CN" altLang="en-US" dirty="0">
-              <a:solidFill>
-                <a:srgbClr val="000000"/>
-              </a:solidFill>
-              <a:latin typeface="微软雅黑" panose="020B0503020204020204" pitchFamily="34" charset="-122"/>
-              <a:ea typeface="微软雅黑" panose="020B0503020204020204" pitchFamily="34" charset="-122"/>
-              <a:sym typeface="宋体" panose="02010600030101010101" pitchFamily="2" charset="-122"/>
-            </a:endParaRPr>
-          </a:p>
-          <a:p>
-            <a:endParaRPr lang="zh-CN" altLang="en-US" dirty="0">
-              <a:solidFill>
-                <a:srgbClr val="000000"/>
-              </a:solidFill>
-              <a:latin typeface="微软雅黑" panose="020B0503020204020204" pitchFamily="34" charset="-122"/>
-              <a:ea typeface="微软雅黑" panose="020B0503020204020204" pitchFamily="34" charset="-122"/>
-              <a:sym typeface="宋体" panose="02010600030101010101" pitchFamily="2" charset="-122"/>
-            </a:endParaRPr>
-          </a:p>
-          <a:p>
-            <a:endParaRPr lang="zh-CN" altLang="en-US" dirty="0">
-              <a:solidFill>
-                <a:srgbClr val="000000"/>
-              </a:solidFill>
-              <a:latin typeface="微软雅黑" panose="020B0503020204020204" pitchFamily="34" charset="-122"/>
-              <a:ea typeface="微软雅黑" panose="020B0503020204020204" pitchFamily="34" charset="-122"/>
-              <a:sym typeface="宋体" panose="02010600030101010101" pitchFamily="2" charset="-122"/>
-            </a:endParaRPr>
-          </a:p>
         </p:txBody>
       </p:sp>
     </p:spTree>
     <p:custDataLst>
-      <p:tags r:id="rId2"/>
+      <p:tags r:id="rId1"/>
     </p:custDataLst>
   </p:cSld>
   <p:clrMapOvr>
@@ -15482,7 +15502,7 @@
         <p:spPr bwMode="auto">
           <a:xfrm>
             <a:off x="539750" y="268288"/>
-            <a:ext cx="4167188" cy="368300"/>
+            <a:ext cx="4208140" cy="369332"/>
           </a:xfrm>
           <a:prstGeom prst="rect">
             <a:avLst/>
@@ -15628,30 +15648,63 @@
           </a:lstStyle>
           <a:p>
             <a:r>
-              <a:rPr lang="en-US" altLang="zh-CN">
-                <a:solidFill>
-                  <a:srgbClr val="000000"/>
+              <a:rPr lang="en-US" altLang="zh-CN" dirty="0">
+                <a:solidFill>
+                  <a:schemeClr val="bg1"/>
                 </a:solidFill>
                 <a:latin typeface="微软雅黑" panose="020B0503020204020204" pitchFamily="34" charset="-122"/>
                 <a:ea typeface="微软雅黑" panose="020B0503020204020204" pitchFamily="34" charset="-122"/>
                 <a:sym typeface="宋体" panose="02010600030101010101" pitchFamily="2" charset="-122"/>
               </a:rPr>
-              <a:t>3.1.2 运行原理 - Android设备</a:t>
-            </a:r>
-            <a:r>
-              <a:rPr lang="zh-CN" altLang="en-US">
-                <a:solidFill>
-                  <a:srgbClr val="000000"/>
+              <a:t>3.1.2 </a:t>
+            </a:r>
+            <a:r>
+              <a:rPr lang="en-US" altLang="zh-CN" dirty="0" err="1">
+                <a:solidFill>
+                  <a:schemeClr val="bg1"/>
                 </a:solidFill>
                 <a:latin typeface="微软雅黑" panose="020B0503020204020204" pitchFamily="34" charset="-122"/>
                 <a:ea typeface="微软雅黑" panose="020B0503020204020204" pitchFamily="34" charset="-122"/>
                 <a:sym typeface="宋体" panose="02010600030101010101" pitchFamily="2" charset="-122"/>
               </a:rPr>
+              <a:t>运行原理</a:t>
+            </a:r>
+            <a:r>
+              <a:rPr lang="en-US" altLang="zh-CN" dirty="0">
+                <a:solidFill>
+                  <a:schemeClr val="bg1"/>
+                </a:solidFill>
+                <a:latin typeface="微软雅黑" panose="020B0503020204020204" pitchFamily="34" charset="-122"/>
+                <a:ea typeface="微软雅黑" panose="020B0503020204020204" pitchFamily="34" charset="-122"/>
+                <a:sym typeface="宋体" panose="02010600030101010101" pitchFamily="2" charset="-122"/>
+              </a:rPr>
+              <a:t> - </a:t>
+            </a:r>
+            <a:r>
+              <a:rPr lang="en-US" altLang="zh-CN" dirty="0" err="1">
+                <a:solidFill>
+                  <a:schemeClr val="bg1"/>
+                </a:solidFill>
+                <a:latin typeface="微软雅黑" panose="020B0503020204020204" pitchFamily="34" charset="-122"/>
+                <a:ea typeface="微软雅黑" panose="020B0503020204020204" pitchFamily="34" charset="-122"/>
+                <a:sym typeface="宋体" panose="02010600030101010101" pitchFamily="2" charset="-122"/>
+              </a:rPr>
+              <a:t>Android设备</a:t>
+            </a:r>
+            <a:r>
+              <a:rPr lang="zh-CN" altLang="en-US" dirty="0">
+                <a:solidFill>
+                  <a:schemeClr val="bg1"/>
+                </a:solidFill>
+                <a:latin typeface="微软雅黑" panose="020B0503020204020204" pitchFamily="34" charset="-122"/>
+                <a:ea typeface="微软雅黑" panose="020B0503020204020204" pitchFamily="34" charset="-122"/>
+                <a:sym typeface="宋体" panose="02010600030101010101" pitchFamily="2" charset="-122"/>
+              </a:rPr>
               <a:t>启动过程</a:t>
             </a:r>
-            <a:endParaRPr lang="en-US" altLang="zh-CN">
+            <a:endParaRPr lang="en-US" altLang="zh-CN" dirty="0">
               <a:solidFill>
-                <a:srgbClr val="000000"/>
+                <a:schemeClr val="bg1"/>
               </a:solidFill>
               <a:latin typeface="微软雅黑" panose="020B0503020204020204" pitchFamily="34" charset="-122"/>
               <a:ea typeface="微软雅黑" panose="020B0503020204020204" pitchFamily="34" charset="-122"/>
@@ -15775,7 +15828,7 @@
           <p:nvPr/>
         </p:nvPicPr>
         <p:blipFill>
-          <a:blip r:embed="rId1">
+          <a:blip r:embed="rId4">
             <a:extLst>
               <a:ext uri="{28A0092B-C50C-407E-A947-70E740481C1C}">
                 <a14:useLocalDpi xmlns:a14="http://schemas.microsoft.com/office/drawing/2010/main" val="0"/>
@@ -15986,6 +16039,8 @@
               </a:rPr>
               <a:t>第六步：系统服务或服务</a:t>
             </a:r>
+          </a:p>
+          <a:p>
             <a:endParaRPr lang="zh-CN" altLang="en-US" dirty="0">
               <a:solidFill>
                 <a:srgbClr val="000000"/>
@@ -15996,16 +16051,6 @@
             </a:endParaRPr>
           </a:p>
           <a:p>
-            <a:endParaRPr lang="zh-CN" altLang="en-US" dirty="0">
-              <a:solidFill>
-                <a:srgbClr val="000000"/>
-              </a:solidFill>
-              <a:latin typeface="微软雅黑" panose="020B0503020204020204" pitchFamily="34" charset="-122"/>
-              <a:ea typeface="微软雅黑" panose="020B0503020204020204" pitchFamily="34" charset="-122"/>
-              <a:sym typeface="宋体" panose="02010600030101010101" pitchFamily="2" charset="-122"/>
-            </a:endParaRPr>
-          </a:p>
-          <a:p>
             <a:r>
               <a:rPr lang="zh-CN" altLang="en-US" dirty="0">
                 <a:solidFill>
@@ -16017,14 +16062,6 @@
               </a:rPr>
               <a:t>Zygote创建新的进程去启动系统服务。</a:t>
             </a:r>
-            <a:endParaRPr lang="zh-CN" altLang="en-US" dirty="0">
-              <a:solidFill>
-                <a:srgbClr val="000000"/>
-              </a:solidFill>
-              <a:latin typeface="微软雅黑" panose="020B0503020204020204" pitchFamily="34" charset="-122"/>
-              <a:ea typeface="微软雅黑" panose="020B0503020204020204" pitchFamily="34" charset="-122"/>
-              <a:sym typeface="宋体" panose="02010600030101010101" pitchFamily="2" charset="-122"/>
-            </a:endParaRPr>
           </a:p>
           <a:p>
             <a:endParaRPr lang="zh-CN" altLang="en-US" sz="1600" dirty="0">
@@ -16048,14 +16085,6 @@
               </a:rPr>
               <a:t>核心服务：</a:t>
             </a:r>
-            <a:endParaRPr lang="zh-CN" altLang="en-US" sz="1600" b="1" dirty="0">
-              <a:solidFill>
-                <a:srgbClr val="000000"/>
-              </a:solidFill>
-              <a:latin typeface="微软雅黑" panose="020B0503020204020204" pitchFamily="34" charset="-122"/>
-              <a:ea typeface="微软雅黑" panose="020B0503020204020204" pitchFamily="34" charset="-122"/>
-              <a:sym typeface="宋体" panose="02010600030101010101" pitchFamily="2" charset="-122"/>
-            </a:endParaRPr>
           </a:p>
           <a:p>
             <a:r>
@@ -16069,14 +16098,6 @@
               </a:rPr>
               <a:t>启动电源管理器；</a:t>
             </a:r>
-            <a:endParaRPr lang="zh-CN" altLang="en-US" sz="1600" dirty="0">
-              <a:solidFill>
-                <a:srgbClr val="000000"/>
-              </a:solidFill>
-              <a:latin typeface="微软雅黑" panose="020B0503020204020204" pitchFamily="34" charset="-122"/>
-              <a:ea typeface="微软雅黑" panose="020B0503020204020204" pitchFamily="34" charset="-122"/>
-              <a:sym typeface="宋体" panose="02010600030101010101" pitchFamily="2" charset="-122"/>
-            </a:endParaRPr>
           </a:p>
           <a:p>
             <a:r>
@@ -16090,14 +16111,6 @@
               </a:rPr>
               <a:t>创建Activity管理器；</a:t>
             </a:r>
-            <a:endParaRPr lang="zh-CN" altLang="en-US" sz="1600" dirty="0">
-              <a:solidFill>
-                <a:srgbClr val="000000"/>
-              </a:solidFill>
-              <a:latin typeface="微软雅黑" panose="020B0503020204020204" pitchFamily="34" charset="-122"/>
-              <a:ea typeface="微软雅黑" panose="020B0503020204020204" pitchFamily="34" charset="-122"/>
-              <a:sym typeface="宋体" panose="02010600030101010101" pitchFamily="2" charset="-122"/>
-            </a:endParaRPr>
           </a:p>
           <a:p>
             <a:r>
@@ -16111,14 +16124,6 @@
               </a:rPr>
               <a:t>启动电话注册；</a:t>
             </a:r>
-            <a:endParaRPr lang="zh-CN" altLang="en-US" sz="1600" dirty="0">
-              <a:solidFill>
-                <a:srgbClr val="000000"/>
-              </a:solidFill>
-              <a:latin typeface="微软雅黑" panose="020B0503020204020204" pitchFamily="34" charset="-122"/>
-              <a:ea typeface="微软雅黑" panose="020B0503020204020204" pitchFamily="34" charset="-122"/>
-              <a:sym typeface="宋体" panose="02010600030101010101" pitchFamily="2" charset="-122"/>
-            </a:endParaRPr>
           </a:p>
           <a:p>
             <a:r>
@@ -16132,6 +16137,8 @@
               </a:rPr>
               <a:t>……</a:t>
             </a:r>
+          </a:p>
+          <a:p>
             <a:endParaRPr lang="en-US" altLang="zh-CN" sz="1600" dirty="0">
               <a:solidFill>
                 <a:srgbClr val="000000"/>
@@ -16142,16 +16149,6 @@
             </a:endParaRPr>
           </a:p>
           <a:p>
-            <a:endParaRPr lang="en-US" altLang="zh-CN" sz="1600" dirty="0">
-              <a:solidFill>
-                <a:srgbClr val="000000"/>
-              </a:solidFill>
-              <a:latin typeface="微软雅黑" panose="020B0503020204020204" pitchFamily="34" charset="-122"/>
-              <a:ea typeface="微软雅黑" panose="020B0503020204020204" pitchFamily="34" charset="-122"/>
-              <a:sym typeface="宋体" panose="02010600030101010101" pitchFamily="2" charset="-122"/>
-            </a:endParaRPr>
-          </a:p>
-          <a:p>
             <a:r>
               <a:rPr lang="en-US" altLang="zh-CN" sz="1600" b="1" dirty="0" err="1">
                 <a:solidFill>
@@ -16174,14 +16171,6 @@
               </a:rPr>
               <a:t>：</a:t>
             </a:r>
-            <a:endParaRPr lang="en-US" altLang="zh-CN" sz="1600" b="1" dirty="0">
-              <a:solidFill>
-                <a:srgbClr val="000000"/>
-              </a:solidFill>
-              <a:latin typeface="微软雅黑" panose="020B0503020204020204" pitchFamily="34" charset="-122"/>
-              <a:ea typeface="微软雅黑" panose="020B0503020204020204" pitchFamily="34" charset="-122"/>
-              <a:sym typeface="宋体" panose="02010600030101010101" pitchFamily="2" charset="-122"/>
-            </a:endParaRPr>
           </a:p>
           <a:p>
             <a:r>
@@ -16206,14 +16195,6 @@
               </a:rPr>
               <a:t>；</a:t>
             </a:r>
-            <a:endParaRPr lang="en-US" altLang="zh-CN" sz="1600" dirty="0">
-              <a:solidFill>
-                <a:srgbClr val="000000"/>
-              </a:solidFill>
-              <a:latin typeface="微软雅黑" panose="020B0503020204020204" pitchFamily="34" charset="-122"/>
-              <a:ea typeface="微软雅黑" panose="020B0503020204020204" pitchFamily="34" charset="-122"/>
-              <a:sym typeface="宋体" panose="02010600030101010101" pitchFamily="2" charset="-122"/>
-            </a:endParaRPr>
           </a:p>
           <a:p>
             <a:r>
@@ -16238,14 +16219,6 @@
               </a:rPr>
               <a:t>；</a:t>
             </a:r>
-            <a:endParaRPr lang="en-US" altLang="zh-CN" sz="1600" dirty="0">
-              <a:solidFill>
-                <a:srgbClr val="000000"/>
-              </a:solidFill>
-              <a:latin typeface="微软雅黑" panose="020B0503020204020204" pitchFamily="34" charset="-122"/>
-              <a:ea typeface="微软雅黑" panose="020B0503020204020204" pitchFamily="34" charset="-122"/>
-              <a:sym typeface="宋体" panose="02010600030101010101" pitchFamily="2" charset="-122"/>
-            </a:endParaRPr>
           </a:p>
           <a:p>
             <a:r>
@@ -16270,14 +16243,6 @@
               </a:rPr>
               <a:t>；</a:t>
             </a:r>
-            <a:endParaRPr lang="en-US" altLang="zh-CN" sz="1600" dirty="0">
-              <a:solidFill>
-                <a:srgbClr val="000000"/>
-              </a:solidFill>
-              <a:latin typeface="微软雅黑" panose="020B0503020204020204" pitchFamily="34" charset="-122"/>
-              <a:ea typeface="微软雅黑" panose="020B0503020204020204" pitchFamily="34" charset="-122"/>
-              <a:sym typeface="宋体" panose="02010600030101010101" pitchFamily="2" charset="-122"/>
-            </a:endParaRPr>
           </a:p>
           <a:p>
             <a:r>
@@ -16291,14 +16256,6 @@
               </a:rPr>
               <a:t>……</a:t>
             </a:r>
-            <a:endParaRPr lang="en-US" altLang="zh-CN" sz="1600" dirty="0">
-              <a:solidFill>
-                <a:srgbClr val="000000"/>
-              </a:solidFill>
-              <a:latin typeface="微软雅黑" panose="020B0503020204020204" pitchFamily="34" charset="-122"/>
-              <a:ea typeface="微软雅黑" panose="020B0503020204020204" pitchFamily="34" charset="-122"/>
-              <a:sym typeface="宋体" panose="02010600030101010101" pitchFamily="2" charset="-122"/>
-            </a:endParaRPr>
           </a:p>
           <a:p>
             <a:endParaRPr lang="zh-CN" altLang="en-US" sz="1200" dirty="0">
@@ -16314,7 +16271,7 @@
       </p:sp>
     </p:spTree>
     <p:custDataLst>
-      <p:tags r:id="rId2"/>
+      <p:tags r:id="rId1"/>
     </p:custDataLst>
   </p:cSld>
   <p:clrMapOvr>
@@ -16354,7 +16311,7 @@
         <p:spPr bwMode="auto">
           <a:xfrm>
             <a:off x="539750" y="268288"/>
-            <a:ext cx="4624388" cy="368300"/>
+            <a:ext cx="4669805" cy="369332"/>
           </a:xfrm>
           <a:prstGeom prst="rect">
             <a:avLst/>
@@ -16500,30 +16457,52 @@
           </a:lstStyle>
           <a:p>
             <a:r>
-              <a:rPr lang="en-US" altLang="zh-CN">
-                <a:solidFill>
-                  <a:srgbClr val="000000"/>
+              <a:rPr lang="en-US" altLang="zh-CN" dirty="0">
+                <a:solidFill>
+                  <a:schemeClr val="bg1"/>
                 </a:solidFill>
                 <a:latin typeface="微软雅黑" panose="020B0503020204020204" pitchFamily="34" charset="-122"/>
                 <a:ea typeface="微软雅黑" panose="020B0503020204020204" pitchFamily="34" charset="-122"/>
                 <a:sym typeface="宋体" panose="02010600030101010101" pitchFamily="2" charset="-122"/>
               </a:rPr>
-              <a:t>3.1.2 运行原理 - Android</a:t>
-            </a:r>
-            <a:r>
-              <a:rPr lang="zh-CN" altLang="zh-CN">
-                <a:solidFill>
-                  <a:srgbClr val="000000"/>
+              <a:t>3.1.2 </a:t>
+            </a:r>
+            <a:r>
+              <a:rPr lang="en-US" altLang="zh-CN" dirty="0" err="1">
+                <a:solidFill>
+                  <a:schemeClr val="bg1"/>
                 </a:solidFill>
                 <a:latin typeface="微软雅黑" panose="020B0503020204020204" pitchFamily="34" charset="-122"/>
                 <a:ea typeface="微软雅黑" panose="020B0503020204020204" pitchFamily="34" charset="-122"/>
                 <a:sym typeface="宋体" panose="02010600030101010101" pitchFamily="2" charset="-122"/>
               </a:rPr>
+              <a:t>运行原理</a:t>
+            </a:r>
+            <a:r>
+              <a:rPr lang="en-US" altLang="zh-CN" dirty="0">
+                <a:solidFill>
+                  <a:schemeClr val="bg1"/>
+                </a:solidFill>
+                <a:latin typeface="微软雅黑" panose="020B0503020204020204" pitchFamily="34" charset="-122"/>
+                <a:ea typeface="微软雅黑" panose="020B0503020204020204" pitchFamily="34" charset="-122"/>
+                <a:sym typeface="宋体" panose="02010600030101010101" pitchFamily="2" charset="-122"/>
+              </a:rPr>
+              <a:t> - Android</a:t>
+            </a:r>
+            <a:r>
+              <a:rPr lang="zh-CN" altLang="zh-CN" dirty="0">
+                <a:solidFill>
+                  <a:schemeClr val="bg1"/>
+                </a:solidFill>
+                <a:latin typeface="微软雅黑" panose="020B0503020204020204" pitchFamily="34" charset="-122"/>
+                <a:ea typeface="微软雅黑" panose="020B0503020204020204" pitchFamily="34" charset="-122"/>
+                <a:sym typeface="宋体" panose="02010600030101010101" pitchFamily="2" charset="-122"/>
+              </a:rPr>
               <a:t>应用程序编译过程</a:t>
             </a:r>
-            <a:endParaRPr lang="zh-CN" altLang="zh-CN">
+            <a:endParaRPr lang="zh-CN" altLang="zh-CN" dirty="0">
               <a:solidFill>
-                <a:srgbClr val="000000"/>
+                <a:schemeClr val="bg1"/>
               </a:solidFill>
               <a:latin typeface="微软雅黑" panose="020B0503020204020204" pitchFamily="34" charset="-122"/>
               <a:ea typeface="微软雅黑" panose="020B0503020204020204" pitchFamily="34" charset="-122"/>
@@ -16706,6 +16685,8 @@
               </a:rPr>
               <a:t>步：</a:t>
             </a:r>
+          </a:p>
+          <a:p>
             <a:endParaRPr lang="zh-CN" altLang="en-US" noProof="1">
               <a:solidFill>
                 <a:srgbClr val="000000"/>
@@ -16716,6 +16697,19 @@
             </a:endParaRPr>
           </a:p>
           <a:p>
+            <a:r>
+              <a:rPr lang="zh-CN" altLang="en-US" noProof="1">
+                <a:solidFill>
+                  <a:srgbClr val="000000"/>
+                </a:solidFill>
+                <a:latin typeface="微软雅黑" panose="020B0503020204020204" pitchFamily="34" charset="-122"/>
+                <a:ea typeface="微软雅黑" panose="020B0503020204020204" pitchFamily="34" charset="-122"/>
+                <a:sym typeface="宋体" panose="02010600030101010101" pitchFamily="2" charset="-122"/>
+              </a:rPr>
+              <a:t>Java编译器对工程本身的java代码进行编译，这些java代码有三个来源：</a:t>
+            </a:r>
+          </a:p>
+          <a:p>
             <a:endParaRPr lang="zh-CN" altLang="en-US" noProof="1">
               <a:solidFill>
                 <a:srgbClr val="000000"/>
@@ -16726,6 +16720,10 @@
             </a:endParaRPr>
           </a:p>
           <a:p>
+            <a:pPr marL="285750" indent="-285750">
+              <a:buFont typeface="Arial" panose="020B0604020202020204" pitchFamily="34" charset="0"/>
+              <a:buChar char="•"/>
+            </a:pPr>
             <a:r>
               <a:rPr lang="zh-CN" altLang="en-US" noProof="1">
                 <a:solidFill>
@@ -16735,8 +16733,44 @@
                 <a:ea typeface="微软雅黑" panose="020B0503020204020204" pitchFamily="34" charset="-122"/>
                 <a:sym typeface="宋体" panose="02010600030101010101" pitchFamily="2" charset="-122"/>
               </a:rPr>
-              <a:t>Java编译器对工程本身的java代码进行编译，这些java代码有三个来源：</a:t>
-            </a:r>
+              <a:t>app的源代码</a:t>
+            </a:r>
+          </a:p>
+          <a:p>
+            <a:pPr marL="285750" indent="-285750">
+              <a:buFont typeface="Arial" panose="020B0604020202020204" pitchFamily="34" charset="0"/>
+              <a:buChar char="•"/>
+            </a:pPr>
+            <a:r>
+              <a:rPr lang="zh-CN" altLang="en-US" noProof="1">
+                <a:solidFill>
+                  <a:srgbClr val="000000"/>
+                </a:solidFill>
+                <a:latin typeface="微软雅黑" panose="020B0503020204020204" pitchFamily="34" charset="-122"/>
+                <a:ea typeface="微软雅黑" panose="020B0503020204020204" pitchFamily="34" charset="-122"/>
+                <a:sym typeface="宋体" panose="02010600030101010101" pitchFamily="2" charset="-122"/>
+              </a:rPr>
+              <a:t>资源文件生成的R文件(aapt工具)</a:t>
+            </a:r>
+          </a:p>
+          <a:p>
+            <a:pPr marL="285750" indent="-285750">
+              <a:buFont typeface="Arial" panose="020B0604020202020204" pitchFamily="34" charset="0"/>
+              <a:buChar char="•"/>
+            </a:pPr>
+            <a:r>
+              <a:rPr lang="zh-CN" altLang="en-US" noProof="1">
+                <a:solidFill>
+                  <a:srgbClr val="000000"/>
+                </a:solidFill>
+                <a:latin typeface="微软雅黑" panose="020B0503020204020204" pitchFamily="34" charset="-122"/>
+                <a:ea typeface="微软雅黑" panose="020B0503020204020204" pitchFamily="34" charset="-122"/>
+                <a:sym typeface="宋体" panose="02010600030101010101" pitchFamily="2" charset="-122"/>
+              </a:rPr>
+              <a:t>aidl文件生成的java接口文件(aidl工具)</a:t>
+            </a:r>
+          </a:p>
+          <a:p>
             <a:endParaRPr lang="zh-CN" altLang="en-US" noProof="1">
               <a:solidFill>
                 <a:srgbClr val="000000"/>
@@ -16747,20 +16781,6 @@
             </a:endParaRPr>
           </a:p>
           <a:p>
-            <a:endParaRPr lang="zh-CN" altLang="en-US" noProof="1">
-              <a:solidFill>
-                <a:srgbClr val="000000"/>
-              </a:solidFill>
-              <a:latin typeface="微软雅黑" panose="020B0503020204020204" pitchFamily="34" charset="-122"/>
-              <a:ea typeface="微软雅黑" panose="020B0503020204020204" pitchFamily="34" charset="-122"/>
-              <a:sym typeface="宋体" panose="02010600030101010101" pitchFamily="2" charset="-122"/>
-            </a:endParaRPr>
-          </a:p>
-          <a:p>
-            <a:pPr marL="285750" indent="-285750">
-              <a:buFont typeface="Arial" panose="020B0604020202020204" pitchFamily="34" charset="0"/>
-              <a:buChar char="•"/>
-            </a:pPr>
             <a:r>
               <a:rPr lang="zh-CN" altLang="en-US" noProof="1">
                 <a:solidFill>
@@ -16770,97 +16790,8 @@
                 <a:ea typeface="微软雅黑" panose="020B0503020204020204" pitchFamily="34" charset="-122"/>
                 <a:sym typeface="宋体" panose="02010600030101010101" pitchFamily="2" charset="-122"/>
               </a:rPr>
-              <a:t>app的源代码</a:t>
-            </a:r>
-            <a:endParaRPr lang="zh-CN" altLang="en-US" noProof="1">
-              <a:solidFill>
-                <a:srgbClr val="000000"/>
-              </a:solidFill>
-              <a:latin typeface="微软雅黑" panose="020B0503020204020204" pitchFamily="34" charset="-122"/>
-              <a:ea typeface="微软雅黑" panose="020B0503020204020204" pitchFamily="34" charset="-122"/>
-              <a:sym typeface="宋体" panose="02010600030101010101" pitchFamily="2" charset="-122"/>
-            </a:endParaRPr>
-          </a:p>
-          <a:p>
-            <a:pPr marL="285750" indent="-285750">
-              <a:buFont typeface="Arial" panose="020B0604020202020204" pitchFamily="34" charset="0"/>
-              <a:buChar char="•"/>
-            </a:pPr>
-            <a:r>
-              <a:rPr lang="zh-CN" altLang="en-US" noProof="1">
-                <a:solidFill>
-                  <a:srgbClr val="000000"/>
-                </a:solidFill>
-                <a:latin typeface="微软雅黑" panose="020B0503020204020204" pitchFamily="34" charset="-122"/>
-                <a:ea typeface="微软雅黑" panose="020B0503020204020204" pitchFamily="34" charset="-122"/>
-                <a:sym typeface="宋体" panose="02010600030101010101" pitchFamily="2" charset="-122"/>
-              </a:rPr>
-              <a:t>资源文件生成的R文件(aapt工具)</a:t>
-            </a:r>
-            <a:endParaRPr lang="zh-CN" altLang="en-US" noProof="1">
-              <a:solidFill>
-                <a:srgbClr val="000000"/>
-              </a:solidFill>
-              <a:latin typeface="微软雅黑" panose="020B0503020204020204" pitchFamily="34" charset="-122"/>
-              <a:ea typeface="微软雅黑" panose="020B0503020204020204" pitchFamily="34" charset="-122"/>
-              <a:sym typeface="宋体" panose="02010600030101010101" pitchFamily="2" charset="-122"/>
-            </a:endParaRPr>
-          </a:p>
-          <a:p>
-            <a:pPr marL="285750" indent="-285750">
-              <a:buFont typeface="Arial" panose="020B0604020202020204" pitchFamily="34" charset="0"/>
-              <a:buChar char="•"/>
-            </a:pPr>
-            <a:r>
-              <a:rPr lang="zh-CN" altLang="en-US" noProof="1">
-                <a:solidFill>
-                  <a:srgbClr val="000000"/>
-                </a:solidFill>
-                <a:latin typeface="微软雅黑" panose="020B0503020204020204" pitchFamily="34" charset="-122"/>
-                <a:ea typeface="微软雅黑" panose="020B0503020204020204" pitchFamily="34" charset="-122"/>
-                <a:sym typeface="宋体" panose="02010600030101010101" pitchFamily="2" charset="-122"/>
-              </a:rPr>
-              <a:t>aidl文件生成的java接口文件(aidl工具)</a:t>
-            </a:r>
-            <a:endParaRPr lang="zh-CN" altLang="en-US" noProof="1">
-              <a:solidFill>
-                <a:srgbClr val="000000"/>
-              </a:solidFill>
-              <a:latin typeface="微软雅黑" panose="020B0503020204020204" pitchFamily="34" charset="-122"/>
-              <a:ea typeface="微软雅黑" panose="020B0503020204020204" pitchFamily="34" charset="-122"/>
-              <a:sym typeface="宋体" panose="02010600030101010101" pitchFamily="2" charset="-122"/>
-            </a:endParaRPr>
-          </a:p>
-          <a:p>
-            <a:endParaRPr lang="zh-CN" altLang="en-US" noProof="1">
-              <a:solidFill>
-                <a:srgbClr val="000000"/>
-              </a:solidFill>
-              <a:latin typeface="微软雅黑" panose="020B0503020204020204" pitchFamily="34" charset="-122"/>
-              <a:ea typeface="微软雅黑" panose="020B0503020204020204" pitchFamily="34" charset="-122"/>
-              <a:sym typeface="宋体" panose="02010600030101010101" pitchFamily="2" charset="-122"/>
-            </a:endParaRPr>
-          </a:p>
-          <a:p>
-            <a:r>
-              <a:rPr lang="zh-CN" altLang="en-US" noProof="1">
-                <a:solidFill>
-                  <a:srgbClr val="000000"/>
-                </a:solidFill>
-                <a:latin typeface="微软雅黑" panose="020B0503020204020204" pitchFamily="34" charset="-122"/>
-                <a:ea typeface="微软雅黑" panose="020B0503020204020204" pitchFamily="34" charset="-122"/>
-                <a:sym typeface="宋体" panose="02010600030101010101" pitchFamily="2" charset="-122"/>
-              </a:rPr>
               <a:t>产出为.class文件。</a:t>
             </a:r>
-            <a:endParaRPr lang="zh-CN" altLang="en-US" noProof="1">
-              <a:solidFill>
-                <a:srgbClr val="000000"/>
-              </a:solidFill>
-              <a:latin typeface="微软雅黑" panose="020B0503020204020204" pitchFamily="34" charset="-122"/>
-              <a:ea typeface="微软雅黑" panose="020B0503020204020204" pitchFamily="34" charset="-122"/>
-              <a:sym typeface="宋体" panose="02010600030101010101" pitchFamily="2" charset="-122"/>
-            </a:endParaRPr>
           </a:p>
           <a:p>
             <a:endParaRPr lang="zh-CN" altLang="en-US" sz="1200" noProof="1">
@@ -16883,7 +16814,7 @@
           <p:nvPr/>
         </p:nvPicPr>
         <p:blipFill>
-          <a:blip r:embed="rId1">
+          <a:blip r:embed="rId4">
             <a:extLst>
               <a:ext uri="{28A0092B-C50C-407E-A947-70E740481C1C}">
                 <a14:useLocalDpi xmlns:a14="http://schemas.microsoft.com/office/drawing/2010/main" val="0"/>
@@ -16930,7 +16861,7 @@
       </p:pic>
     </p:spTree>
     <p:custDataLst>
-      <p:tags r:id="rId2"/>
+      <p:tags r:id="rId1"/>
     </p:custDataLst>
   </p:cSld>
   <p:clrMapOvr>
@@ -16970,7 +16901,7 @@
         <p:spPr bwMode="auto">
           <a:xfrm>
             <a:off x="539750" y="268288"/>
-            <a:ext cx="4624388" cy="368300"/>
+            <a:ext cx="4669805" cy="369332"/>
           </a:xfrm>
           <a:prstGeom prst="rect">
             <a:avLst/>
@@ -17116,30 +17047,52 @@
           </a:lstStyle>
           <a:p>
             <a:r>
-              <a:rPr lang="en-US" altLang="zh-CN">
-                <a:solidFill>
-                  <a:srgbClr val="000000"/>
+              <a:rPr lang="en-US" altLang="zh-CN" dirty="0">
+                <a:solidFill>
+                  <a:schemeClr val="bg1"/>
                 </a:solidFill>
                 <a:latin typeface="微软雅黑" panose="020B0503020204020204" pitchFamily="34" charset="-122"/>
                 <a:ea typeface="微软雅黑" panose="020B0503020204020204" pitchFamily="34" charset="-122"/>
                 <a:sym typeface="宋体" panose="02010600030101010101" pitchFamily="2" charset="-122"/>
               </a:rPr>
-              <a:t>3.1.2 运行原理 - Android</a:t>
-            </a:r>
-            <a:r>
-              <a:rPr lang="zh-CN" altLang="zh-CN">
-                <a:solidFill>
-                  <a:srgbClr val="000000"/>
+              <a:t>3.1.2 </a:t>
+            </a:r>
+            <a:r>
+              <a:rPr lang="en-US" altLang="zh-CN" dirty="0" err="1">
+                <a:solidFill>
+                  <a:schemeClr val="bg1"/>
                 </a:solidFill>
                 <a:latin typeface="微软雅黑" panose="020B0503020204020204" pitchFamily="34" charset="-122"/>
                 <a:ea typeface="微软雅黑" panose="020B0503020204020204" pitchFamily="34" charset="-122"/>
                 <a:sym typeface="宋体" panose="02010600030101010101" pitchFamily="2" charset="-122"/>
               </a:rPr>
+              <a:t>运行原理</a:t>
+            </a:r>
+            <a:r>
+              <a:rPr lang="en-US" altLang="zh-CN" dirty="0">
+                <a:solidFill>
+                  <a:schemeClr val="bg1"/>
+                </a:solidFill>
+                <a:latin typeface="微软雅黑" panose="020B0503020204020204" pitchFamily="34" charset="-122"/>
+                <a:ea typeface="微软雅黑" panose="020B0503020204020204" pitchFamily="34" charset="-122"/>
+                <a:sym typeface="宋体" panose="02010600030101010101" pitchFamily="2" charset="-122"/>
+              </a:rPr>
+              <a:t> - Android</a:t>
+            </a:r>
+            <a:r>
+              <a:rPr lang="zh-CN" altLang="zh-CN" dirty="0">
+                <a:solidFill>
+                  <a:schemeClr val="bg1"/>
+                </a:solidFill>
+                <a:latin typeface="微软雅黑" panose="020B0503020204020204" pitchFamily="34" charset="-122"/>
+                <a:ea typeface="微软雅黑" panose="020B0503020204020204" pitchFamily="34" charset="-122"/>
+                <a:sym typeface="宋体" panose="02010600030101010101" pitchFamily="2" charset="-122"/>
+              </a:rPr>
               <a:t>应用程序编译过程</a:t>
             </a:r>
-            <a:endParaRPr lang="zh-CN" altLang="zh-CN">
+            <a:endParaRPr lang="zh-CN" altLang="zh-CN" dirty="0">
               <a:solidFill>
-                <a:srgbClr val="000000"/>
+                <a:schemeClr val="bg1"/>
               </a:solidFill>
               <a:latin typeface="微软雅黑" panose="020B0503020204020204" pitchFamily="34" charset="-122"/>
               <a:ea typeface="微软雅黑" panose="020B0503020204020204" pitchFamily="34" charset="-122"/>
@@ -17434,6 +17387,8 @@
               </a:rPr>
               <a:t>步：</a:t>
             </a:r>
+          </a:p>
+          <a:p>
             <a:endParaRPr lang="zh-CN" altLang="en-US" dirty="0">
               <a:solidFill>
                 <a:srgbClr val="000000"/>
@@ -17444,6 +17399,54 @@
             </a:endParaRPr>
           </a:p>
           <a:p>
+            <a:r>
+              <a:rPr lang="zh-CN" altLang="en-US" dirty="0">
+                <a:solidFill>
+                  <a:srgbClr val="000000"/>
+                </a:solidFill>
+                <a:latin typeface="微软雅黑" panose="020B0503020204020204" pitchFamily="34" charset="-122"/>
+                <a:ea typeface="微软雅黑" panose="020B0503020204020204" pitchFamily="34" charset="-122"/>
+                <a:sym typeface="宋体" panose="02010600030101010101" pitchFamily="2" charset="-122"/>
+              </a:rPr>
+              <a:t>.class文件和依赖的三方库文件 </a:t>
+            </a:r>
+          </a:p>
+          <a:p>
+            <a:r>
+              <a:rPr lang="zh-CN" altLang="en-US" dirty="0">
+                <a:solidFill>
+                  <a:srgbClr val="000000"/>
+                </a:solidFill>
+                <a:latin typeface="微软雅黑" panose="020B0503020204020204" pitchFamily="34" charset="-122"/>
+                <a:ea typeface="微软雅黑" panose="020B0503020204020204" pitchFamily="34" charset="-122"/>
+                <a:sym typeface="宋体" panose="02010600030101010101" pitchFamily="2" charset="-122"/>
+              </a:rPr>
+              <a:t>通过dex工具生成D</a:t>
+            </a:r>
+            <a:r>
+              <a:rPr lang="en-US" altLang="zh-CN" dirty="0">
+                <a:solidFill>
+                  <a:srgbClr val="000000"/>
+                </a:solidFill>
+                <a:latin typeface="微软雅黑" panose="020B0503020204020204" pitchFamily="34" charset="-122"/>
+                <a:ea typeface="微软雅黑" panose="020B0503020204020204" pitchFamily="34" charset="-122"/>
+                <a:sym typeface="宋体" panose="02010600030101010101" pitchFamily="2" charset="-122"/>
+              </a:rPr>
+              <a:t>a</a:t>
+            </a:r>
+            <a:r>
+              <a:rPr lang="zh-CN" altLang="en-US" dirty="0">
+                <a:solidFill>
+                  <a:srgbClr val="000000"/>
+                </a:solidFill>
+                <a:latin typeface="微软雅黑" panose="020B0503020204020204" pitchFamily="34" charset="-122"/>
+                <a:ea typeface="微软雅黑" panose="020B0503020204020204" pitchFamily="34" charset="-122"/>
+                <a:sym typeface="宋体" panose="02010600030101010101" pitchFamily="2" charset="-122"/>
+              </a:rPr>
+              <a:t>lvik虚拟机可执行的.dex文件</a:t>
+            </a:r>
+          </a:p>
+          <a:p>
             <a:endParaRPr lang="zh-CN" altLang="en-US" dirty="0">
               <a:solidFill>
                 <a:srgbClr val="000000"/>
@@ -17463,90 +17466,8 @@
                 <a:ea typeface="微软雅黑" panose="020B0503020204020204" pitchFamily="34" charset="-122"/>
                 <a:sym typeface="宋体" panose="02010600030101010101" pitchFamily="2" charset="-122"/>
               </a:rPr>
-              <a:t>.class文件和依赖的三方库文件 </a:t>
-            </a:r>
-            <a:endParaRPr lang="zh-CN" altLang="en-US" dirty="0">
-              <a:solidFill>
-                <a:srgbClr val="000000"/>
-              </a:solidFill>
-              <a:latin typeface="微软雅黑" panose="020B0503020204020204" pitchFamily="34" charset="-122"/>
-              <a:ea typeface="微软雅黑" panose="020B0503020204020204" pitchFamily="34" charset="-122"/>
-              <a:sym typeface="宋体" panose="02010600030101010101" pitchFamily="2" charset="-122"/>
-            </a:endParaRPr>
-          </a:p>
-          <a:p>
-            <a:r>
-              <a:rPr lang="zh-CN" altLang="en-US" dirty="0">
-                <a:solidFill>
-                  <a:srgbClr val="000000"/>
-                </a:solidFill>
-                <a:latin typeface="微软雅黑" panose="020B0503020204020204" pitchFamily="34" charset="-122"/>
-                <a:ea typeface="微软雅黑" panose="020B0503020204020204" pitchFamily="34" charset="-122"/>
-                <a:sym typeface="宋体" panose="02010600030101010101" pitchFamily="2" charset="-122"/>
-              </a:rPr>
-              <a:t>通过dex工具生成D</a:t>
-            </a:r>
-            <a:r>
-              <a:rPr lang="en-US" altLang="zh-CN" dirty="0">
-                <a:solidFill>
-                  <a:srgbClr val="000000"/>
-                </a:solidFill>
-                <a:latin typeface="微软雅黑" panose="020B0503020204020204" pitchFamily="34" charset="-122"/>
-                <a:ea typeface="微软雅黑" panose="020B0503020204020204" pitchFamily="34" charset="-122"/>
-                <a:sym typeface="宋体" panose="02010600030101010101" pitchFamily="2" charset="-122"/>
-              </a:rPr>
-              <a:t>a</a:t>
-            </a:r>
-            <a:r>
-              <a:rPr lang="zh-CN" altLang="en-US" dirty="0">
-                <a:solidFill>
-                  <a:srgbClr val="000000"/>
-                </a:solidFill>
-                <a:latin typeface="微软雅黑" panose="020B0503020204020204" pitchFamily="34" charset="-122"/>
-                <a:ea typeface="微软雅黑" panose="020B0503020204020204" pitchFamily="34" charset="-122"/>
-                <a:sym typeface="宋体" panose="02010600030101010101" pitchFamily="2" charset="-122"/>
-              </a:rPr>
-              <a:t>lvik虚拟机可执行的.dex文件</a:t>
-            </a:r>
-            <a:endParaRPr lang="zh-CN" altLang="en-US" dirty="0">
-              <a:solidFill>
-                <a:srgbClr val="000000"/>
-              </a:solidFill>
-              <a:latin typeface="微软雅黑" panose="020B0503020204020204" pitchFamily="34" charset="-122"/>
-              <a:ea typeface="微软雅黑" panose="020B0503020204020204" pitchFamily="34" charset="-122"/>
-              <a:sym typeface="宋体" panose="02010600030101010101" pitchFamily="2" charset="-122"/>
-            </a:endParaRPr>
-          </a:p>
-          <a:p>
-            <a:endParaRPr lang="zh-CN" altLang="en-US" dirty="0">
-              <a:solidFill>
-                <a:srgbClr val="000000"/>
-              </a:solidFill>
-              <a:latin typeface="微软雅黑" panose="020B0503020204020204" pitchFamily="34" charset="-122"/>
-              <a:ea typeface="微软雅黑" panose="020B0503020204020204" pitchFamily="34" charset="-122"/>
-              <a:sym typeface="宋体" panose="02010600030101010101" pitchFamily="2" charset="-122"/>
-            </a:endParaRPr>
-          </a:p>
-          <a:p>
-            <a:r>
-              <a:rPr lang="zh-CN" altLang="en-US" dirty="0">
-                <a:solidFill>
-                  <a:srgbClr val="000000"/>
-                </a:solidFill>
-                <a:latin typeface="微软雅黑" panose="020B0503020204020204" pitchFamily="34" charset="-122"/>
-                <a:ea typeface="微软雅黑" panose="020B0503020204020204" pitchFamily="34" charset="-122"/>
-                <a:sym typeface="宋体" panose="02010600030101010101" pitchFamily="2" charset="-122"/>
-              </a:rPr>
               <a:t>产出为.dex文件。</a:t>
             </a:r>
-            <a:endParaRPr lang="zh-CN" altLang="en-US" dirty="0">
-              <a:solidFill>
-                <a:srgbClr val="000000"/>
-              </a:solidFill>
-              <a:latin typeface="微软雅黑" panose="020B0503020204020204" pitchFamily="34" charset="-122"/>
-              <a:ea typeface="微软雅黑" panose="020B0503020204020204" pitchFamily="34" charset="-122"/>
-              <a:sym typeface="宋体" panose="02010600030101010101" pitchFamily="2" charset="-122"/>
-            </a:endParaRPr>
           </a:p>
           <a:p>
             <a:endParaRPr lang="zh-CN" altLang="en-US" sz="1200" dirty="0">
@@ -17569,7 +17490,7 @@
           <p:nvPr/>
         </p:nvPicPr>
         <p:blipFill>
-          <a:blip r:embed="rId1">
+          <a:blip r:embed="rId4">
             <a:extLst>
               <a:ext uri="{28A0092B-C50C-407E-A947-70E740481C1C}">
                 <a14:useLocalDpi xmlns:a14="http://schemas.microsoft.com/office/drawing/2010/main" val="0"/>
@@ -17616,7 +17537,7 @@
       </p:pic>
     </p:spTree>
     <p:custDataLst>
-      <p:tags r:id="rId2"/>
+      <p:tags r:id="rId1"/>
     </p:custDataLst>
   </p:cSld>
   <p:clrMapOvr>
@@ -17656,7 +17577,7 @@
         <p:spPr bwMode="auto">
           <a:xfrm>
             <a:off x="539750" y="268288"/>
-            <a:ext cx="4624388" cy="368300"/>
+            <a:ext cx="4669805" cy="369332"/>
           </a:xfrm>
           <a:prstGeom prst="rect">
             <a:avLst/>
@@ -17802,30 +17723,52 @@
           </a:lstStyle>
           <a:p>
             <a:r>
-              <a:rPr lang="en-US" altLang="zh-CN">
-                <a:solidFill>
-                  <a:srgbClr val="000000"/>
+              <a:rPr lang="en-US" altLang="zh-CN" dirty="0">
+                <a:solidFill>
+                  <a:schemeClr val="bg1"/>
                 </a:solidFill>
                 <a:latin typeface="微软雅黑" panose="020B0503020204020204" pitchFamily="34" charset="-122"/>
                 <a:ea typeface="微软雅黑" panose="020B0503020204020204" pitchFamily="34" charset="-122"/>
                 <a:sym typeface="宋体" panose="02010600030101010101" pitchFamily="2" charset="-122"/>
               </a:rPr>
-              <a:t>3.1.2 运行原理 - Android</a:t>
-            </a:r>
-            <a:r>
-              <a:rPr lang="zh-CN" altLang="zh-CN">
-                <a:solidFill>
-                  <a:srgbClr val="000000"/>
+              <a:t>3.1.2 </a:t>
+            </a:r>
+            <a:r>
+              <a:rPr lang="en-US" altLang="zh-CN" dirty="0" err="1">
+                <a:solidFill>
+                  <a:schemeClr val="bg1"/>
                 </a:solidFill>
                 <a:latin typeface="微软雅黑" panose="020B0503020204020204" pitchFamily="34" charset="-122"/>
                 <a:ea typeface="微软雅黑" panose="020B0503020204020204" pitchFamily="34" charset="-122"/>
                 <a:sym typeface="宋体" panose="02010600030101010101" pitchFamily="2" charset="-122"/>
               </a:rPr>
+              <a:t>运行原理</a:t>
+            </a:r>
+            <a:r>
+              <a:rPr lang="en-US" altLang="zh-CN" dirty="0">
+                <a:solidFill>
+                  <a:schemeClr val="bg1"/>
+                </a:solidFill>
+                <a:latin typeface="微软雅黑" panose="020B0503020204020204" pitchFamily="34" charset="-122"/>
+                <a:ea typeface="微软雅黑" panose="020B0503020204020204" pitchFamily="34" charset="-122"/>
+                <a:sym typeface="宋体" panose="02010600030101010101" pitchFamily="2" charset="-122"/>
+              </a:rPr>
+              <a:t> - Android</a:t>
+            </a:r>
+            <a:r>
+              <a:rPr lang="zh-CN" altLang="zh-CN" dirty="0">
+                <a:solidFill>
+                  <a:schemeClr val="bg1"/>
+                </a:solidFill>
+                <a:latin typeface="微软雅黑" panose="020B0503020204020204" pitchFamily="34" charset="-122"/>
+                <a:ea typeface="微软雅黑" panose="020B0503020204020204" pitchFamily="34" charset="-122"/>
+                <a:sym typeface="宋体" panose="02010600030101010101" pitchFamily="2" charset="-122"/>
+              </a:rPr>
               <a:t>应用程序编译过程</a:t>
             </a:r>
-            <a:endParaRPr lang="zh-CN" altLang="zh-CN">
+            <a:endParaRPr lang="zh-CN" altLang="zh-CN" dirty="0">
               <a:solidFill>
-                <a:srgbClr val="000000"/>
+                <a:schemeClr val="bg1"/>
               </a:solidFill>
               <a:latin typeface="微软雅黑" panose="020B0503020204020204" pitchFamily="34" charset="-122"/>
               <a:ea typeface="微软雅黑" panose="020B0503020204020204" pitchFamily="34" charset="-122"/>
@@ -18120,6 +18063,8 @@
               </a:rPr>
               <a:t>步：</a:t>
             </a:r>
+          </a:p>
+          <a:p>
             <a:endParaRPr lang="zh-CN" altLang="en-US" dirty="0">
               <a:solidFill>
                 <a:srgbClr val="000000"/>
@@ -18130,6 +18075,19 @@
             </a:endParaRPr>
           </a:p>
           <a:p>
+            <a:r>
+              <a:rPr lang="zh-CN" altLang="en-US" dirty="0">
+                <a:solidFill>
+                  <a:srgbClr val="000000"/>
+                </a:solidFill>
+                <a:latin typeface="微软雅黑" panose="020B0503020204020204" pitchFamily="34" charset="-122"/>
+                <a:ea typeface="微软雅黑" panose="020B0503020204020204" pitchFamily="34" charset="-122"/>
+                <a:sym typeface="宋体" panose="02010600030101010101" pitchFamily="2" charset="-122"/>
+              </a:rPr>
+              <a:t>apkbuilder工具将.dex文件和编译后的资源文件生成未经签名对齐的apk文件。</a:t>
+            </a:r>
+          </a:p>
+          <a:p>
             <a:endParaRPr lang="zh-CN" altLang="en-US" dirty="0">
               <a:solidFill>
                 <a:srgbClr val="000000"/>
@@ -18149,8 +18107,36 @@
                 <a:ea typeface="微软雅黑" panose="020B0503020204020204" pitchFamily="34" charset="-122"/>
                 <a:sym typeface="宋体" panose="02010600030101010101" pitchFamily="2" charset="-122"/>
               </a:rPr>
-              <a:t>apkbuilder工具将.dex文件和编译后的资源文件生成未经签名对齐的apk文件。</a:t>
-            </a:r>
+              <a:t>编译后的资源文件包括两部分：</a:t>
+            </a:r>
+          </a:p>
+          <a:p>
+            <a:r>
+              <a:rPr lang="zh-CN" altLang="en-US" dirty="0">
+                <a:solidFill>
+                  <a:srgbClr val="000000"/>
+                </a:solidFill>
+                <a:latin typeface="微软雅黑" panose="020B0503020204020204" pitchFamily="34" charset="-122"/>
+                <a:ea typeface="微软雅黑" panose="020B0503020204020204" pitchFamily="34" charset="-122"/>
+                <a:sym typeface="宋体" panose="02010600030101010101" pitchFamily="2" charset="-122"/>
+              </a:rPr>
+              <a:t>一是由aapt编译产生的编译后的资源文件，</a:t>
+            </a:r>
+          </a:p>
+          <a:p>
+            <a:r>
+              <a:rPr lang="zh-CN" altLang="en-US" dirty="0">
+                <a:solidFill>
+                  <a:srgbClr val="000000"/>
+                </a:solidFill>
+                <a:latin typeface="微软雅黑" panose="020B0503020204020204" pitchFamily="34" charset="-122"/>
+                <a:ea typeface="微软雅黑" panose="020B0503020204020204" pitchFamily="34" charset="-122"/>
+                <a:sym typeface="宋体" panose="02010600030101010101" pitchFamily="2" charset="-122"/>
+              </a:rPr>
+              <a:t>二是依赖的三方库里的资源文件。</a:t>
+            </a:r>
+          </a:p>
+          <a:p>
             <a:endParaRPr lang="zh-CN" altLang="en-US" dirty="0">
               <a:solidFill>
                 <a:srgbClr val="000000"/>
@@ -18180,99 +18166,8 @@
                 <a:ea typeface="微软雅黑" panose="020B0503020204020204" pitchFamily="34" charset="-122"/>
                 <a:sym typeface="宋体" panose="02010600030101010101" pitchFamily="2" charset="-122"/>
               </a:rPr>
-              <a:t>编译后的资源文件包括两部分：</a:t>
-            </a:r>
-            <a:endParaRPr lang="zh-CN" altLang="en-US" dirty="0">
-              <a:solidFill>
-                <a:srgbClr val="000000"/>
-              </a:solidFill>
-              <a:latin typeface="微软雅黑" panose="020B0503020204020204" pitchFamily="34" charset="-122"/>
-              <a:ea typeface="微软雅黑" panose="020B0503020204020204" pitchFamily="34" charset="-122"/>
-              <a:sym typeface="宋体" panose="02010600030101010101" pitchFamily="2" charset="-122"/>
-            </a:endParaRPr>
-          </a:p>
-          <a:p>
-            <a:r>
-              <a:rPr lang="zh-CN" altLang="en-US" dirty="0">
-                <a:solidFill>
-                  <a:srgbClr val="000000"/>
-                </a:solidFill>
-                <a:latin typeface="微软雅黑" panose="020B0503020204020204" pitchFamily="34" charset="-122"/>
-                <a:ea typeface="微软雅黑" panose="020B0503020204020204" pitchFamily="34" charset="-122"/>
-                <a:sym typeface="宋体" panose="02010600030101010101" pitchFamily="2" charset="-122"/>
-              </a:rPr>
-              <a:t>一是由aapt编译产生的编译后的资源文件，</a:t>
-            </a:r>
-            <a:endParaRPr lang="zh-CN" altLang="en-US" dirty="0">
-              <a:solidFill>
-                <a:srgbClr val="000000"/>
-              </a:solidFill>
-              <a:latin typeface="微软雅黑" panose="020B0503020204020204" pitchFamily="34" charset="-122"/>
-              <a:ea typeface="微软雅黑" panose="020B0503020204020204" pitchFamily="34" charset="-122"/>
-              <a:sym typeface="宋体" panose="02010600030101010101" pitchFamily="2" charset="-122"/>
-            </a:endParaRPr>
-          </a:p>
-          <a:p>
-            <a:r>
-              <a:rPr lang="zh-CN" altLang="en-US" dirty="0">
-                <a:solidFill>
-                  <a:srgbClr val="000000"/>
-                </a:solidFill>
-                <a:latin typeface="微软雅黑" panose="020B0503020204020204" pitchFamily="34" charset="-122"/>
-                <a:ea typeface="微软雅黑" panose="020B0503020204020204" pitchFamily="34" charset="-122"/>
-                <a:sym typeface="宋体" panose="02010600030101010101" pitchFamily="2" charset="-122"/>
-              </a:rPr>
-              <a:t>二是依赖的三方库里的资源文件。</a:t>
-            </a:r>
-            <a:endParaRPr lang="zh-CN" altLang="en-US" dirty="0">
-              <a:solidFill>
-                <a:srgbClr val="000000"/>
-              </a:solidFill>
-              <a:latin typeface="微软雅黑" panose="020B0503020204020204" pitchFamily="34" charset="-122"/>
-              <a:ea typeface="微软雅黑" panose="020B0503020204020204" pitchFamily="34" charset="-122"/>
-              <a:sym typeface="宋体" panose="02010600030101010101" pitchFamily="2" charset="-122"/>
-            </a:endParaRPr>
-          </a:p>
-          <a:p>
-            <a:endParaRPr lang="zh-CN" altLang="en-US" dirty="0">
-              <a:solidFill>
-                <a:srgbClr val="000000"/>
-              </a:solidFill>
-              <a:latin typeface="微软雅黑" panose="020B0503020204020204" pitchFamily="34" charset="-122"/>
-              <a:ea typeface="微软雅黑" panose="020B0503020204020204" pitchFamily="34" charset="-122"/>
-              <a:sym typeface="宋体" panose="02010600030101010101" pitchFamily="2" charset="-122"/>
-            </a:endParaRPr>
-          </a:p>
-          <a:p>
-            <a:endParaRPr lang="zh-CN" altLang="en-US" dirty="0">
-              <a:solidFill>
-                <a:srgbClr val="000000"/>
-              </a:solidFill>
-              <a:latin typeface="微软雅黑" panose="020B0503020204020204" pitchFamily="34" charset="-122"/>
-              <a:ea typeface="微软雅黑" panose="020B0503020204020204" pitchFamily="34" charset="-122"/>
-              <a:sym typeface="宋体" panose="02010600030101010101" pitchFamily="2" charset="-122"/>
-            </a:endParaRPr>
-          </a:p>
-          <a:p>
-            <a:r>
-              <a:rPr lang="zh-CN" altLang="en-US" dirty="0">
-                <a:solidFill>
-                  <a:srgbClr val="000000"/>
-                </a:solidFill>
-                <a:latin typeface="微软雅黑" panose="020B0503020204020204" pitchFamily="34" charset="-122"/>
-                <a:ea typeface="微软雅黑" panose="020B0503020204020204" pitchFamily="34" charset="-122"/>
-                <a:sym typeface="宋体" panose="02010600030101010101" pitchFamily="2" charset="-122"/>
-              </a:rPr>
               <a:t>产出为未经签名的.apk文件。</a:t>
             </a:r>
-            <a:endParaRPr lang="zh-CN" altLang="en-US" dirty="0">
-              <a:solidFill>
-                <a:srgbClr val="000000"/>
-              </a:solidFill>
-              <a:latin typeface="微软雅黑" panose="020B0503020204020204" pitchFamily="34" charset="-122"/>
-              <a:ea typeface="微软雅黑" panose="020B0503020204020204" pitchFamily="34" charset="-122"/>
-              <a:sym typeface="宋体" panose="02010600030101010101" pitchFamily="2" charset="-122"/>
-            </a:endParaRPr>
           </a:p>
           <a:p>
             <a:endParaRPr lang="zh-CN" altLang="en-US" sz="1200" dirty="0">
@@ -18295,7 +18190,7 @@
           <p:nvPr/>
         </p:nvPicPr>
         <p:blipFill>
-          <a:blip r:embed="rId1">
+          <a:blip r:embed="rId4">
             <a:extLst>
               <a:ext uri="{28A0092B-C50C-407E-A947-70E740481C1C}">
                 <a14:useLocalDpi xmlns:a14="http://schemas.microsoft.com/office/drawing/2010/main" val="0"/>
@@ -18342,7 +18237,7 @@
       </p:pic>
     </p:spTree>
     <p:custDataLst>
-      <p:tags r:id="rId2"/>
+      <p:tags r:id="rId1"/>
     </p:custDataLst>
   </p:cSld>
   <p:clrMapOvr>
@@ -18382,7 +18277,7 @@
         <p:spPr bwMode="auto">
           <a:xfrm>
             <a:off x="539750" y="268288"/>
-            <a:ext cx="4624388" cy="368300"/>
+            <a:ext cx="4669805" cy="369332"/>
           </a:xfrm>
           <a:prstGeom prst="rect">
             <a:avLst/>
@@ -18528,30 +18423,52 @@
           </a:lstStyle>
           <a:p>
             <a:r>
-              <a:rPr lang="en-US" altLang="zh-CN">
-                <a:solidFill>
-                  <a:srgbClr val="000000"/>
+              <a:rPr lang="en-US" altLang="zh-CN" dirty="0">
+                <a:solidFill>
+                  <a:schemeClr val="bg1"/>
                 </a:solidFill>
                 <a:latin typeface="微软雅黑" panose="020B0503020204020204" pitchFamily="34" charset="-122"/>
                 <a:ea typeface="微软雅黑" panose="020B0503020204020204" pitchFamily="34" charset="-122"/>
                 <a:sym typeface="宋体" panose="02010600030101010101" pitchFamily="2" charset="-122"/>
               </a:rPr>
-              <a:t>3.1.2 运行原理 - Android</a:t>
-            </a:r>
-            <a:r>
-              <a:rPr lang="zh-CN" altLang="zh-CN">
-                <a:solidFill>
-                  <a:srgbClr val="000000"/>
+              <a:t>3.1.2 </a:t>
+            </a:r>
+            <a:r>
+              <a:rPr lang="en-US" altLang="zh-CN" dirty="0" err="1">
+                <a:solidFill>
+                  <a:schemeClr val="bg1"/>
                 </a:solidFill>
                 <a:latin typeface="微软雅黑" panose="020B0503020204020204" pitchFamily="34" charset="-122"/>
                 <a:ea typeface="微软雅黑" panose="020B0503020204020204" pitchFamily="34" charset="-122"/>
                 <a:sym typeface="宋体" panose="02010600030101010101" pitchFamily="2" charset="-122"/>
               </a:rPr>
+              <a:t>运行原理</a:t>
+            </a:r>
+            <a:r>
+              <a:rPr lang="en-US" altLang="zh-CN" dirty="0">
+                <a:solidFill>
+                  <a:schemeClr val="bg1"/>
+                </a:solidFill>
+                <a:latin typeface="微软雅黑" panose="020B0503020204020204" pitchFamily="34" charset="-122"/>
+                <a:ea typeface="微软雅黑" panose="020B0503020204020204" pitchFamily="34" charset="-122"/>
+                <a:sym typeface="宋体" panose="02010600030101010101" pitchFamily="2" charset="-122"/>
+              </a:rPr>
+              <a:t> - Android</a:t>
+            </a:r>
+            <a:r>
+              <a:rPr lang="zh-CN" altLang="zh-CN" dirty="0">
+                <a:solidFill>
+                  <a:schemeClr val="bg1"/>
+                </a:solidFill>
+                <a:latin typeface="微软雅黑" panose="020B0503020204020204" pitchFamily="34" charset="-122"/>
+                <a:ea typeface="微软雅黑" panose="020B0503020204020204" pitchFamily="34" charset="-122"/>
+                <a:sym typeface="宋体" panose="02010600030101010101" pitchFamily="2" charset="-122"/>
+              </a:rPr>
               <a:t>应用程序编译过程</a:t>
             </a:r>
-            <a:endParaRPr lang="zh-CN" altLang="zh-CN">
+            <a:endParaRPr lang="zh-CN" altLang="zh-CN" dirty="0">
               <a:solidFill>
-                <a:srgbClr val="000000"/>
+                <a:schemeClr val="bg1"/>
               </a:solidFill>
               <a:latin typeface="微软雅黑" panose="020B0503020204020204" pitchFamily="34" charset="-122"/>
               <a:ea typeface="微软雅黑" panose="020B0503020204020204" pitchFamily="34" charset="-122"/>
@@ -18846,6 +18763,8 @@
               </a:rPr>
               <a:t>步：</a:t>
             </a:r>
+          </a:p>
+          <a:p>
             <a:endParaRPr lang="zh-CN" altLang="en-US" dirty="0">
               <a:solidFill>
                 <a:srgbClr val="000000"/>
@@ -18856,6 +18775,32 @@
             </a:endParaRPr>
           </a:p>
           <a:p>
+            <a:r>
+              <a:rPr lang="zh-CN" altLang="en-US" dirty="0">
+                <a:solidFill>
+                  <a:srgbClr val="000000"/>
+                </a:solidFill>
+                <a:latin typeface="微软雅黑" panose="020B0503020204020204" pitchFamily="34" charset="-122"/>
+                <a:ea typeface="微软雅黑" panose="020B0503020204020204" pitchFamily="34" charset="-122"/>
+                <a:sym typeface="宋体" panose="02010600030101010101" pitchFamily="2" charset="-122"/>
+              </a:rPr>
+              <a:t>分别由Jarsigner和zipalign</a:t>
+            </a:r>
+          </a:p>
+          <a:p>
+            <a:r>
+              <a:rPr lang="zh-CN" altLang="en-US" dirty="0">
+                <a:solidFill>
+                  <a:srgbClr val="000000"/>
+                </a:solidFill>
+                <a:latin typeface="微软雅黑" panose="020B0503020204020204" pitchFamily="34" charset="-122"/>
+                <a:ea typeface="微软雅黑" panose="020B0503020204020204" pitchFamily="34" charset="-122"/>
+                <a:sym typeface="宋体" panose="02010600030101010101" pitchFamily="2" charset="-122"/>
+              </a:rPr>
+              <a:t>对apk文件进行签名和对齐</a:t>
+            </a:r>
+          </a:p>
+          <a:p>
             <a:endParaRPr lang="zh-CN" altLang="en-US" dirty="0">
               <a:solidFill>
                 <a:srgbClr val="000000"/>
@@ -18866,17 +18811,6 @@
             </a:endParaRPr>
           </a:p>
           <a:p>
-            <a:r>
-              <a:rPr lang="zh-CN" altLang="en-US" dirty="0">
-                <a:solidFill>
-                  <a:srgbClr val="000000"/>
-                </a:solidFill>
-                <a:latin typeface="微软雅黑" panose="020B0503020204020204" pitchFamily="34" charset="-122"/>
-                <a:ea typeface="微软雅黑" panose="020B0503020204020204" pitchFamily="34" charset="-122"/>
-                <a:sym typeface="宋体" panose="02010600030101010101" pitchFamily="2" charset="-122"/>
-              </a:rPr>
-              <a:t>分别由Jarsigner和zipalign</a:t>
-            </a:r>
             <a:endParaRPr lang="zh-CN" altLang="en-US" dirty="0">
               <a:solidFill>
                 <a:srgbClr val="000000"/>
@@ -18896,57 +18830,8 @@
                 <a:ea typeface="微软雅黑" panose="020B0503020204020204" pitchFamily="34" charset="-122"/>
                 <a:sym typeface="宋体" panose="02010600030101010101" pitchFamily="2" charset="-122"/>
               </a:rPr>
-              <a:t>对apk文件进行签名和对齐</a:t>
-            </a:r>
-            <a:endParaRPr lang="zh-CN" altLang="en-US" dirty="0">
-              <a:solidFill>
-                <a:srgbClr val="000000"/>
-              </a:solidFill>
-              <a:latin typeface="微软雅黑" panose="020B0503020204020204" pitchFamily="34" charset="-122"/>
-              <a:ea typeface="微软雅黑" panose="020B0503020204020204" pitchFamily="34" charset="-122"/>
-              <a:sym typeface="宋体" panose="02010600030101010101" pitchFamily="2" charset="-122"/>
-            </a:endParaRPr>
-          </a:p>
-          <a:p>
-            <a:endParaRPr lang="zh-CN" altLang="en-US" dirty="0">
-              <a:solidFill>
-                <a:srgbClr val="000000"/>
-              </a:solidFill>
-              <a:latin typeface="微软雅黑" panose="020B0503020204020204" pitchFamily="34" charset="-122"/>
-              <a:ea typeface="微软雅黑" panose="020B0503020204020204" pitchFamily="34" charset="-122"/>
-              <a:sym typeface="宋体" panose="02010600030101010101" pitchFamily="2" charset="-122"/>
-            </a:endParaRPr>
-          </a:p>
-          <a:p>
-            <a:endParaRPr lang="zh-CN" altLang="en-US" dirty="0">
-              <a:solidFill>
-                <a:srgbClr val="000000"/>
-              </a:solidFill>
-              <a:latin typeface="微软雅黑" panose="020B0503020204020204" pitchFamily="34" charset="-122"/>
-              <a:ea typeface="微软雅黑" panose="020B0503020204020204" pitchFamily="34" charset="-122"/>
-              <a:sym typeface="宋体" panose="02010600030101010101" pitchFamily="2" charset="-122"/>
-            </a:endParaRPr>
-          </a:p>
-          <a:p>
-            <a:r>
-              <a:rPr lang="zh-CN" altLang="en-US" dirty="0">
-                <a:solidFill>
-                  <a:srgbClr val="000000"/>
-                </a:solidFill>
-                <a:latin typeface="微软雅黑" panose="020B0503020204020204" pitchFamily="34" charset="-122"/>
-                <a:ea typeface="微软雅黑" panose="020B0503020204020204" pitchFamily="34" charset="-122"/>
-                <a:sym typeface="宋体" panose="02010600030101010101" pitchFamily="2" charset="-122"/>
-              </a:rPr>
               <a:t>生成最终的apk文件。</a:t>
             </a:r>
-            <a:endParaRPr lang="zh-CN" altLang="en-US" dirty="0">
-              <a:solidFill>
-                <a:srgbClr val="000000"/>
-              </a:solidFill>
-              <a:latin typeface="微软雅黑" panose="020B0503020204020204" pitchFamily="34" charset="-122"/>
-              <a:ea typeface="微软雅黑" panose="020B0503020204020204" pitchFamily="34" charset="-122"/>
-              <a:sym typeface="宋体" panose="02010600030101010101" pitchFamily="2" charset="-122"/>
-            </a:endParaRPr>
           </a:p>
           <a:p>
             <a:endParaRPr lang="zh-CN" altLang="en-US" sz="1200" dirty="0">
@@ -18969,7 +18854,7 @@
           <p:nvPr/>
         </p:nvPicPr>
         <p:blipFill>
-          <a:blip r:embed="rId1">
+          <a:blip r:embed="rId4">
             <a:extLst>
               <a:ext uri="{28A0092B-C50C-407E-A947-70E740481C1C}">
                 <a14:useLocalDpi xmlns:a14="http://schemas.microsoft.com/office/drawing/2010/main" val="0"/>
@@ -19016,7 +18901,7 @@
       </p:pic>
     </p:spTree>
     <p:custDataLst>
-      <p:tags r:id="rId2"/>
+      <p:tags r:id="rId1"/>
     </p:custDataLst>
   </p:cSld>
   <p:clrMapOvr>
@@ -19054,7 +18939,7 @@
           <p:nvPr>
             <p:ph type="ctrTitle"/>
             <p:custDataLst>
-              <p:tags r:id="rId1"/>
+              <p:tags r:id="rId2"/>
             </p:custDataLst>
           </p:nvPr>
         </p:nvSpPr>
@@ -19085,9 +18970,6 @@
               </a:rPr>
               <a:t>四大组件 </a:t>
             </a:r>
-            <a:endParaRPr lang="zh-CN" altLang="en-US">
-              <a:latin typeface="Arial" panose="020B0604020202020204" pitchFamily="34" charset="0"/>
-            </a:endParaRPr>
           </a:p>
         </p:txBody>
       </p:sp>
@@ -19100,7 +18982,7 @@
           <p:nvPr>
             <p:ph type="subTitle" idx="1"/>
             <p:custDataLst>
-              <p:tags r:id="rId2"/>
+              <p:tags r:id="rId3"/>
             </p:custDataLst>
           </p:nvPr>
         </p:nvSpPr>
@@ -19173,9 +19055,6 @@
               </a:rPr>
               <a:t>章 ）</a:t>
             </a:r>
-            <a:endParaRPr lang="zh-CN" altLang="en-US" sz="1500" b="1" dirty="0">
-              <a:latin typeface="Arial" panose="020B0604020202020204" pitchFamily="34" charset="0"/>
-            </a:endParaRPr>
           </a:p>
           <a:p>
             <a:pPr algn="l"/>
@@ -19217,9 +19096,6 @@
               </a:rPr>
               <a:t>章 ）</a:t>
             </a:r>
-            <a:endParaRPr lang="zh-CN" altLang="en-US" sz="1500" b="1" dirty="0">
-              <a:latin typeface="Arial" panose="020B0604020202020204" pitchFamily="34" charset="0"/>
-            </a:endParaRPr>
           </a:p>
           <a:p>
             <a:pPr algn="l"/>
@@ -19274,9 +19150,6 @@
               </a:rPr>
               <a:t>章）</a:t>
             </a:r>
-            <a:endParaRPr lang="zh-CN" altLang="en-US" sz="1500" b="1" dirty="0">
-              <a:latin typeface="Arial" panose="020B0604020202020204" pitchFamily="34" charset="0"/>
-            </a:endParaRPr>
           </a:p>
           <a:p>
             <a:pPr algn="l"/>
@@ -19324,9 +19197,6 @@
               </a:rPr>
               <a:t>章 ）</a:t>
             </a:r>
-            <a:endParaRPr lang="zh-CN" altLang="en-US" sz="1500" b="1" dirty="0">
-              <a:latin typeface="Arial" panose="020B0604020202020204" pitchFamily="34" charset="0"/>
-            </a:endParaRPr>
           </a:p>
           <a:p>
             <a:endParaRPr lang="zh-CN" altLang="en-US" sz="1500" dirty="0">
@@ -19340,7 +19210,7 @@
       </p:sp>
     </p:spTree>
     <p:custDataLst>
-      <p:tags r:id="rId3"/>
+      <p:tags r:id="rId1"/>
     </p:custDataLst>
   </p:cSld>
   <p:clrMapOvr>
@@ -19447,9 +19317,6 @@
               </a:rPr>
               <a:t>详细介绍）。</a:t>
             </a:r>
-            <a:endParaRPr lang="zh-CN" altLang="en-US" b="1" noProof="1">
-              <a:sym typeface="宋体" panose="02010600030101010101" pitchFamily="2" charset="-122"/>
-            </a:endParaRPr>
           </a:p>
           <a:p>
             <a:pPr marL="285750" indent="-285750">
@@ -19489,9 +19356,6 @@
               </a:rPr>
               <a:t>，它们可以互相切换。</a:t>
             </a:r>
-            <a:endParaRPr lang="zh-CN" altLang="en-US" b="1" noProof="1">
-              <a:sym typeface="宋体" panose="02010600030101010101" pitchFamily="2" charset="-122"/>
-            </a:endParaRPr>
           </a:p>
           <a:p>
             <a:pPr marL="742950" lvl="1" indent="-285750">
@@ -19549,9 +19413,6 @@
               </a:rPr>
               <a:t>中进行声明。</a:t>
             </a:r>
-            <a:endParaRPr lang="zh-CN" altLang="en-US" b="1" noProof="1">
-              <a:sym typeface="宋体" panose="02010600030101010101" pitchFamily="2" charset="-122"/>
-            </a:endParaRPr>
           </a:p>
           <a:p>
             <a:pPr marL="742950" lvl="1" indent="-285750">
@@ -19612,9 +19473,6 @@
               </a:rPr>
               <a:t>的。</a:t>
             </a:r>
-            <a:endParaRPr lang="zh-CN" altLang="en-US" b="1" noProof="1">
-              <a:sym typeface="宋体" panose="02010600030101010101" pitchFamily="2" charset="-122"/>
-            </a:endParaRPr>
           </a:p>
           <a:p>
             <a:pPr>
@@ -19798,9 +19656,9 @@
           </a:lstStyle>
           <a:p>
             <a:r>
-              <a:rPr lang="en-US" altLang="zh-CN">
-                <a:solidFill>
-                  <a:srgbClr val="000000"/>
+              <a:rPr lang="en-US" altLang="zh-CN" dirty="0">
+                <a:solidFill>
+                  <a:schemeClr val="bg1"/>
                 </a:solidFill>
                 <a:latin typeface="微软雅黑" panose="020B0503020204020204" pitchFamily="34" charset="-122"/>
                 <a:ea typeface="微软雅黑" panose="020B0503020204020204" pitchFamily="34" charset="-122"/>
@@ -19809,9 +19667,9 @@
               <a:t>3.2.1 Activity</a:t>
             </a:r>
             <a:r>
-              <a:rPr lang="zh-CN" altLang="en-US">
-                <a:solidFill>
-                  <a:srgbClr val="000000"/>
+              <a:rPr lang="zh-CN" altLang="en-US" dirty="0">
+                <a:solidFill>
+                  <a:schemeClr val="bg1"/>
                 </a:solidFill>
                 <a:latin typeface="微软雅黑" panose="020B0503020204020204" pitchFamily="34" charset="-122"/>
                 <a:ea typeface="微软雅黑" panose="020B0503020204020204" pitchFamily="34" charset="-122"/>
@@ -19820,9 +19678,9 @@
               <a:t>简介</a:t>
             </a:r>
             <a:r>
-              <a:rPr lang="en-US" altLang="zh-CN">
-                <a:solidFill>
-                  <a:srgbClr val="000000"/>
+              <a:rPr lang="en-US" altLang="zh-CN" dirty="0">
+                <a:solidFill>
+                  <a:schemeClr val="bg1"/>
                 </a:solidFill>
                 <a:latin typeface="微软雅黑" panose="020B0503020204020204" pitchFamily="34" charset="-122"/>
                 <a:ea typeface="微软雅黑" panose="020B0503020204020204" pitchFamily="34" charset="-122"/>
@@ -19830,9 +19688,9 @@
               </a:rPr>
               <a:t>  </a:t>
             </a:r>
-            <a:endParaRPr lang="en-US" altLang="zh-CN">
+            <a:endParaRPr lang="en-US" altLang="zh-CN" dirty="0">
               <a:solidFill>
-                <a:srgbClr val="000000"/>
+                <a:schemeClr val="bg1"/>
               </a:solidFill>
               <a:latin typeface="微软雅黑" panose="020B0503020204020204" pitchFamily="34" charset="-122"/>
               <a:ea typeface="微软雅黑" panose="020B0503020204020204" pitchFamily="34" charset="-122"/>
@@ -20050,7 +19908,7 @@
             <a:r>
               <a:rPr lang="zh-CN" altLang="en-US" sz="3000" kern="10" noProof="1">
                 <a:blipFill dpi="0" rotWithShape="1">
-                  <a:blip r:embed="rId1"/>
+                  <a:blip r:embed="rId4"/>
                   <a:srcRect/>
                   <a:tile tx="0" ty="0" sx="100000" sy="100000" flip="none" algn="tl"/>
                 </a:blipFill>
@@ -20121,10 +19979,6 @@
               </a:rPr>
               <a:t>框架</a:t>
             </a:r>
-            <a:endParaRPr lang="zh-CN" altLang="en-US" sz="1400" b="1" noProof="1">
-              <a:latin typeface="Arial" panose="020B0604020202020204" pitchFamily="34" charset="0"/>
-              <a:sym typeface="+mn-ea"/>
-            </a:endParaRPr>
           </a:p>
           <a:p>
             <a:pPr lvl="1" fontAlgn="auto">
@@ -20154,13 +20008,6 @@
               </a:rPr>
               <a:t>体系结构</a:t>
             </a:r>
-            <a:endParaRPr lang="zh-CN" altLang="en-US" sz="1400" b="1" noProof="1">
-              <a:solidFill>
-                <a:srgbClr val="00B050"/>
-              </a:solidFill>
-              <a:latin typeface="Arial" panose="020B0604020202020204" pitchFamily="34" charset="0"/>
-              <a:sym typeface="+mn-ea"/>
-            </a:endParaRPr>
           </a:p>
           <a:p>
             <a:pPr lvl="1" fontAlgn="auto">
@@ -20190,13 +20037,6 @@
               </a:rPr>
               <a:t>运行原理</a:t>
             </a:r>
-            <a:endParaRPr lang="zh-CN" altLang="en-US" sz="1400" b="1" noProof="1">
-              <a:solidFill>
-                <a:srgbClr val="00B050"/>
-              </a:solidFill>
-              <a:latin typeface="Arial" panose="020B0604020202020204" pitchFamily="34" charset="0"/>
-              <a:sym typeface="+mn-ea"/>
-            </a:endParaRPr>
           </a:p>
           <a:p>
             <a:pPr fontAlgn="auto">
@@ -20377,18 +20217,6 @@
               </a:rPr>
               <a:t>Android基本原理</a:t>
             </a:r>
-            <a:endParaRPr lang="zh-CN" altLang="en-US" sz="2400" b="1" kern="10" noProof="1">
-              <a:effectLst>
-                <a:outerShdw blurRad="38100" dist="19050" dir="2700000" algn="tl" rotWithShape="0">
-                  <a:schemeClr val="dk1">
-                    <a:alpha val="40000"/>
-                  </a:schemeClr>
-                </a:outerShdw>
-              </a:effectLst>
-              <a:latin typeface="微软雅黑" panose="020B0503020204020204" pitchFamily="34" charset="-122"/>
-              <a:ea typeface="微软雅黑" panose="020B0503020204020204" pitchFamily="34" charset="-122"/>
-              <a:sym typeface="+mn-ea"/>
-            </a:endParaRPr>
           </a:p>
         </p:txBody>
       </p:sp>
@@ -20486,7 +20314,7 @@
       </p:sp>
     </p:spTree>
     <p:custDataLst>
-      <p:tags r:id="rId2"/>
+      <p:tags r:id="rId1"/>
     </p:custDataLst>
   </p:cSld>
   <p:clrMapOvr>
@@ -21193,7 +21021,7 @@
           <p:nvPr/>
         </p:nvPicPr>
         <p:blipFill>
-          <a:blip r:embed="rId1">
+          <a:blip r:embed="rId4">
             <a:extLst>
               <a:ext uri="{28A0092B-C50C-407E-A947-70E740481C1C}">
                 <a14:useLocalDpi xmlns:a14="http://schemas.microsoft.com/office/drawing/2010/main" val="0"/>
@@ -21424,9 +21252,6 @@
               </a:rPr>
               <a:t>的堆栈中，</a:t>
             </a:r>
-            <a:endParaRPr lang="zh-CN" altLang="en-US">
-              <a:sym typeface="宋体" panose="02010600030101010101" pitchFamily="2" charset="-122"/>
-            </a:endParaRPr>
           </a:p>
           <a:p>
             <a:r>
@@ -21465,7 +21290,7 @@
       </p:sp>
     </p:spTree>
     <p:custDataLst>
-      <p:tags r:id="rId2"/>
+      <p:tags r:id="rId1"/>
     </p:custDataLst>
   </p:cSld>
   <p:clrMapOvr>
@@ -21536,7 +21361,7 @@
           </p:nvPr>
         </p:nvPicPr>
         <p:blipFill>
-          <a:blip r:embed="rId2"/>
+          <a:blip r:embed="rId4"/>
           <a:stretch>
             <a:fillRect/>
           </a:stretch>
@@ -21571,6 +21396,7 @@
           <a:bodyPr wrap="none" rtlCol="0">
             <a:spAutoFit/>
           </a:bodyPr>
+          <a:lstStyle/>
           <a:p>
             <a:r>
               <a:rPr lang="en-US" altLang="zh-CN"/>
@@ -21628,7 +21454,6 @@
               <a:rPr lang="zh-CN" altLang="en-US"/>
               <a:t>文件</a:t>
             </a:r>
-            <a:endParaRPr lang="zh-CN" altLang="en-US"/>
           </a:p>
         </p:txBody>
       </p:sp>
@@ -21640,12 +21465,12 @@
           </p:cNvPicPr>
           <p:nvPr>
             <p:custDataLst>
-              <p:tags r:id="rId3"/>
+              <p:tags r:id="rId2"/>
             </p:custDataLst>
           </p:nvPr>
         </p:nvPicPr>
         <p:blipFill>
-          <a:blip r:embed="rId4"/>
+          <a:blip r:embed="rId5"/>
           <a:stretch>
             <a:fillRect/>
           </a:stretch>
@@ -21680,6 +21505,7 @@
           <a:bodyPr wrap="square" rtlCol="0" anchor="t">
             <a:spAutoFit/>
           </a:bodyPr>
+          <a:lstStyle/>
           <a:p>
             <a:r>
               <a:rPr lang="zh-CN" altLang="en-US" sz="1000">
@@ -21689,11 +21515,6 @@
               </a:rPr>
               <a:t>https://github.com/HBU/AndroidDemo/tree/master/chapter03/ActivityStack</a:t>
             </a:r>
-            <a:endParaRPr lang="zh-CN" altLang="en-US" sz="1000">
-              <a:solidFill>
-                <a:schemeClr val="bg2"/>
-              </a:solidFill>
-            </a:endParaRPr>
           </a:p>
         </p:txBody>
       </p:sp>
@@ -21782,10 +21603,6 @@
               </a:rPr>
               <a:t>当用户按Home键时，当前应用程序的任务栈将转到后台</a:t>
             </a:r>
-            <a:endParaRPr lang="zh-CN" altLang="en-US" sz="1400" noProof="1">
-              <a:latin typeface="+mn-lt"/>
-              <a:sym typeface="+mn-ea"/>
-            </a:endParaRPr>
           </a:p>
           <a:p>
             <a:pPr indent="-342900" fontAlgn="auto">
@@ -21963,9 +21780,9 @@
           </a:lstStyle>
           <a:p>
             <a:r>
-              <a:rPr lang="en-US" altLang="zh-CN">
-                <a:solidFill>
-                  <a:srgbClr val="000000"/>
+              <a:rPr lang="en-US" altLang="zh-CN" dirty="0">
+                <a:solidFill>
+                  <a:schemeClr val="bg1"/>
                 </a:solidFill>
                 <a:latin typeface="微软雅黑" panose="020B0503020204020204" pitchFamily="34" charset="-122"/>
                 <a:ea typeface="微软雅黑" panose="020B0503020204020204" pitchFamily="34" charset="-122"/>
@@ -21974,9 +21791,9 @@
               <a:t>3.2.1 Activity</a:t>
             </a:r>
             <a:r>
-              <a:rPr lang="zh-CN" altLang="en-US">
-                <a:solidFill>
-                  <a:srgbClr val="000000"/>
+              <a:rPr lang="zh-CN" altLang="en-US" dirty="0">
+                <a:solidFill>
+                  <a:schemeClr val="bg1"/>
                 </a:solidFill>
                 <a:latin typeface="微软雅黑" panose="020B0503020204020204" pitchFamily="34" charset="-122"/>
                 <a:ea typeface="微软雅黑" panose="020B0503020204020204" pitchFamily="34" charset="-122"/>
@@ -21985,9 +21802,9 @@
               <a:t>简介</a:t>
             </a:r>
             <a:r>
-              <a:rPr lang="en-US" altLang="zh-CN">
-                <a:solidFill>
-                  <a:srgbClr val="000000"/>
+              <a:rPr lang="en-US" altLang="zh-CN" dirty="0">
+                <a:solidFill>
+                  <a:schemeClr val="bg1"/>
                 </a:solidFill>
                 <a:latin typeface="微软雅黑" panose="020B0503020204020204" pitchFamily="34" charset="-122"/>
                 <a:ea typeface="微软雅黑" panose="020B0503020204020204" pitchFamily="34" charset="-122"/>
@@ -21995,9 +21812,9 @@
               </a:rPr>
               <a:t>  </a:t>
             </a:r>
-            <a:endParaRPr lang="en-US" altLang="zh-CN">
+            <a:endParaRPr lang="en-US" altLang="zh-CN" dirty="0">
               <a:solidFill>
-                <a:srgbClr val="000000"/>
+                <a:schemeClr val="bg1"/>
               </a:solidFill>
               <a:latin typeface="微软雅黑" panose="020B0503020204020204" pitchFamily="34" charset="-122"/>
               <a:ea typeface="微软雅黑" panose="020B0503020204020204" pitchFamily="34" charset="-122"/>
@@ -22120,12 +21937,12 @@
           </p:cNvPicPr>
           <p:nvPr>
             <p:custDataLst>
-              <p:tags r:id="rId1"/>
+              <p:tags r:id="rId2"/>
             </p:custDataLst>
           </p:nvPr>
         </p:nvPicPr>
         <p:blipFill>
-          <a:blip r:embed="rId2">
+          <a:blip r:embed="rId6">
             <a:extLst>
               <a:ext uri="{28A0092B-C50C-407E-A947-70E740481C1C}">
                 <a14:useLocalDpi xmlns:a14="http://schemas.microsoft.com/office/drawing/2010/main" val="0"/>
@@ -22183,7 +22000,7 @@
           </p:nvPr>
         </p:nvPicPr>
         <p:blipFill>
-          <a:blip r:embed="rId4">
+          <a:blip r:embed="rId7">
             <a:extLst>
               <a:ext uri="{28A0092B-C50C-407E-A947-70E740481C1C}">
                 <a14:useLocalDpi xmlns:a14="http://schemas.microsoft.com/office/drawing/2010/main" val="0"/>
@@ -22230,7 +22047,7 @@
       </p:pic>
     </p:spTree>
     <p:custDataLst>
-      <p:tags r:id="rId5"/>
+      <p:tags r:id="rId1"/>
     </p:custDataLst>
   </p:cSld>
   <p:clrMapOvr>
@@ -22321,12 +22138,6 @@
               </a:rPr>
               <a:t>（默认加载模式）</a:t>
             </a:r>
-            <a:endParaRPr lang="zh-CN" altLang="en-US" b="1" noProof="1">
-              <a:solidFill>
-                <a:srgbClr val="00B050"/>
-              </a:solidFill>
-              <a:sym typeface="宋体" panose="02010600030101010101" pitchFamily="2" charset="-122"/>
-            </a:endParaRPr>
           </a:p>
           <a:p>
             <a:pPr>
@@ -22342,9 +22153,6 @@
               </a:rPr>
               <a:t>每次启动一个Activity都会重写创建一个新的实例，不管这个实例存不存在。</a:t>
             </a:r>
-            <a:endParaRPr sz="1400" noProof="1">
-              <a:sym typeface="宋体" panose="02010600030101010101" pitchFamily="2" charset="-122"/>
-            </a:endParaRPr>
           </a:p>
           <a:p>
             <a:pPr>
@@ -22360,9 +22168,6 @@
               </a:rPr>
               <a:t> </a:t>
             </a:r>
-            <a:endParaRPr sz="1400" noProof="1">
-              <a:sym typeface="宋体" panose="02010600030101010101" pitchFamily="2" charset="-122"/>
-            </a:endParaRPr>
           </a:p>
           <a:p>
             <a:pPr indent="-342900">
@@ -22399,9 +22204,6 @@
               </a:rPr>
               <a:t>如果新的activity已经位于栈顶，那么这个Activity不会被重写创建。</a:t>
             </a:r>
-            <a:endParaRPr sz="1400" noProof="1">
-              <a:sym typeface="宋体" panose="02010600030101010101" pitchFamily="2" charset="-122"/>
-            </a:endParaRPr>
           </a:p>
           <a:p>
             <a:pPr>
@@ -22450,9 +22252,6 @@
               </a:rPr>
               <a:t>如果栈中存在这个Activity的实例就会复用，不管它是否位于栈顶</a:t>
             </a:r>
-            <a:endParaRPr sz="1400" noProof="1">
-              <a:sym typeface="宋体" panose="02010600030101010101" pitchFamily="2" charset="-122"/>
-            </a:endParaRPr>
           </a:p>
           <a:p>
             <a:pPr>
@@ -22480,9 +22279,6 @@
               </a:rPr>
               <a:t> </a:t>
             </a:r>
-            <a:endParaRPr sz="1400" noProof="1">
-              <a:sym typeface="宋体" panose="02010600030101010101" pitchFamily="2" charset="-122"/>
-            </a:endParaRPr>
           </a:p>
           <a:p>
             <a:pPr>
@@ -22529,9 +22325,6 @@
               </a:rPr>
               <a:t> 单独占用一个Task栈，具有全局唯一性，即整个系统中就这么一个实例。</a:t>
             </a:r>
-            <a:endParaRPr sz="1400" noProof="1">
-              <a:sym typeface="宋体" panose="02010600030101010101" pitchFamily="2" charset="-122"/>
-            </a:endParaRPr>
           </a:p>
           <a:p>
             <a:pPr>
@@ -22589,12 +22382,6 @@
               </a:rPr>
               <a:t>】</a:t>
             </a:r>
-            <a:endParaRPr lang="zh-CN" sz="800" b="1" noProof="1">
-              <a:solidFill>
-                <a:srgbClr val="0E90BE"/>
-              </a:solidFill>
-              <a:sym typeface="宋体" panose="02010600030101010101" pitchFamily="2" charset="-122"/>
-            </a:endParaRPr>
           </a:p>
           <a:p>
             <a:pPr>
@@ -22658,12 +22445,6 @@
               </a:rPr>
               <a:t>android:launchMode</a:t>
             </a:r>
-            <a:endParaRPr lang="zh-CN" sz="800" b="1" noProof="1">
-              <a:solidFill>
-                <a:srgbClr val="0E90BE"/>
-              </a:solidFill>
-              <a:sym typeface="宋体" panose="02010600030101010101" pitchFamily="2" charset="-122"/>
-            </a:endParaRPr>
           </a:p>
           <a:p>
             <a:pPr>
@@ -22693,13 +22474,6 @@
               </a:rPr>
               <a:t>：http://blog.csdn.net/mynameishuangshuai/article/details/51491074</a:t>
             </a:r>
-            <a:endParaRPr lang="zh-CN" altLang="en-US" sz="800" b="1" noProof="1">
-              <a:solidFill>
-                <a:srgbClr val="0E90BE"/>
-              </a:solidFill>
-              <a:latin typeface="宋体" panose="02010600030101010101" pitchFamily="2" charset="-122"/>
-              <a:sym typeface="宋体" panose="02010600030101010101" pitchFamily="2" charset="-122"/>
-            </a:endParaRPr>
           </a:p>
         </p:txBody>
       </p:sp>
@@ -22714,7 +22488,7 @@
         <p:spPr bwMode="auto">
           <a:xfrm>
             <a:off x="539750" y="268288"/>
-            <a:ext cx="7921625" cy="368300"/>
+            <a:ext cx="8002960" cy="369332"/>
           </a:xfrm>
           <a:prstGeom prst="rect">
             <a:avLst/>
@@ -22860,9 +22634,9 @@
           </a:lstStyle>
           <a:p>
             <a:r>
-              <a:rPr lang="en-US" altLang="zh-CN">
-                <a:solidFill>
-                  <a:srgbClr val="000000"/>
+              <a:rPr lang="en-US" altLang="zh-CN" dirty="0">
+                <a:solidFill>
+                  <a:schemeClr val="bg1"/>
                 </a:solidFill>
                 <a:latin typeface="微软雅黑" panose="020B0503020204020204" pitchFamily="34" charset="-122"/>
                 <a:ea typeface="微软雅黑" panose="020B0503020204020204" pitchFamily="34" charset="-122"/>
@@ -22871,81 +22645,81 @@
               <a:t>3.2.1 Activity</a:t>
             </a:r>
             <a:r>
-              <a:rPr lang="zh-CN" altLang="en-US">
-                <a:solidFill>
-                  <a:srgbClr val="000000"/>
+              <a:rPr lang="zh-CN" altLang="en-US" dirty="0">
+                <a:solidFill>
+                  <a:schemeClr val="bg1"/>
                 </a:solidFill>
                 <a:sym typeface="宋体" panose="02010600030101010101" pitchFamily="2" charset="-122"/>
               </a:rPr>
               <a:t>四种加载模式：</a:t>
             </a:r>
             <a:r>
-              <a:rPr lang="en-US" altLang="zh-CN">
-                <a:solidFill>
-                  <a:srgbClr val="000000"/>
+              <a:rPr lang="en-US" altLang="zh-CN" dirty="0">
+                <a:solidFill>
+                  <a:schemeClr val="bg1"/>
                 </a:solidFill>
                 <a:sym typeface="宋体" panose="02010600030101010101" pitchFamily="2" charset="-122"/>
               </a:rPr>
               <a:t>standard</a:t>
             </a:r>
             <a:r>
-              <a:rPr lang="zh-CN" altLang="en-US">
-                <a:solidFill>
-                  <a:srgbClr val="000000"/>
+              <a:rPr lang="zh-CN" altLang="en-US" dirty="0">
+                <a:solidFill>
+                  <a:schemeClr val="bg1"/>
                 </a:solidFill>
                 <a:sym typeface="宋体" panose="02010600030101010101" pitchFamily="2" charset="-122"/>
               </a:rPr>
               <a:t>、</a:t>
             </a:r>
             <a:r>
-              <a:rPr lang="en-US" altLang="zh-CN">
-                <a:solidFill>
-                  <a:srgbClr val="000000"/>
+              <a:rPr lang="en-US" altLang="zh-CN" dirty="0" err="1">
+                <a:solidFill>
+                  <a:schemeClr val="bg1"/>
                 </a:solidFill>
                 <a:sym typeface="宋体" panose="02010600030101010101" pitchFamily="2" charset="-122"/>
               </a:rPr>
               <a:t>singleTop</a:t>
             </a:r>
             <a:r>
-              <a:rPr lang="zh-CN" altLang="en-US">
-                <a:solidFill>
-                  <a:srgbClr val="000000"/>
+              <a:rPr lang="zh-CN" altLang="en-US" dirty="0">
+                <a:solidFill>
+                  <a:schemeClr val="bg1"/>
                 </a:solidFill>
                 <a:sym typeface="宋体" panose="02010600030101010101" pitchFamily="2" charset="-122"/>
               </a:rPr>
               <a:t>、</a:t>
             </a:r>
             <a:r>
-              <a:rPr lang="en-US" altLang="zh-CN">
-                <a:solidFill>
-                  <a:srgbClr val="000000"/>
+              <a:rPr lang="en-US" altLang="zh-CN" dirty="0" err="1">
+                <a:solidFill>
+                  <a:schemeClr val="bg1"/>
                 </a:solidFill>
                 <a:sym typeface="宋体" panose="02010600030101010101" pitchFamily="2" charset="-122"/>
               </a:rPr>
               <a:t>singleTask</a:t>
             </a:r>
             <a:r>
-              <a:rPr lang="zh-CN" altLang="en-US">
-                <a:solidFill>
-                  <a:srgbClr val="000000"/>
+              <a:rPr lang="zh-CN" altLang="en-US" dirty="0">
+                <a:solidFill>
+                  <a:schemeClr val="bg1"/>
                 </a:solidFill>
                 <a:sym typeface="宋体" panose="02010600030101010101" pitchFamily="2" charset="-122"/>
               </a:rPr>
               <a:t>、</a:t>
             </a:r>
             <a:r>
-              <a:rPr lang="en-US" altLang="zh-CN">
-                <a:solidFill>
-                  <a:srgbClr val="000000"/>
+              <a:rPr lang="en-US" altLang="zh-CN" dirty="0" err="1">
+                <a:solidFill>
+                  <a:schemeClr val="bg1"/>
                 </a:solidFill>
                 <a:sym typeface="宋体" panose="02010600030101010101" pitchFamily="2" charset="-122"/>
               </a:rPr>
               <a:t>singleInstance</a:t>
             </a:r>
             <a:r>
-              <a:rPr lang="en-US" altLang="zh-CN">
-                <a:solidFill>
-                  <a:srgbClr val="000000"/>
+              <a:rPr lang="en-US" altLang="zh-CN" dirty="0">
+                <a:solidFill>
+                  <a:schemeClr val="bg1"/>
                 </a:solidFill>
                 <a:latin typeface="微软雅黑" panose="020B0503020204020204" pitchFamily="34" charset="-122"/>
                 <a:ea typeface="微软雅黑" panose="020B0503020204020204" pitchFamily="34" charset="-122"/>
@@ -22953,9 +22727,9 @@
               </a:rPr>
               <a:t>  </a:t>
             </a:r>
-            <a:endParaRPr lang="en-US" altLang="zh-CN">
+            <a:endParaRPr lang="en-US" altLang="zh-CN" dirty="0">
               <a:solidFill>
-                <a:srgbClr val="000000"/>
+                <a:schemeClr val="bg1"/>
               </a:solidFill>
               <a:latin typeface="微软雅黑" panose="020B0503020204020204" pitchFamily="34" charset="-122"/>
               <a:ea typeface="微软雅黑" panose="020B0503020204020204" pitchFamily="34" charset="-122"/>
@@ -23154,12 +22928,6 @@
               </a:rPr>
               <a:t>Service</a:t>
             </a:r>
-            <a:endParaRPr lang="en-US" altLang="zh-CN" sz="2000" b="1" noProof="1">
-              <a:solidFill>
-                <a:srgbClr val="00B050"/>
-              </a:solidFill>
-              <a:sym typeface="宋体" panose="02010600030101010101" pitchFamily="2" charset="-122"/>
-            </a:endParaRPr>
           </a:p>
           <a:p>
             <a:pPr>
@@ -23286,9 +23054,6 @@
               </a:rPr>
               <a:t>例如，服务可以处理网络事务、播放音乐，执行文件 I/O 或与内容提供程序交互，而所有这一切均可在后台进行</a:t>
             </a:r>
-            <a:endParaRPr sz="1400" noProof="1">
-              <a:sym typeface="宋体" panose="02010600030101010101" pitchFamily="2" charset="-122"/>
-            </a:endParaRPr>
           </a:p>
         </p:txBody>
       </p:sp>
@@ -23303,7 +23068,7 @@
         <p:spPr bwMode="auto">
           <a:xfrm>
             <a:off x="539750" y="268288"/>
-            <a:ext cx="2139950" cy="368300"/>
+            <a:ext cx="2161554" cy="369332"/>
           </a:xfrm>
           <a:prstGeom prst="rect">
             <a:avLst/>
@@ -23449,9 +23214,9 @@
           </a:lstStyle>
           <a:p>
             <a:r>
-              <a:rPr lang="en-US" altLang="zh-CN">
-                <a:solidFill>
-                  <a:srgbClr val="000000"/>
+              <a:rPr lang="en-US" altLang="zh-CN" dirty="0">
+                <a:solidFill>
+                  <a:schemeClr val="bg1"/>
                 </a:solidFill>
                 <a:latin typeface="微软雅黑" panose="020B0503020204020204" pitchFamily="34" charset="-122"/>
                 <a:ea typeface="微软雅黑" panose="020B0503020204020204" pitchFamily="34" charset="-122"/>
@@ -23460,9 +23225,9 @@
               <a:t>3.2.2 Service</a:t>
             </a:r>
             <a:r>
-              <a:rPr lang="zh-CN" altLang="en-US">
-                <a:solidFill>
-                  <a:srgbClr val="000000"/>
+              <a:rPr lang="zh-CN" altLang="en-US" dirty="0">
+                <a:solidFill>
+                  <a:schemeClr val="bg1"/>
                 </a:solidFill>
                 <a:latin typeface="微软雅黑" panose="020B0503020204020204" pitchFamily="34" charset="-122"/>
                 <a:ea typeface="微软雅黑" panose="020B0503020204020204" pitchFamily="34" charset="-122"/>
@@ -23471,9 +23236,9 @@
               <a:t>简介</a:t>
             </a:r>
             <a:r>
-              <a:rPr lang="en-US" altLang="zh-CN">
-                <a:solidFill>
-                  <a:srgbClr val="000000"/>
+              <a:rPr lang="en-US" altLang="zh-CN" dirty="0">
+                <a:solidFill>
+                  <a:schemeClr val="bg1"/>
                 </a:solidFill>
                 <a:latin typeface="微软雅黑" panose="020B0503020204020204" pitchFamily="34" charset="-122"/>
                 <a:ea typeface="微软雅黑" panose="020B0503020204020204" pitchFamily="34" charset="-122"/>
@@ -23481,9 +23246,9 @@
               </a:rPr>
               <a:t>  </a:t>
             </a:r>
-            <a:endParaRPr lang="en-US" altLang="zh-CN">
+            <a:endParaRPr lang="en-US" altLang="zh-CN" dirty="0">
               <a:solidFill>
-                <a:srgbClr val="000000"/>
+                <a:schemeClr val="bg1"/>
               </a:solidFill>
               <a:latin typeface="微软雅黑" panose="020B0503020204020204" pitchFamily="34" charset="-122"/>
               <a:ea typeface="微软雅黑" panose="020B0503020204020204" pitchFamily="34" charset="-122"/>
@@ -23715,10 +23480,6 @@
               </a:rPr>
               <a:t>接收广播，从而知道系统产生了什么事件。</a:t>
             </a:r>
-            <a:endParaRPr lang="zh-CN" altLang="en-US" b="1" noProof="1">
-              <a:latin typeface="+mn-lt"/>
-              <a:sym typeface="+mn-ea"/>
-            </a:endParaRPr>
           </a:p>
           <a:p>
             <a:pPr fontAlgn="auto">
@@ -23744,10 +23505,6 @@
               </a:rPr>
               <a:t>Android系统在运行的过程中会产生很多事件：</a:t>
             </a:r>
-            <a:endParaRPr lang="zh-CN" altLang="en-US" sz="1400" noProof="1">
-              <a:latin typeface="+mn-lt"/>
-              <a:sym typeface="+mn-ea"/>
-            </a:endParaRPr>
           </a:p>
           <a:p>
             <a:pPr marL="285750" indent="-285750" fontAlgn="auto">
@@ -23764,10 +23521,6 @@
               </a:rPr>
               <a:t>开机</a:t>
             </a:r>
-            <a:endParaRPr lang="zh-CN" altLang="en-US" sz="1400" noProof="1">
-              <a:latin typeface="+mn-lt"/>
-              <a:sym typeface="+mn-ea"/>
-            </a:endParaRPr>
           </a:p>
           <a:p>
             <a:pPr marL="285750" indent="-285750" fontAlgn="auto">
@@ -23784,10 +23537,6 @@
               </a:rPr>
               <a:t>电量改变</a:t>
             </a:r>
-            <a:endParaRPr lang="zh-CN" altLang="en-US" sz="1400" noProof="1">
-              <a:latin typeface="+mn-lt"/>
-              <a:sym typeface="+mn-ea"/>
-            </a:endParaRPr>
           </a:p>
           <a:p>
             <a:pPr marL="285750" indent="-285750" fontAlgn="auto">
@@ -23804,10 +23553,6 @@
               </a:rPr>
               <a:t>收发短信</a:t>
             </a:r>
-            <a:endParaRPr lang="zh-CN" altLang="en-US" sz="1400" noProof="1">
-              <a:latin typeface="+mn-lt"/>
-              <a:sym typeface="+mn-ea"/>
-            </a:endParaRPr>
           </a:p>
           <a:p>
             <a:pPr marL="285750" indent="-285750" fontAlgn="auto">
@@ -23824,10 +23569,6 @@
               </a:rPr>
               <a:t>拨打电话</a:t>
             </a:r>
-            <a:endParaRPr lang="zh-CN" altLang="en-US" sz="1400" noProof="1">
-              <a:latin typeface="+mn-lt"/>
-              <a:sym typeface="+mn-ea"/>
-            </a:endParaRPr>
           </a:p>
           <a:p>
             <a:pPr marL="285750" indent="-285750" fontAlgn="auto">
@@ -23862,7 +23603,7 @@
         <p:spPr bwMode="auto">
           <a:xfrm>
             <a:off x="539750" y="268288"/>
-            <a:ext cx="3295650" cy="368300"/>
+            <a:ext cx="3332387" cy="369332"/>
           </a:xfrm>
           <a:prstGeom prst="rect">
             <a:avLst/>
@@ -24008,36 +23749,50 @@
           </a:lstStyle>
           <a:p>
             <a:r>
-              <a:rPr lang="en-US" altLang="zh-CN">
-                <a:solidFill>
-                  <a:srgbClr val="000000"/>
+              <a:rPr lang="en-US" altLang="zh-CN" dirty="0">
+                <a:solidFill>
+                  <a:schemeClr val="bg1"/>
                 </a:solidFill>
                 <a:latin typeface="微软雅黑" panose="020B0503020204020204" pitchFamily="34" charset="-122"/>
                 <a:ea typeface="微软雅黑" panose="020B0503020204020204" pitchFamily="34" charset="-122"/>
                 <a:sym typeface="宋体" panose="02010600030101010101" pitchFamily="2" charset="-122"/>
               </a:rPr>
-              <a:t>3.2.3 BroadCastReceiver</a:t>
-            </a:r>
-            <a:r>
-              <a:rPr lang="zh-CN" altLang="en-US">
-                <a:solidFill>
-                  <a:srgbClr val="000000"/>
+              <a:t>3.2.3 </a:t>
+            </a:r>
+            <a:r>
+              <a:rPr lang="en-US" altLang="zh-CN" dirty="0" err="1">
+                <a:solidFill>
+                  <a:schemeClr val="bg1"/>
                 </a:solidFill>
                 <a:latin typeface="微软雅黑" panose="020B0503020204020204" pitchFamily="34" charset="-122"/>
                 <a:ea typeface="微软雅黑" panose="020B0503020204020204" pitchFamily="34" charset="-122"/>
                 <a:sym typeface="宋体" panose="02010600030101010101" pitchFamily="2" charset="-122"/>
               </a:rPr>
+              <a:t>BroadCastReceiver</a:t>
+            </a:r>
+            <a:r>
+              <a:rPr lang="zh-CN" altLang="en-US" dirty="0">
+                <a:solidFill>
+                  <a:schemeClr val="bg1"/>
+                </a:solidFill>
+                <a:latin typeface="微软雅黑" panose="020B0503020204020204" pitchFamily="34" charset="-122"/>
+                <a:ea typeface="微软雅黑" panose="020B0503020204020204" pitchFamily="34" charset="-122"/>
+                <a:sym typeface="宋体" panose="02010600030101010101" pitchFamily="2" charset="-122"/>
+              </a:rPr>
               <a:t>简介</a:t>
             </a:r>
             <a:r>
-              <a:rPr lang="zh-CN" altLang="en-US">
+              <a:rPr lang="zh-CN" altLang="en-US" dirty="0">
+                <a:solidFill>
+                  <a:schemeClr val="bg1"/>
+                </a:solidFill>
                 <a:sym typeface="宋体" panose="02010600030101010101" pitchFamily="2" charset="-122"/>
               </a:rPr>
               <a:t> </a:t>
             </a:r>
-            <a:endParaRPr lang="en-US" altLang="zh-CN">
+            <a:endParaRPr lang="en-US" altLang="zh-CN" dirty="0">
               <a:solidFill>
-                <a:srgbClr val="000000"/>
+                <a:schemeClr val="bg1"/>
               </a:solidFill>
               <a:latin typeface="微软雅黑" panose="020B0503020204020204" pitchFamily="34" charset="-122"/>
               <a:ea typeface="微软雅黑" panose="020B0503020204020204" pitchFamily="34" charset="-122"/>
@@ -24275,10 +24030,6 @@
               </a:rPr>
               <a:t>的唯一方式。</a:t>
             </a:r>
-            <a:endParaRPr lang="zh-CN" altLang="en-US" noProof="1">
-              <a:latin typeface="+mn-lt"/>
-              <a:sym typeface="+mn-ea"/>
-            </a:endParaRPr>
           </a:p>
           <a:p>
             <a:pPr indent="457200" fontAlgn="auto">
@@ -24351,7 +24102,7 @@
         <p:spPr bwMode="auto">
           <a:xfrm>
             <a:off x="539750" y="268288"/>
-            <a:ext cx="3078163" cy="368300"/>
+            <a:ext cx="3112968" cy="369332"/>
           </a:xfrm>
           <a:prstGeom prst="rect">
             <a:avLst/>
@@ -24497,41 +24248,52 @@
           </a:lstStyle>
           <a:p>
             <a:r>
-              <a:rPr lang="en-US" altLang="zh-CN">
-                <a:solidFill>
-                  <a:srgbClr val="000000"/>
+              <a:rPr lang="en-US" altLang="zh-CN" dirty="0">
+                <a:solidFill>
+                  <a:schemeClr val="bg1"/>
                 </a:solidFill>
                 <a:latin typeface="微软雅黑" panose="020B0503020204020204" pitchFamily="34" charset="-122"/>
                 <a:ea typeface="微软雅黑" panose="020B0503020204020204" pitchFamily="34" charset="-122"/>
                 <a:sym typeface="宋体" panose="02010600030101010101" pitchFamily="2" charset="-122"/>
               </a:rPr>
-              <a:t>3.2.4 ContentProvider</a:t>
-            </a:r>
-            <a:r>
-              <a:rPr lang="zh-CN" altLang="en-US">
-                <a:solidFill>
-                  <a:srgbClr val="000000"/>
+              <a:t>3.2.4 </a:t>
+            </a:r>
+            <a:r>
+              <a:rPr lang="en-US" altLang="zh-CN" dirty="0" err="1">
+                <a:solidFill>
+                  <a:schemeClr val="bg1"/>
                 </a:solidFill>
                 <a:latin typeface="微软雅黑" panose="020B0503020204020204" pitchFamily="34" charset="-122"/>
                 <a:ea typeface="微软雅黑" panose="020B0503020204020204" pitchFamily="34" charset="-122"/>
                 <a:sym typeface="宋体" panose="02010600030101010101" pitchFamily="2" charset="-122"/>
               </a:rPr>
-              <a:t>简介</a:t>
-            </a:r>
-            <a:r>
-              <a:rPr lang="en-US" altLang="zh-CN">
-                <a:solidFill>
-                  <a:srgbClr val="000000"/>
+              <a:t>ContentProvider</a:t>
+            </a:r>
+            <a:r>
+              <a:rPr lang="zh-CN" altLang="en-US" dirty="0">
+                <a:solidFill>
+                  <a:schemeClr val="bg1"/>
                 </a:solidFill>
                 <a:latin typeface="微软雅黑" panose="020B0503020204020204" pitchFamily="34" charset="-122"/>
                 <a:ea typeface="微软雅黑" panose="020B0503020204020204" pitchFamily="34" charset="-122"/>
                 <a:sym typeface="宋体" panose="02010600030101010101" pitchFamily="2" charset="-122"/>
               </a:rPr>
+              <a:t>简介</a:t>
+            </a:r>
+            <a:r>
+              <a:rPr lang="en-US" altLang="zh-CN" dirty="0">
+                <a:solidFill>
+                  <a:schemeClr val="bg1"/>
+                </a:solidFill>
+                <a:latin typeface="微软雅黑" panose="020B0503020204020204" pitchFamily="34" charset="-122"/>
+                <a:ea typeface="微软雅黑" panose="020B0503020204020204" pitchFamily="34" charset="-122"/>
+                <a:sym typeface="宋体" panose="02010600030101010101" pitchFamily="2" charset="-122"/>
+              </a:rPr>
               <a:t> </a:t>
             </a:r>
-            <a:endParaRPr lang="en-US" altLang="zh-CN">
+            <a:endParaRPr lang="en-US" altLang="zh-CN" dirty="0">
               <a:solidFill>
-                <a:srgbClr val="000000"/>
+                <a:schemeClr val="bg1"/>
               </a:solidFill>
               <a:latin typeface="微软雅黑" panose="020B0503020204020204" pitchFamily="34" charset="-122"/>
               <a:ea typeface="微软雅黑" panose="020B0503020204020204" pitchFamily="34" charset="-122"/>
@@ -24686,7 +24448,7 @@
           <p:nvPr/>
         </p:nvPicPr>
         <p:blipFill>
-          <a:blip r:embed="rId1">
+          <a:blip r:embed="rId4">
             <a:extLst>
               <a:ext uri="{28A0092B-C50C-407E-A947-70E740481C1C}">
                 <a14:useLocalDpi xmlns:a14="http://schemas.microsoft.com/office/drawing/2010/main" val="0"/>
@@ -24919,7 +24681,7 @@
       </p:sp>
     </p:spTree>
     <p:custDataLst>
-      <p:tags r:id="rId2"/>
+      <p:tags r:id="rId1"/>
     </p:custDataLst>
   </p:cSld>
   <p:clrMapOvr>
@@ -25568,7 +25330,7 @@
           <p:nvPr/>
         </p:nvPicPr>
         <p:blipFill>
-          <a:blip r:embed="rId1">
+          <a:blip r:embed="rId4">
             <a:extLst>
               <a:ext uri="{28A0092B-C50C-407E-A947-70E740481C1C}">
                 <a14:useLocalDpi xmlns:a14="http://schemas.microsoft.com/office/drawing/2010/main" val="0"/>
@@ -25652,11 +25414,6 @@
               </a:rPr>
               <a:t>一、应用程序</a:t>
             </a:r>
-            <a:endParaRPr lang="zh-CN" altLang="en-US" sz="2400" b="1" noProof="1">
-              <a:solidFill>
-                <a:schemeClr val="accent4"/>
-              </a:solidFill>
-            </a:endParaRPr>
           </a:p>
         </p:txBody>
       </p:sp>
@@ -25823,7 +25580,6 @@
               <a:rPr lang="zh-CN" altLang="en-US" dirty="0"/>
               <a:t>编写</a:t>
             </a:r>
-            <a:endParaRPr lang="zh-CN" altLang="en-US" dirty="0"/>
           </a:p>
           <a:p>
             <a:pPr>
@@ -25842,7 +25598,6 @@
               <a:rPr lang="zh-CN" altLang="en-US" dirty="0"/>
               <a:t>客户端、短消息、日历、地图、浏览器等。</a:t>
             </a:r>
-            <a:endParaRPr lang="zh-CN" altLang="en-US" dirty="0"/>
           </a:p>
           <a:p>
             <a:pPr>
@@ -25853,13 +25608,12 @@
               <a:rPr lang="zh-CN" altLang="en-US" dirty="0"/>
               <a:t>用户可自定义开发更加丰富的程序</a:t>
             </a:r>
-            <a:endParaRPr lang="zh-CN" altLang="en-US" dirty="0"/>
           </a:p>
         </p:txBody>
       </p:sp>
     </p:spTree>
     <p:custDataLst>
-      <p:tags r:id="rId2"/>
+      <p:tags r:id="rId1"/>
     </p:custDataLst>
   </p:cSld>
   <p:clrMapOvr>
@@ -26211,7 +25965,7 @@
           <p:nvPr/>
         </p:nvPicPr>
         <p:blipFill>
-          <a:blip r:embed="rId1">
+          <a:blip r:embed="rId4">
             <a:extLst>
               <a:ext uri="{28A0092B-C50C-407E-A947-70E740481C1C}">
                 <a14:useLocalDpi xmlns:a14="http://schemas.microsoft.com/office/drawing/2010/main" val="0"/>
@@ -26295,11 +26049,6 @@
               </a:rPr>
               <a:t>二、应用程序框架</a:t>
             </a:r>
-            <a:endParaRPr lang="zh-CN" altLang="en-US" sz="2400" b="1" noProof="1">
-              <a:solidFill>
-                <a:schemeClr val="accent4"/>
-              </a:solidFill>
-            </a:endParaRPr>
           </a:p>
         </p:txBody>
       </p:sp>
@@ -26474,7 +26223,6 @@
               <a:rPr lang="zh-CN" altLang="zh-CN" sz="1200" dirty="0"/>
               <a:t>，可以用来构建应用程序， 它包括列表（lists），网格（grids），文本框（text box），按钮（button）， 甚至可嵌入的web浏览器。</a:t>
             </a:r>
-            <a:endParaRPr lang="zh-CN" altLang="zh-CN" sz="1200" dirty="0"/>
           </a:p>
           <a:p>
             <a:pPr>
@@ -26500,7 +26248,6 @@
               <a:rPr lang="zh-CN" altLang="zh-CN" sz="1200" dirty="0"/>
               <a:t>使得应用程序可以访问另一个应用程序的数据（如联系人数据库）， 或者共享它们自己的数据。</a:t>
             </a:r>
-            <a:endParaRPr lang="zh-CN" altLang="zh-CN" sz="1200" dirty="0"/>
           </a:p>
           <a:p>
             <a:pPr>
@@ -26526,7 +26273,6 @@
               <a:rPr lang="zh-CN" altLang="zh-CN" sz="1200" dirty="0"/>
               <a:t>提供 非代码资源的访问，如本地字符串、图形、布局文件（ layout files ）。</a:t>
             </a:r>
-            <a:endParaRPr lang="zh-CN" altLang="zh-CN" sz="1200" dirty="0"/>
           </a:p>
           <a:p>
             <a:pPr>
@@ -26552,7 +26298,6 @@
               <a:rPr lang="zh-CN" altLang="zh-CN" sz="1200" dirty="0"/>
               <a:t> 使得应用程序可以在状态栏中显示自定义的提示信息。</a:t>
             </a:r>
-            <a:endParaRPr lang="zh-CN" altLang="zh-CN" sz="1200" dirty="0"/>
           </a:p>
           <a:p>
             <a:pPr>
@@ -26578,13 +26323,12 @@
               <a:rPr lang="zh-CN" altLang="zh-CN" sz="1200" dirty="0"/>
               <a:t> 用来管理应用程序生命周期并提供常用的导航回退功能。</a:t>
             </a:r>
-            <a:endParaRPr lang="zh-CN" altLang="zh-CN" sz="1200" dirty="0"/>
           </a:p>
         </p:txBody>
       </p:sp>
     </p:spTree>
     <p:custDataLst>
-      <p:tags r:id="rId2"/>
+      <p:tags r:id="rId1"/>
     </p:custDataLst>
   </p:cSld>
   <p:clrMapOvr>
@@ -26936,7 +26680,7 @@
           <p:nvPr/>
         </p:nvPicPr>
         <p:blipFill>
-          <a:blip r:embed="rId1">
+          <a:blip r:embed="rId4">
             <a:extLst>
               <a:ext uri="{28A0092B-C50C-407E-A947-70E740481C1C}">
                 <a14:useLocalDpi xmlns:a14="http://schemas.microsoft.com/office/drawing/2010/main" val="0"/>
@@ -27020,11 +26764,6 @@
               </a:rPr>
               <a:t>三、系统运行库</a:t>
             </a:r>
-            <a:endParaRPr lang="zh-CN" altLang="en-US" sz="2400" b="1" noProof="1">
-              <a:solidFill>
-                <a:schemeClr val="accent4"/>
-              </a:solidFill>
-            </a:endParaRPr>
           </a:p>
         </p:txBody>
       </p:sp>
@@ -27075,11 +26814,6 @@
               </a:rPr>
               <a:t>1)程序库</a:t>
             </a:r>
-            <a:endParaRPr sz="1200" b="1" noProof="1">
-              <a:solidFill>
-                <a:srgbClr val="00B050"/>
-              </a:solidFill>
-            </a:endParaRPr>
           </a:p>
           <a:p>
             <a:pPr>
@@ -27101,7 +26835,6 @@
               <a:rPr sz="1200" noProof="1"/>
               <a:t>Android 包含一些C/C++库，这些库能被Android系统中不同的组件使用。</a:t>
             </a:r>
-            <a:endParaRPr sz="1200" noProof="1"/>
           </a:p>
           <a:p>
             <a:pPr marL="171450" indent="-171450">
@@ -27119,7 +26852,6 @@
               <a:rPr sz="1200" noProof="1"/>
               <a:t>它们通过 Android 应用程序框架为开发者提供服务。</a:t>
             </a:r>
-            <a:endParaRPr sz="1200" noProof="1"/>
           </a:p>
           <a:p>
             <a:pPr>
@@ -27141,11 +26873,6 @@
               </a:rPr>
               <a:t>2)Android 运行库</a:t>
             </a:r>
-            <a:endParaRPr sz="1200" b="1" noProof="1">
-              <a:solidFill>
-                <a:srgbClr val="00B050"/>
-              </a:solidFill>
-            </a:endParaRPr>
           </a:p>
           <a:p>
             <a:pPr>
@@ -27167,7 +26894,6 @@
               <a:rPr sz="1200" noProof="1"/>
               <a:t>核心库提供了JAVA核心库的大多数功能。</a:t>
             </a:r>
-            <a:endParaRPr sz="1200" noProof="1"/>
           </a:p>
           <a:p>
             <a:pPr marL="171450" indent="-171450">
@@ -27241,17 +26967,12 @@
               </a:rPr>
               <a:t>）</a:t>
             </a:r>
-            <a:endParaRPr lang="zh-CN" altLang="en-US" sz="1200" noProof="1">
-              <a:solidFill>
-                <a:srgbClr val="FF0000"/>
-              </a:solidFill>
-            </a:endParaRPr>
           </a:p>
         </p:txBody>
       </p:sp>
     </p:spTree>
     <p:custDataLst>
-      <p:tags r:id="rId2"/>
+      <p:tags r:id="rId1"/>
     </p:custDataLst>
   </p:cSld>
   <p:clrMapOvr>
@@ -27603,7 +27324,7 @@
           <p:nvPr/>
         </p:nvPicPr>
         <p:blipFill>
-          <a:blip r:embed="rId1">
+          <a:blip r:embed="rId4">
             <a:extLst>
               <a:ext uri="{28A0092B-C50C-407E-A947-70E740481C1C}">
                 <a14:useLocalDpi xmlns:a14="http://schemas.microsoft.com/office/drawing/2010/main" val="0"/>
@@ -27703,11 +27424,6 @@
               </a:rPr>
               <a:t>内核</a:t>
             </a:r>
-            <a:endParaRPr lang="zh-CN" altLang="en-US" sz="2400" b="1" noProof="1">
-              <a:solidFill>
-                <a:schemeClr val="accent4"/>
-              </a:solidFill>
-            </a:endParaRPr>
           </a:p>
         </p:txBody>
       </p:sp>
@@ -27884,13 +27600,12 @@
               <a:rPr lang="zh-CN" altLang="zh-CN" dirty="0"/>
               <a:t>提供底层驱动，如显示驱动、相机驱动、蓝牙驱动、电源管理等。</a:t>
             </a:r>
-            <a:endParaRPr lang="zh-CN" altLang="zh-CN" dirty="0"/>
           </a:p>
         </p:txBody>
       </p:sp>
     </p:spTree>
     <p:custDataLst>
-      <p:tags r:id="rId2"/>
+      <p:tags r:id="rId1"/>
     </p:custDataLst>
   </p:cSld>
   <p:clrMapOvr>
@@ -27972,13 +27687,6 @@
               </a:rPr>
               <a:t>Linux内核层和系统运行库层</a:t>
             </a:r>
-            <a:endParaRPr lang="en-US" altLang="zh-CN" sz="2000" b="1" noProof="1">
-              <a:solidFill>
-                <a:srgbClr val="00B050"/>
-              </a:solidFill>
-              <a:latin typeface="+mn-lt"/>
-              <a:sym typeface="+mn-ea"/>
-            </a:endParaRPr>
           </a:p>
           <a:p>
             <a:pPr fontAlgn="auto">
@@ -28030,10 +27738,6 @@
               </a:rPr>
               <a:t>分界线</a:t>
             </a:r>
-            <a:endParaRPr lang="en-US" altLang="zh-CN" sz="1400" b="1" noProof="1">
-              <a:latin typeface="+mn-lt"/>
-              <a:sym typeface="+mn-ea"/>
-            </a:endParaRPr>
           </a:p>
           <a:p>
             <a:pPr fontAlgn="auto">
@@ -28060,13 +27764,6 @@
               </a:rPr>
               <a:t>系统运行库层和应用框架层</a:t>
             </a:r>
-            <a:endParaRPr lang="en-US" altLang="zh-CN" sz="2000" b="1" noProof="1">
-              <a:solidFill>
-                <a:srgbClr val="00B050"/>
-              </a:solidFill>
-              <a:latin typeface="+mn-lt"/>
-              <a:sym typeface="+mn-ea"/>
-            </a:endParaRPr>
           </a:p>
           <a:p>
             <a:pPr fontAlgn="auto">
@@ -28125,10 +27822,6 @@
               </a:rPr>
               <a:t>。</a:t>
             </a:r>
-            <a:endParaRPr lang="en-US" altLang="zh-CN" sz="1400" noProof="1">
-              <a:latin typeface="+mn-lt"/>
-              <a:sym typeface="+mn-ea"/>
-            </a:endParaRPr>
           </a:p>
           <a:p>
             <a:pPr fontAlgn="auto">
@@ -28155,13 +27848,6 @@
               </a:rPr>
               <a:t>应用框架层和应用程序层</a:t>
             </a:r>
-            <a:endParaRPr lang="en-US" altLang="zh-CN" sz="2000" b="1" noProof="1">
-              <a:solidFill>
-                <a:srgbClr val="00B050"/>
-              </a:solidFill>
-              <a:latin typeface="+mn-lt"/>
-              <a:sym typeface="+mn-ea"/>
-            </a:endParaRPr>
           </a:p>
           <a:p>
             <a:pPr fontAlgn="auto">
@@ -28206,10 +27892,6 @@
               </a:rPr>
               <a:t>。</a:t>
             </a:r>
-            <a:endParaRPr lang="zh-CN" altLang="en-US" sz="1400" noProof="1">
-              <a:latin typeface="+mn-lt"/>
-              <a:sym typeface="+mn-ea"/>
-            </a:endParaRPr>
           </a:p>
           <a:p>
             <a:pPr fontAlgn="auto">
@@ -28253,10 +27935,6 @@
               </a:rPr>
               <a:t>自下而上，1由c实现，2由C/C++实现，3和4主要Java实现。</a:t>
             </a:r>
-            <a:endParaRPr lang="zh-CN" altLang="en-US" sz="1400" noProof="1">
-              <a:latin typeface="+mn-lt"/>
-              <a:sym typeface="+mn-ea"/>
-            </a:endParaRPr>
           </a:p>
           <a:p>
             <a:pPr fontAlgn="auto">
@@ -28273,13 +27951,6 @@
               </a:rPr>
               <a:t>对于Android应用程序的开发，应用程序框架层以下的内容是不可见的，仅考虑系统API即可。</a:t>
             </a:r>
-            <a:endParaRPr lang="en-US" altLang="zh-CN" sz="1400" b="1" noProof="1">
-              <a:solidFill>
-                <a:srgbClr val="FF0000"/>
-              </a:solidFill>
-              <a:latin typeface="+mn-lt"/>
-              <a:sym typeface="+mn-ea"/>
-            </a:endParaRPr>
           </a:p>
         </p:txBody>
       </p:sp>
@@ -28483,14 +28154,6 @@
               </a:rPr>
               <a:t>各层之间关系</a:t>
             </a:r>
-            <a:endParaRPr lang="zh-CN" altLang="en-US" dirty="0">
-              <a:solidFill>
-                <a:schemeClr val="bg1"/>
-              </a:solidFill>
-              <a:latin typeface="微软雅黑" panose="020B0503020204020204" pitchFamily="34" charset="-122"/>
-              <a:ea typeface="微软雅黑" panose="020B0503020204020204" pitchFamily="34" charset="-122"/>
-              <a:sym typeface="宋体" panose="02010600030101010101" pitchFamily="2" charset="-122"/>
-            </a:endParaRPr>
           </a:p>
         </p:txBody>
       </p:sp>
@@ -28610,7 +28273,7 @@
           <p:nvPr/>
         </p:nvPicPr>
         <p:blipFill>
-          <a:blip r:embed="rId1">
+          <a:blip r:embed="rId4">
             <a:extLst>
               <a:ext uri="{28A0092B-C50C-407E-A947-70E740481C1C}">
                 <a14:useLocalDpi xmlns:a14="http://schemas.microsoft.com/office/drawing/2010/main" val="0"/>
@@ -28657,7 +28320,7 @@
       </p:pic>
     </p:spTree>
     <p:custDataLst>
-      <p:tags r:id="rId2"/>
+      <p:tags r:id="rId1"/>
     </p:custDataLst>
   </p:cSld>
   <p:clrMapOvr>
@@ -28697,7 +28360,7 @@
         <p:spPr bwMode="auto">
           <a:xfrm>
             <a:off x="539750" y="268288"/>
-            <a:ext cx="4167188" cy="368300"/>
+            <a:ext cx="4208140" cy="369332"/>
           </a:xfrm>
           <a:prstGeom prst="rect">
             <a:avLst/>
@@ -28843,30 +28506,63 @@
           </a:lstStyle>
           <a:p>
             <a:r>
-              <a:rPr lang="en-US" altLang="zh-CN">
-                <a:solidFill>
-                  <a:srgbClr val="000000"/>
+              <a:rPr lang="en-US" altLang="zh-CN" dirty="0">
+                <a:solidFill>
+                  <a:schemeClr val="bg1"/>
                 </a:solidFill>
                 <a:latin typeface="微软雅黑" panose="020B0503020204020204" pitchFamily="34" charset="-122"/>
                 <a:ea typeface="微软雅黑" panose="020B0503020204020204" pitchFamily="34" charset="-122"/>
                 <a:sym typeface="宋体" panose="02010600030101010101" pitchFamily="2" charset="-122"/>
               </a:rPr>
-              <a:t>3.1.2 运行原理 - Android设备</a:t>
-            </a:r>
-            <a:r>
-              <a:rPr lang="zh-CN" altLang="en-US">
-                <a:solidFill>
-                  <a:srgbClr val="000000"/>
+              <a:t>3.1.2 </a:t>
+            </a:r>
+            <a:r>
+              <a:rPr lang="en-US" altLang="zh-CN" dirty="0" err="1">
+                <a:solidFill>
+                  <a:schemeClr val="bg1"/>
                 </a:solidFill>
                 <a:latin typeface="微软雅黑" panose="020B0503020204020204" pitchFamily="34" charset="-122"/>
                 <a:ea typeface="微软雅黑" panose="020B0503020204020204" pitchFamily="34" charset="-122"/>
                 <a:sym typeface="宋体" panose="02010600030101010101" pitchFamily="2" charset="-122"/>
               </a:rPr>
+              <a:t>运行原理</a:t>
+            </a:r>
+            <a:r>
+              <a:rPr lang="en-US" altLang="zh-CN" dirty="0">
+                <a:solidFill>
+                  <a:schemeClr val="bg1"/>
+                </a:solidFill>
+                <a:latin typeface="微软雅黑" panose="020B0503020204020204" pitchFamily="34" charset="-122"/>
+                <a:ea typeface="微软雅黑" panose="020B0503020204020204" pitchFamily="34" charset="-122"/>
+                <a:sym typeface="宋体" panose="02010600030101010101" pitchFamily="2" charset="-122"/>
+              </a:rPr>
+              <a:t> - </a:t>
+            </a:r>
+            <a:r>
+              <a:rPr lang="en-US" altLang="zh-CN" dirty="0" err="1">
+                <a:solidFill>
+                  <a:schemeClr val="bg1"/>
+                </a:solidFill>
+                <a:latin typeface="微软雅黑" panose="020B0503020204020204" pitchFamily="34" charset="-122"/>
+                <a:ea typeface="微软雅黑" panose="020B0503020204020204" pitchFamily="34" charset="-122"/>
+                <a:sym typeface="宋体" panose="02010600030101010101" pitchFamily="2" charset="-122"/>
+              </a:rPr>
+              <a:t>Android设备</a:t>
+            </a:r>
+            <a:r>
+              <a:rPr lang="zh-CN" altLang="en-US" dirty="0">
+                <a:solidFill>
+                  <a:schemeClr val="bg1"/>
+                </a:solidFill>
+                <a:latin typeface="微软雅黑" panose="020B0503020204020204" pitchFamily="34" charset="-122"/>
+                <a:ea typeface="微软雅黑" panose="020B0503020204020204" pitchFamily="34" charset="-122"/>
+                <a:sym typeface="宋体" panose="02010600030101010101" pitchFamily="2" charset="-122"/>
+              </a:rPr>
               <a:t>启动过程</a:t>
             </a:r>
-            <a:endParaRPr lang="en-US" altLang="zh-CN">
+            <a:endParaRPr lang="en-US" altLang="zh-CN" dirty="0">
               <a:solidFill>
-                <a:srgbClr val="000000"/>
+                <a:schemeClr val="bg1"/>
               </a:solidFill>
               <a:latin typeface="微软雅黑" panose="020B0503020204020204" pitchFamily="34" charset="-122"/>
               <a:ea typeface="微软雅黑" panose="020B0503020204020204" pitchFamily="34" charset="-122"/>
@@ -28990,7 +28686,7 @@
           <p:nvPr/>
         </p:nvPicPr>
         <p:blipFill>
-          <a:blip r:embed="rId1">
+          <a:blip r:embed="rId4">
             <a:extLst>
               <a:ext uri="{28A0092B-C50C-407E-A947-70E740481C1C}">
                 <a14:useLocalDpi xmlns:a14="http://schemas.microsoft.com/office/drawing/2010/main" val="0"/>
@@ -29089,6 +28785,8 @@
               </a:rPr>
               <a:t>第一步：启动电源以及系统启动</a:t>
             </a:r>
+          </a:p>
+          <a:p>
             <a:endParaRPr lang="zh-CN" altLang="en-US" noProof="1">
               <a:solidFill>
                 <a:srgbClr val="000000"/>
@@ -29109,16 +28807,6 @@
             </a:endParaRPr>
           </a:p>
           <a:p>
-            <a:endParaRPr lang="zh-CN" altLang="en-US" noProof="1">
-              <a:solidFill>
-                <a:srgbClr val="000000"/>
-              </a:solidFill>
-              <a:latin typeface="微软雅黑" panose="020B0503020204020204" pitchFamily="34" charset="-122"/>
-              <a:ea typeface="微软雅黑" panose="020B0503020204020204" pitchFamily="34" charset="-122"/>
-              <a:sym typeface="宋体" panose="02010600030101010101" pitchFamily="2" charset="-122"/>
-            </a:endParaRPr>
-          </a:p>
-          <a:p>
             <a:pPr marL="285750" indent="-285750">
               <a:buFont typeface="Wingdings" panose="05000000000000000000" charset="0"/>
               <a:buChar char=""/>
@@ -29134,14 +28822,6 @@
               </a:rPr>
               <a:t>按下电源。</a:t>
             </a:r>
-            <a:endParaRPr lang="zh-CN" altLang="en-US" noProof="1">
-              <a:solidFill>
-                <a:srgbClr val="000000"/>
-              </a:solidFill>
-              <a:latin typeface="微软雅黑" panose="020B0503020204020204" pitchFamily="34" charset="-122"/>
-              <a:ea typeface="微软雅黑" panose="020B0503020204020204" pitchFamily="34" charset="-122"/>
-              <a:sym typeface="宋体" panose="02010600030101010101" pitchFamily="2" charset="-122"/>
-            </a:endParaRPr>
           </a:p>
           <a:p>
             <a:pPr marL="285750" indent="-285750">
@@ -29173,14 +28853,6 @@
               </a:rPr>
               <a:t>引导芯片代码开始从预定义的地方（固化在ROM）开始执行。</a:t>
             </a:r>
-            <a:endParaRPr lang="zh-CN" altLang="en-US" noProof="1">
-              <a:solidFill>
-                <a:srgbClr val="000000"/>
-              </a:solidFill>
-              <a:latin typeface="微软雅黑" panose="020B0503020204020204" pitchFamily="34" charset="-122"/>
-              <a:ea typeface="微软雅黑" panose="020B0503020204020204" pitchFamily="34" charset="-122"/>
-              <a:sym typeface="宋体" panose="02010600030101010101" pitchFamily="2" charset="-122"/>
-            </a:endParaRPr>
           </a:p>
           <a:p>
             <a:pPr marL="285750" indent="-285750">
@@ -29212,6 +28884,8 @@
               </a:rPr>
               <a:t>加载引导程序到RAM。</a:t>
             </a:r>
+          </a:p>
+          <a:p>
             <a:endParaRPr lang="zh-CN" altLang="en-US" noProof="1">
               <a:solidFill>
                 <a:srgbClr val="000000"/>
@@ -29231,21 +28905,11 @@
               <a:sym typeface="宋体" panose="02010600030101010101" pitchFamily="2" charset="-122"/>
             </a:endParaRPr>
           </a:p>
-          <a:p>
-            <a:endParaRPr lang="zh-CN" altLang="en-US" noProof="1">
-              <a:solidFill>
-                <a:srgbClr val="000000"/>
-              </a:solidFill>
-              <a:latin typeface="微软雅黑" panose="020B0503020204020204" pitchFamily="34" charset="-122"/>
-              <a:ea typeface="微软雅黑" panose="020B0503020204020204" pitchFamily="34" charset="-122"/>
-              <a:sym typeface="宋体" panose="02010600030101010101" pitchFamily="2" charset="-122"/>
-            </a:endParaRPr>
-          </a:p>
         </p:txBody>
       </p:sp>
     </p:spTree>
     <p:custDataLst>
-      <p:tags r:id="rId2"/>
+      <p:tags r:id="rId1"/>
     </p:custDataLst>
   </p:cSld>
   <p:clrMapOvr>
@@ -29285,7 +28949,7 @@
         <p:spPr bwMode="auto">
           <a:xfrm>
             <a:off x="539750" y="268288"/>
-            <a:ext cx="4167188" cy="368300"/>
+            <a:ext cx="4208140" cy="369332"/>
           </a:xfrm>
           <a:prstGeom prst="rect">
             <a:avLst/>
@@ -29431,30 +29095,63 @@
           </a:lstStyle>
           <a:p>
             <a:r>
-              <a:rPr lang="en-US" altLang="zh-CN">
-                <a:solidFill>
-                  <a:srgbClr val="000000"/>
+              <a:rPr lang="en-US" altLang="zh-CN" dirty="0">
+                <a:solidFill>
+                  <a:schemeClr val="bg1"/>
                 </a:solidFill>
                 <a:latin typeface="微软雅黑" panose="020B0503020204020204" pitchFamily="34" charset="-122"/>
                 <a:ea typeface="微软雅黑" panose="020B0503020204020204" pitchFamily="34" charset="-122"/>
                 <a:sym typeface="宋体" panose="02010600030101010101" pitchFamily="2" charset="-122"/>
               </a:rPr>
-              <a:t>3.1.2 运行原理 - Android设备</a:t>
-            </a:r>
-            <a:r>
-              <a:rPr lang="zh-CN" altLang="en-US">
-                <a:solidFill>
-                  <a:srgbClr val="000000"/>
+              <a:t>3.1.2 </a:t>
+            </a:r>
+            <a:r>
+              <a:rPr lang="en-US" altLang="zh-CN" dirty="0" err="1">
+                <a:solidFill>
+                  <a:schemeClr val="bg1"/>
                 </a:solidFill>
                 <a:latin typeface="微软雅黑" panose="020B0503020204020204" pitchFamily="34" charset="-122"/>
                 <a:ea typeface="微软雅黑" panose="020B0503020204020204" pitchFamily="34" charset="-122"/>
                 <a:sym typeface="宋体" panose="02010600030101010101" pitchFamily="2" charset="-122"/>
               </a:rPr>
+              <a:t>运行原理</a:t>
+            </a:r>
+            <a:r>
+              <a:rPr lang="en-US" altLang="zh-CN" dirty="0">
+                <a:solidFill>
+                  <a:schemeClr val="bg1"/>
+                </a:solidFill>
+                <a:latin typeface="微软雅黑" panose="020B0503020204020204" pitchFamily="34" charset="-122"/>
+                <a:ea typeface="微软雅黑" panose="020B0503020204020204" pitchFamily="34" charset="-122"/>
+                <a:sym typeface="宋体" panose="02010600030101010101" pitchFamily="2" charset="-122"/>
+              </a:rPr>
+              <a:t> - </a:t>
+            </a:r>
+            <a:r>
+              <a:rPr lang="en-US" altLang="zh-CN" dirty="0" err="1">
+                <a:solidFill>
+                  <a:schemeClr val="bg1"/>
+                </a:solidFill>
+                <a:latin typeface="微软雅黑" panose="020B0503020204020204" pitchFamily="34" charset="-122"/>
+                <a:ea typeface="微软雅黑" panose="020B0503020204020204" pitchFamily="34" charset="-122"/>
+                <a:sym typeface="宋体" panose="02010600030101010101" pitchFamily="2" charset="-122"/>
+              </a:rPr>
+              <a:t>Android设备</a:t>
+            </a:r>
+            <a:r>
+              <a:rPr lang="zh-CN" altLang="en-US" dirty="0">
+                <a:solidFill>
+                  <a:schemeClr val="bg1"/>
+                </a:solidFill>
+                <a:latin typeface="微软雅黑" panose="020B0503020204020204" pitchFamily="34" charset="-122"/>
+                <a:ea typeface="微软雅黑" panose="020B0503020204020204" pitchFamily="34" charset="-122"/>
+                <a:sym typeface="宋体" panose="02010600030101010101" pitchFamily="2" charset="-122"/>
+              </a:rPr>
               <a:t>启动过程</a:t>
             </a:r>
-            <a:endParaRPr lang="en-US" altLang="zh-CN">
+            <a:endParaRPr lang="en-US" altLang="zh-CN" dirty="0">
               <a:solidFill>
-                <a:srgbClr val="000000"/>
+                <a:schemeClr val="bg1"/>
               </a:solidFill>
               <a:latin typeface="微软雅黑" panose="020B0503020204020204" pitchFamily="34" charset="-122"/>
               <a:ea typeface="微软雅黑" panose="020B0503020204020204" pitchFamily="34" charset="-122"/>
@@ -29578,7 +29275,7 @@
           <p:nvPr/>
         </p:nvPicPr>
         <p:blipFill>
-          <a:blip r:embed="rId1">
+          <a:blip r:embed="rId4">
             <a:extLst>
               <a:ext uri="{28A0092B-C50C-407E-A947-70E740481C1C}">
                 <a14:useLocalDpi xmlns:a14="http://schemas.microsoft.com/office/drawing/2010/main" val="0"/>
@@ -29677,6 +29374,8 @@
               </a:rPr>
               <a:t>第二步：引导程序</a:t>
             </a:r>
+          </a:p>
+          <a:p>
             <a:endParaRPr lang="zh-CN" altLang="en-US" noProof="1">
               <a:solidFill>
                 <a:srgbClr val="000000"/>
@@ -29687,16 +29386,6 @@
             </a:endParaRPr>
           </a:p>
           <a:p>
-            <a:endParaRPr lang="zh-CN" altLang="en-US" noProof="1">
-              <a:solidFill>
-                <a:srgbClr val="000000"/>
-              </a:solidFill>
-              <a:latin typeface="微软雅黑" panose="020B0503020204020204" pitchFamily="34" charset="-122"/>
-              <a:ea typeface="微软雅黑" panose="020B0503020204020204" pitchFamily="34" charset="-122"/>
-              <a:sym typeface="宋体" panose="02010600030101010101" pitchFamily="2" charset="-122"/>
-            </a:endParaRPr>
-          </a:p>
-          <a:p>
             <a:pPr marL="285750" indent="-285750">
               <a:buFont typeface="Wingdings" panose="05000000000000000000" charset="0"/>
               <a:buChar char=""/>
@@ -29712,14 +29401,6 @@
               </a:rPr>
               <a:t>是运行的第一个程序，针对特定的主板与芯片。</a:t>
             </a:r>
-            <a:endParaRPr lang="zh-CN" altLang="en-US" noProof="1">
-              <a:solidFill>
-                <a:srgbClr val="000000"/>
-              </a:solidFill>
-              <a:latin typeface="微软雅黑" panose="020B0503020204020204" pitchFamily="34" charset="-122"/>
-              <a:ea typeface="微软雅黑" panose="020B0503020204020204" pitchFamily="34" charset="-122"/>
-              <a:sym typeface="宋体" panose="02010600030101010101" pitchFamily="2" charset="-122"/>
-            </a:endParaRPr>
           </a:p>
           <a:p>
             <a:pPr marL="285750" indent="-285750">
@@ -29751,14 +29432,6 @@
               </a:rPr>
               <a:t>设备制造商可以使用已有引导程序比如redboot、uboot 或 开发自己的引导程序，它不是Android操作系统的一部分。</a:t>
             </a:r>
-            <a:endParaRPr lang="zh-CN" altLang="en-US" noProof="1">
-              <a:solidFill>
-                <a:srgbClr val="000000"/>
-              </a:solidFill>
-              <a:latin typeface="微软雅黑" panose="020B0503020204020204" pitchFamily="34" charset="-122"/>
-              <a:ea typeface="微软雅黑" panose="020B0503020204020204" pitchFamily="34" charset="-122"/>
-              <a:sym typeface="宋体" panose="02010600030101010101" pitchFamily="2" charset="-122"/>
-            </a:endParaRPr>
           </a:p>
           <a:p>
             <a:pPr marL="285750" indent="-285750">
@@ -29790,6 +29463,8 @@
               </a:rPr>
               <a:t>是OEM厂商或者运营商加锁和限制的地方。</a:t>
             </a:r>
+          </a:p>
+          <a:p>
             <a:endParaRPr lang="zh-CN" altLang="en-US" noProof="1">
               <a:solidFill>
                 <a:srgbClr val="000000"/>
@@ -29809,21 +29484,11 @@
               <a:sym typeface="宋体" panose="02010600030101010101" pitchFamily="2" charset="-122"/>
             </a:endParaRPr>
           </a:p>
-          <a:p>
-            <a:endParaRPr lang="zh-CN" altLang="en-US" noProof="1">
-              <a:solidFill>
-                <a:srgbClr val="000000"/>
-              </a:solidFill>
-              <a:latin typeface="微软雅黑" panose="020B0503020204020204" pitchFamily="34" charset="-122"/>
-              <a:ea typeface="微软雅黑" panose="020B0503020204020204" pitchFamily="34" charset="-122"/>
-              <a:sym typeface="宋体" panose="02010600030101010101" pitchFamily="2" charset="-122"/>
-            </a:endParaRPr>
-          </a:p>
         </p:txBody>
       </p:sp>
     </p:spTree>
     <p:custDataLst>
-      <p:tags r:id="rId2"/>
+      <p:tags r:id="rId1"/>
     </p:custDataLst>
   </p:cSld>
   <p:clrMapOvr>
@@ -29836,120 +29501,130 @@
 </file>
 
 <file path=ppt/tags/tag1.xml><?xml version="1.0" encoding="utf-8"?>
-<p:tagLst xmlns:p="http://schemas.openxmlformats.org/presentationml/2006/main">
+<p:tagLst xmlns:a="http://schemas.openxmlformats.org/drawingml/2006/main" xmlns:r="http://schemas.openxmlformats.org/officeDocument/2006/relationships" xmlns:p="http://schemas.openxmlformats.org/presentationml/2006/main">
   <p:tag name="KSO_WM_TAG_VERSION" val="1.0"/>
-  <p:tag name="KSO_WM_BEAUTIFY_FLAG" val="#wm#"/>
-  <p:tag name="KSO_WM_UNIT_TYPE" val="i"/>
-  <p:tag name="KSO_WM_UNIT_ID" val="279*i*3"/>
   <p:tag name="KSO_WM_TEMPLATE_CATEGORY" val="custom"/>
-  <p:tag name="KSO_WM_TEMPLATE_INDEX" val="116"/>
+  <p:tag name="KSO_WM_TEMPLATE_INDEX" val="160404"/>
 </p:tagLst>
 </file>
 
 <file path=ppt/tags/tag10.xml><?xml version="1.0" encoding="utf-8"?>
-<p:tagLst xmlns:p="http://schemas.openxmlformats.org/presentationml/2006/main">
+<p:tagLst xmlns:a="http://schemas.openxmlformats.org/drawingml/2006/main" xmlns:r="http://schemas.openxmlformats.org/officeDocument/2006/relationships" xmlns:p="http://schemas.openxmlformats.org/presentationml/2006/main">
   <p:tag name="KSO_WM_TEMPLATE_CATEGORY" val="custom"/>
   <p:tag name="KSO_WM_TEMPLATE_INDEX" val="160404"/>
 </p:tagLst>
 </file>
 
 <file path=ppt/tags/tag11.xml><?xml version="1.0" encoding="utf-8"?>
-<p:tagLst xmlns:p="http://schemas.openxmlformats.org/presentationml/2006/main">
+<p:tagLst xmlns:a="http://schemas.openxmlformats.org/drawingml/2006/main" xmlns:r="http://schemas.openxmlformats.org/officeDocument/2006/relationships" xmlns:p="http://schemas.openxmlformats.org/presentationml/2006/main">
   <p:tag name="KSO_WM_TEMPLATE_CATEGORY" val="custom"/>
   <p:tag name="KSO_WM_TEMPLATE_INDEX" val="160404"/>
 </p:tagLst>
 </file>
 
 <file path=ppt/tags/tag12.xml><?xml version="1.0" encoding="utf-8"?>
-<p:tagLst xmlns:p="http://schemas.openxmlformats.org/presentationml/2006/main">
+<p:tagLst xmlns:a="http://schemas.openxmlformats.org/drawingml/2006/main" xmlns:r="http://schemas.openxmlformats.org/officeDocument/2006/relationships" xmlns:p="http://schemas.openxmlformats.org/presentationml/2006/main">
   <p:tag name="KSO_WM_TEMPLATE_CATEGORY" val="custom"/>
   <p:tag name="KSO_WM_TEMPLATE_INDEX" val="160404"/>
 </p:tagLst>
 </file>
 
 <file path=ppt/tags/tag13.xml><?xml version="1.0" encoding="utf-8"?>
-<p:tagLst xmlns:p="http://schemas.openxmlformats.org/presentationml/2006/main">
+<p:tagLst xmlns:a="http://schemas.openxmlformats.org/drawingml/2006/main" xmlns:r="http://schemas.openxmlformats.org/officeDocument/2006/relationships" xmlns:p="http://schemas.openxmlformats.org/presentationml/2006/main">
   <p:tag name="KSO_WM_TEMPLATE_CATEGORY" val="custom"/>
   <p:tag name="KSO_WM_TEMPLATE_INDEX" val="160404"/>
 </p:tagLst>
 </file>
 
 <file path=ppt/tags/tag14.xml><?xml version="1.0" encoding="utf-8"?>
-<p:tagLst xmlns:p="http://schemas.openxmlformats.org/presentationml/2006/main">
+<p:tagLst xmlns:a="http://schemas.openxmlformats.org/drawingml/2006/main" xmlns:r="http://schemas.openxmlformats.org/officeDocument/2006/relationships" xmlns:p="http://schemas.openxmlformats.org/presentationml/2006/main">
   <p:tag name="KSO_WM_TEMPLATE_CATEGORY" val="custom"/>
   <p:tag name="KSO_WM_TEMPLATE_INDEX" val="160404"/>
 </p:tagLst>
 </file>
 
 <file path=ppt/tags/tag15.xml><?xml version="1.0" encoding="utf-8"?>
-<p:tagLst xmlns:p="http://schemas.openxmlformats.org/presentationml/2006/main">
+<p:tagLst xmlns:a="http://schemas.openxmlformats.org/drawingml/2006/main" xmlns:r="http://schemas.openxmlformats.org/officeDocument/2006/relationships" xmlns:p="http://schemas.openxmlformats.org/presentationml/2006/main">
   <p:tag name="KSO_WM_TEMPLATE_CATEGORY" val="custom"/>
   <p:tag name="KSO_WM_TEMPLATE_INDEX" val="160404"/>
 </p:tagLst>
 </file>
 
 <file path=ppt/tags/tag16.xml><?xml version="1.0" encoding="utf-8"?>
-<p:tagLst xmlns:p="http://schemas.openxmlformats.org/presentationml/2006/main">
+<p:tagLst xmlns:a="http://schemas.openxmlformats.org/drawingml/2006/main" xmlns:r="http://schemas.openxmlformats.org/officeDocument/2006/relationships" xmlns:p="http://schemas.openxmlformats.org/presentationml/2006/main">
   <p:tag name="KSO_WM_TEMPLATE_CATEGORY" val="custom"/>
   <p:tag name="KSO_WM_TEMPLATE_INDEX" val="160404"/>
 </p:tagLst>
 </file>
 
 <file path=ppt/tags/tag17.xml><?xml version="1.0" encoding="utf-8"?>
-<p:tagLst xmlns:p="http://schemas.openxmlformats.org/presentationml/2006/main">
+<p:tagLst xmlns:a="http://schemas.openxmlformats.org/drawingml/2006/main" xmlns:r="http://schemas.openxmlformats.org/officeDocument/2006/relationships" xmlns:p="http://schemas.openxmlformats.org/presentationml/2006/main">
   <p:tag name="KSO_WM_TEMPLATE_CATEGORY" val="custom"/>
   <p:tag name="KSO_WM_TEMPLATE_INDEX" val="160404"/>
 </p:tagLst>
 </file>
 
 <file path=ppt/tags/tag18.xml><?xml version="1.0" encoding="utf-8"?>
-<p:tagLst xmlns:p="http://schemas.openxmlformats.org/presentationml/2006/main">
+<p:tagLst xmlns:a="http://schemas.openxmlformats.org/drawingml/2006/main" xmlns:r="http://schemas.openxmlformats.org/officeDocument/2006/relationships" xmlns:p="http://schemas.openxmlformats.org/presentationml/2006/main">
   <p:tag name="KSO_WM_TEMPLATE_CATEGORY" val="custom"/>
   <p:tag name="KSO_WM_TEMPLATE_INDEX" val="160404"/>
 </p:tagLst>
 </file>
 
 <file path=ppt/tags/tag19.xml><?xml version="1.0" encoding="utf-8"?>
-<p:tagLst xmlns:p="http://schemas.openxmlformats.org/presentationml/2006/main">
+<p:tagLst xmlns:a="http://schemas.openxmlformats.org/drawingml/2006/main" xmlns:r="http://schemas.openxmlformats.org/officeDocument/2006/relationships" xmlns:p="http://schemas.openxmlformats.org/presentationml/2006/main">
   <p:tag name="KSO_WM_TEMPLATE_CATEGORY" val="custom"/>
   <p:tag name="KSO_WM_TEMPLATE_INDEX" val="160404"/>
 </p:tagLst>
 </file>
 
 <file path=ppt/tags/tag2.xml><?xml version="1.0" encoding="utf-8"?>
-<p:tagLst xmlns:p="http://schemas.openxmlformats.org/presentationml/2006/main">
+<p:tagLst xmlns:a="http://schemas.openxmlformats.org/drawingml/2006/main" xmlns:r="http://schemas.openxmlformats.org/officeDocument/2006/relationships" xmlns:p="http://schemas.openxmlformats.org/presentationml/2006/main">
   <p:tag name="KSO_WM_TAG_VERSION" val="1.0"/>
-  <p:tag name="KSO_WM_BEAUTIFY_FLAG" val="#wm#"/>
-  <p:tag name="KSO_WM_UNIT_TYPE" val="i"/>
-  <p:tag name="KSO_WM_UNIT_ID" val="279*i*4"/>
   <p:tag name="KSO_WM_TEMPLATE_CATEGORY" val="custom"/>
-  <p:tag name="KSO_WM_TEMPLATE_INDEX" val="116"/>
+  <p:tag name="KSO_WM_TEMPLATE_INDEX" val="160404"/>
 </p:tagLst>
 </file>
 
 <file path=ppt/tags/tag20.xml><?xml version="1.0" encoding="utf-8"?>
-<p:tagLst xmlns:p="http://schemas.openxmlformats.org/presentationml/2006/main">
+<p:tagLst xmlns:a="http://schemas.openxmlformats.org/drawingml/2006/main" xmlns:r="http://schemas.openxmlformats.org/officeDocument/2006/relationships" xmlns:p="http://schemas.openxmlformats.org/presentationml/2006/main">
   <p:tag name="KSO_WM_TEMPLATE_CATEGORY" val="custom"/>
   <p:tag name="KSO_WM_TEMPLATE_INDEX" val="160404"/>
 </p:tagLst>
 </file>
 
 <file path=ppt/tags/tag21.xml><?xml version="1.0" encoding="utf-8"?>
-<p:tagLst xmlns:p="http://schemas.openxmlformats.org/presentationml/2006/main">
+<p:tagLst xmlns:a="http://schemas.openxmlformats.org/drawingml/2006/main" xmlns:r="http://schemas.openxmlformats.org/officeDocument/2006/relationships" xmlns:p="http://schemas.openxmlformats.org/presentationml/2006/main">
   <p:tag name="KSO_WM_TEMPLATE_CATEGORY" val="custom"/>
   <p:tag name="KSO_WM_TEMPLATE_INDEX" val="160404"/>
 </p:tagLst>
 </file>
 
 <file path=ppt/tags/tag22.xml><?xml version="1.0" encoding="utf-8"?>
-<p:tagLst xmlns:p="http://schemas.openxmlformats.org/presentationml/2006/main">
+<p:tagLst xmlns:a="http://schemas.openxmlformats.org/drawingml/2006/main" xmlns:r="http://schemas.openxmlformats.org/officeDocument/2006/relationships" xmlns:p="http://schemas.openxmlformats.org/presentationml/2006/main">
   <p:tag name="KSO_WM_TEMPLATE_CATEGORY" val="custom"/>
   <p:tag name="KSO_WM_TEMPLATE_INDEX" val="160404"/>
 </p:tagLst>
 </file>
 
 <file path=ppt/tags/tag23.xml><?xml version="1.0" encoding="utf-8"?>
-<p:tagLst xmlns:p="http://schemas.openxmlformats.org/presentationml/2006/main">
+<p:tagLst xmlns:a="http://schemas.openxmlformats.org/drawingml/2006/main" xmlns:r="http://schemas.openxmlformats.org/officeDocument/2006/relationships" xmlns:p="http://schemas.openxmlformats.org/presentationml/2006/main">
+  <p:tag name="KSO_WM_TEMPLATE_THUMBS_INDEX" val="1、9、12、16、20、22、25、28、29"/>
+  <p:tag name="KSO_WM_TEMPLATE_CATEGORY" val="custom"/>
+  <p:tag name="KSO_WM_TEMPLATE_INDEX" val="160404"/>
+  <p:tag name="KSO_WM_TAG_VERSION" val="1.0"/>
+  <p:tag name="KSO_WM_SLIDE_ID" val="custom160404_1"/>
+  <p:tag name="KSO_WM_SLIDE_INDEX" val="1"/>
+  <p:tag name="KSO_WM_SLIDE_ITEM_CNT" val="2"/>
+  <p:tag name="KSO_WM_SLIDE_LAYOUT" val="a_b"/>
+  <p:tag name="KSO_WM_SLIDE_LAYOUT_CNT" val="1_1"/>
+  <p:tag name="KSO_WM_SLIDE_TYPE" val="title"/>
+  <p:tag name="KSO_WM_BEAUTIFY_FLAG" val="#wm#"/>
+</p:tagLst>
+</file>
+
+<file path=ppt/tags/tag24.xml><?xml version="1.0" encoding="utf-8"?>
+<p:tagLst xmlns:a="http://schemas.openxmlformats.org/drawingml/2006/main" xmlns:r="http://schemas.openxmlformats.org/officeDocument/2006/relationships" xmlns:p="http://schemas.openxmlformats.org/presentationml/2006/main">
   <p:tag name="KSO_WM_TAG_VERSION" val="1.0"/>
   <p:tag name="KSO_WM_BEAUTIFY_FLAG" val="#wm#"/>
   <p:tag name="KSO_WM_TEMPLATE_CATEGORY" val="custom"/>
@@ -29968,8 +29643,8 @@
 </p:tagLst>
 </file>
 
-<file path=ppt/tags/tag24.xml><?xml version="1.0" encoding="utf-8"?>
-<p:tagLst xmlns:p="http://schemas.openxmlformats.org/presentationml/2006/main">
+<file path=ppt/tags/tag25.xml><?xml version="1.0" encoding="utf-8"?>
+<p:tagLst xmlns:a="http://schemas.openxmlformats.org/drawingml/2006/main" xmlns:r="http://schemas.openxmlformats.org/officeDocument/2006/relationships" xmlns:p="http://schemas.openxmlformats.org/presentationml/2006/main">
   <p:tag name="KSO_WM_TAG_VERSION" val="1.0"/>
   <p:tag name="KSO_WM_BEAUTIFY_FLAG" val="#wm#"/>
   <p:tag name="KSO_WM_TEMPLATE_CATEGORY" val="custom"/>
@@ -29988,50 +29663,110 @@
 </p:tagLst>
 </file>
 
-<file path=ppt/tags/tag25.xml><?xml version="1.0" encoding="utf-8"?>
-<p:tagLst xmlns:p="http://schemas.openxmlformats.org/presentationml/2006/main">
-  <p:tag name="KSO_WM_TEMPLATE_THUMBS_INDEX" val="1、9、12、16、20、22、25、28、29"/>
-  <p:tag name="KSO_WM_TEMPLATE_CATEGORY" val="custom"/>
-  <p:tag name="KSO_WM_TEMPLATE_INDEX" val="160404"/>
-  <p:tag name="KSO_WM_TAG_VERSION" val="1.0"/>
-  <p:tag name="KSO_WM_SLIDE_ID" val="custom160404_1"/>
-  <p:tag name="KSO_WM_SLIDE_INDEX" val="1"/>
-  <p:tag name="KSO_WM_SLIDE_ITEM_CNT" val="2"/>
-  <p:tag name="KSO_WM_SLIDE_LAYOUT" val="a_b"/>
-  <p:tag name="KSO_WM_SLIDE_LAYOUT_CNT" val="1_1"/>
-  <p:tag name="KSO_WM_SLIDE_TYPE" val="title"/>
-  <p:tag name="KSO_WM_BEAUTIFY_FLAG" val="#wm#"/>
-</p:tagLst>
-</file>
-
 <file path=ppt/tags/tag26.xml><?xml version="1.0" encoding="utf-8"?>
-<p:tagLst xmlns:p="http://schemas.openxmlformats.org/presentationml/2006/main">
+<p:tagLst xmlns:a="http://schemas.openxmlformats.org/drawingml/2006/main" xmlns:r="http://schemas.openxmlformats.org/officeDocument/2006/relationships" xmlns:p="http://schemas.openxmlformats.org/presentationml/2006/main">
   <p:tag name="KSO_WM_TEMPLATE_CATEGORY" val="custom"/>
   <p:tag name="KSO_WM_TEMPLATE_INDEX" val="160404"/>
 </p:tagLst>
 </file>
 
 <file path=ppt/tags/tag27.xml><?xml version="1.0" encoding="utf-8"?>
-<p:tagLst xmlns:p="http://schemas.openxmlformats.org/presentationml/2006/main">
+<p:tagLst xmlns:a="http://schemas.openxmlformats.org/drawingml/2006/main" xmlns:r="http://schemas.openxmlformats.org/officeDocument/2006/relationships" xmlns:p="http://schemas.openxmlformats.org/presentationml/2006/main">
   <p:tag name="KSO_WM_TEMPLATE_CATEGORY" val="custom"/>
   <p:tag name="KSO_WM_TEMPLATE_INDEX" val="160404"/>
 </p:tagLst>
 </file>
 
 <file path=ppt/tags/tag28.xml><?xml version="1.0" encoding="utf-8"?>
-<p:tagLst xmlns:p="http://schemas.openxmlformats.org/presentationml/2006/main">
+<p:tagLst xmlns:a="http://schemas.openxmlformats.org/drawingml/2006/main" xmlns:r="http://schemas.openxmlformats.org/officeDocument/2006/relationships" xmlns:p="http://schemas.openxmlformats.org/presentationml/2006/main">
   <p:tag name="KSO_WM_UNIT_PLACING_PICTURE_USER_VIEWPORT" val="{&quot;height&quot;:5680,&quot;width&quot;:11557}"/>
 </p:tagLst>
 </file>
 
 <file path=ppt/tags/tag29.xml><?xml version="1.0" encoding="utf-8"?>
-<p:tagLst xmlns:p="http://schemas.openxmlformats.org/presentationml/2006/main">
+<p:tagLst xmlns:a="http://schemas.openxmlformats.org/drawingml/2006/main" xmlns:r="http://schemas.openxmlformats.org/officeDocument/2006/relationships" xmlns:p="http://schemas.openxmlformats.org/presentationml/2006/main">
   <p:tag name="KSO_WM_UNIT_PLACING_PICTURE_USER_VIEWPORT" val="{&quot;height&quot;:10692,&quot;width&quot;:6120}"/>
 </p:tagLst>
 </file>
 
 <file path=ppt/tags/tag3.xml><?xml version="1.0" encoding="utf-8"?>
-<p:tagLst xmlns:p="http://schemas.openxmlformats.org/presentationml/2006/main">
+<p:tagLst xmlns:a="http://schemas.openxmlformats.org/drawingml/2006/main" xmlns:r="http://schemas.openxmlformats.org/officeDocument/2006/relationships" xmlns:p="http://schemas.openxmlformats.org/presentationml/2006/main">
+  <p:tag name="KSO_WM_TAG_VERSION" val="1.0"/>
+  <p:tag name="KSO_WM_BEAUTIFY_FLAG" val="#wm#"/>
+  <p:tag name="KSO_WM_UNIT_TYPE" val="i"/>
+  <p:tag name="KSO_WM_UNIT_ID" val="279*i*3"/>
+  <p:tag name="KSO_WM_TEMPLATE_CATEGORY" val="custom"/>
+  <p:tag name="KSO_WM_TEMPLATE_INDEX" val="116"/>
+</p:tagLst>
+</file>
+
+<file path=ppt/tags/tag30.xml><?xml version="1.0" encoding="utf-8"?>
+<p:tagLst xmlns:a="http://schemas.openxmlformats.org/drawingml/2006/main" xmlns:r="http://schemas.openxmlformats.org/officeDocument/2006/relationships" xmlns:p="http://schemas.openxmlformats.org/presentationml/2006/main">
+  <p:tag name="KSO_WM_TEMPLATE_CATEGORY" val="custom"/>
+  <p:tag name="KSO_WM_TEMPLATE_INDEX" val="160404"/>
+</p:tagLst>
+</file>
+
+<file path=ppt/tags/tag31.xml><?xml version="1.0" encoding="utf-8"?>
+<p:tagLst xmlns:a="http://schemas.openxmlformats.org/drawingml/2006/main" xmlns:r="http://schemas.openxmlformats.org/officeDocument/2006/relationships" xmlns:p="http://schemas.openxmlformats.org/presentationml/2006/main">
+  <p:tag name="KSO_WM_UNIT_PLACING_PICTURE_USER_VIEWPORT" val="{&quot;height&quot;:3151.7984251968505,&quot;width&quot;:6098.0078740157478}"/>
+</p:tagLst>
+</file>
+
+<file path=ppt/tags/tag32.xml><?xml version="1.0" encoding="utf-8"?>
+<p:tagLst xmlns:a="http://schemas.openxmlformats.org/drawingml/2006/main" xmlns:r="http://schemas.openxmlformats.org/officeDocument/2006/relationships" xmlns:p="http://schemas.openxmlformats.org/presentationml/2006/main">
+  <p:tag name="KSO_WM_UNIT_PLACING_PICTURE_USER_VIEWPORT" val="{&quot;height&quot;:5570,&quot;width&quot;:12550}"/>
+</p:tagLst>
+</file>
+
+<file path=ppt/tags/tag33.xml><?xml version="1.0" encoding="utf-8"?>
+<p:tagLst xmlns:a="http://schemas.openxmlformats.org/drawingml/2006/main" xmlns:r="http://schemas.openxmlformats.org/officeDocument/2006/relationships" xmlns:p="http://schemas.openxmlformats.org/presentationml/2006/main">
+  <p:tag name="KSO_WM_TEMPLATE_CATEGORY" val="custom"/>
+  <p:tag name="KSO_WM_TEMPLATE_INDEX" val="160404"/>
+</p:tagLst>
+</file>
+
+<file path=ppt/tags/tag34.xml><?xml version="1.0" encoding="utf-8"?>
+<p:tagLst xmlns:a="http://schemas.openxmlformats.org/drawingml/2006/main" xmlns:r="http://schemas.openxmlformats.org/officeDocument/2006/relationships" xmlns:p="http://schemas.openxmlformats.org/presentationml/2006/main">
+  <p:tag name="KSO_WM_TEMPLATE_CATEGORY" val="custom"/>
+  <p:tag name="KSO_WM_TEMPLATE_INDEX" val="160404"/>
+</p:tagLst>
+</file>
+
+<file path=ppt/tags/tag35.xml><?xml version="1.0" encoding="utf-8"?>
+<p:tagLst xmlns:a="http://schemas.openxmlformats.org/drawingml/2006/main" xmlns:r="http://schemas.openxmlformats.org/officeDocument/2006/relationships" xmlns:p="http://schemas.openxmlformats.org/presentationml/2006/main">
+  <p:tag name="KSO_WM_TEMPLATE_CATEGORY" val="custom"/>
+  <p:tag name="KSO_WM_TEMPLATE_INDEX" val="160404"/>
+</p:tagLst>
+</file>
+
+<file path=ppt/tags/tag36.xml><?xml version="1.0" encoding="utf-8"?>
+<p:tagLst xmlns:a="http://schemas.openxmlformats.org/drawingml/2006/main" xmlns:r="http://schemas.openxmlformats.org/officeDocument/2006/relationships" xmlns:p="http://schemas.openxmlformats.org/presentationml/2006/main">
+  <p:tag name="KSO_WM_TEMPLATE_CATEGORY" val="custom"/>
+  <p:tag name="KSO_WM_TEMPLATE_INDEX" val="160404"/>
+</p:tagLst>
+</file>
+
+<file path=ppt/tags/tag37.xml><?xml version="1.0" encoding="utf-8"?>
+<p:tagLst xmlns:a="http://schemas.openxmlformats.org/drawingml/2006/main" xmlns:r="http://schemas.openxmlformats.org/officeDocument/2006/relationships" xmlns:p="http://schemas.openxmlformats.org/presentationml/2006/main">
+  <p:tag name="KSO_WM_TEMPLATE_CATEGORY" val="custom"/>
+  <p:tag name="KSO_WM_TEMPLATE_INDEX" val="160404"/>
+</p:tagLst>
+</file>
+
+<file path=ppt/tags/tag4.xml><?xml version="1.0" encoding="utf-8"?>
+<p:tagLst xmlns:a="http://schemas.openxmlformats.org/drawingml/2006/main" xmlns:r="http://schemas.openxmlformats.org/officeDocument/2006/relationships" xmlns:p="http://schemas.openxmlformats.org/presentationml/2006/main">
+  <p:tag name="KSO_WM_TAG_VERSION" val="1.0"/>
+  <p:tag name="KSO_WM_BEAUTIFY_FLAG" val="#wm#"/>
+  <p:tag name="KSO_WM_UNIT_TYPE" val="i"/>
+  <p:tag name="KSO_WM_UNIT_ID" val="279*i*4"/>
+  <p:tag name="KSO_WM_TEMPLATE_CATEGORY" val="custom"/>
+  <p:tag name="KSO_WM_TEMPLATE_INDEX" val="116"/>
+</p:tagLst>
+</file>
+
+<file path=ppt/tags/tag5.xml><?xml version="1.0" encoding="utf-8"?>
+<p:tagLst xmlns:a="http://schemas.openxmlformats.org/drawingml/2006/main" xmlns:r="http://schemas.openxmlformats.org/officeDocument/2006/relationships" xmlns:p="http://schemas.openxmlformats.org/presentationml/2006/main">
   <p:tag name="KSO_WM_TAG_VERSION" val="1.0"/>
   <p:tag name="KSO_WM_BEAUTIFY_FLAG" val="#wm#"/>
   <p:tag name="KSO_WM_UNIT_TYPE" val="i"/>
@@ -30041,99 +29776,29 @@
 </p:tagLst>
 </file>
 
-<file path=ppt/tags/tag30.xml><?xml version="1.0" encoding="utf-8"?>
-<p:tagLst xmlns:p="http://schemas.openxmlformats.org/presentationml/2006/main">
-  <p:tag name="KSO_WM_UNIT_PLACING_PICTURE_USER_VIEWPORT" val="{&quot;height&quot;:3151.7984251968505,&quot;width&quot;:6098.0078740157478}"/>
-</p:tagLst>
-</file>
-
-<file path=ppt/tags/tag31.xml><?xml version="1.0" encoding="utf-8"?>
-<p:tagLst xmlns:p="http://schemas.openxmlformats.org/presentationml/2006/main">
-  <p:tag name="KSO_WM_UNIT_PLACING_PICTURE_USER_VIEWPORT" val="{&quot;height&quot;:5570,&quot;width&quot;:12550}"/>
-</p:tagLst>
-</file>
-
-<file path=ppt/tags/tag32.xml><?xml version="1.0" encoding="utf-8"?>
-<p:tagLst xmlns:p="http://schemas.openxmlformats.org/presentationml/2006/main">
-  <p:tag name="KSO_WM_TEMPLATE_CATEGORY" val="custom"/>
-  <p:tag name="KSO_WM_TEMPLATE_INDEX" val="160404"/>
-</p:tagLst>
-</file>
-
-<file path=ppt/tags/tag33.xml><?xml version="1.0" encoding="utf-8"?>
-<p:tagLst xmlns:p="http://schemas.openxmlformats.org/presentationml/2006/main">
-  <p:tag name="KSO_WM_TEMPLATE_CATEGORY" val="custom"/>
-  <p:tag name="KSO_WM_TEMPLATE_INDEX" val="160404"/>
-</p:tagLst>
-</file>
-
-<file path=ppt/tags/tag34.xml><?xml version="1.0" encoding="utf-8"?>
-<p:tagLst xmlns:p="http://schemas.openxmlformats.org/presentationml/2006/main">
-  <p:tag name="KSO_WM_TEMPLATE_CATEGORY" val="custom"/>
-  <p:tag name="KSO_WM_TEMPLATE_INDEX" val="160404"/>
-</p:tagLst>
-</file>
-
-<file path=ppt/tags/tag35.xml><?xml version="1.0" encoding="utf-8"?>
-<p:tagLst xmlns:p="http://schemas.openxmlformats.org/presentationml/2006/main">
-  <p:tag name="KSO_WM_TEMPLATE_CATEGORY" val="custom"/>
-  <p:tag name="KSO_WM_TEMPLATE_INDEX" val="160404"/>
-</p:tagLst>
-</file>
-
-<file path=ppt/tags/tag36.xml><?xml version="1.0" encoding="utf-8"?>
-<p:tagLst xmlns:p="http://schemas.openxmlformats.org/presentationml/2006/main">
-  <p:tag name="KSO_WM_TEMPLATE_CATEGORY" val="custom"/>
-  <p:tag name="KSO_WM_TEMPLATE_INDEX" val="160404"/>
-</p:tagLst>
-</file>
-
-<file path=ppt/tags/tag37.xml><?xml version="1.0" encoding="utf-8"?>
-<p:tagLst xmlns:p="http://schemas.openxmlformats.org/presentationml/2006/main">
-  <p:tag name="KSO_WM_TEMPLATE_CATEGORY" val="custom"/>
-  <p:tag name="KSO_WM_TEMPLATE_INDEX" val="160404"/>
-</p:tagLst>
-</file>
-
-<file path=ppt/tags/tag4.xml><?xml version="1.0" encoding="utf-8"?>
-<p:tagLst xmlns:p="http://schemas.openxmlformats.org/presentationml/2006/main">
-  <p:tag name="KSO_WM_TAG_VERSION" val="1.0"/>
-  <p:tag name="KSO_WM_TEMPLATE_CATEGORY" val="custom"/>
-  <p:tag name="KSO_WM_TEMPLATE_INDEX" val="160404"/>
-</p:tagLst>
-</file>
-
-<file path=ppt/tags/tag5.xml><?xml version="1.0" encoding="utf-8"?>
-<p:tagLst xmlns:p="http://schemas.openxmlformats.org/presentationml/2006/main">
-  <p:tag name="KSO_WM_TAG_VERSION" val="1.0"/>
-  <p:tag name="KSO_WM_TEMPLATE_CATEGORY" val="custom"/>
-  <p:tag name="KSO_WM_TEMPLATE_INDEX" val="160404"/>
-</p:tagLst>
-</file>
-
 <file path=ppt/tags/tag6.xml><?xml version="1.0" encoding="utf-8"?>
-<p:tagLst xmlns:p="http://schemas.openxmlformats.org/presentationml/2006/main">
+<p:tagLst xmlns:a="http://schemas.openxmlformats.org/drawingml/2006/main" xmlns:r="http://schemas.openxmlformats.org/officeDocument/2006/relationships" xmlns:p="http://schemas.openxmlformats.org/presentationml/2006/main">
   <p:tag name="KSO_WM_TEMPLATE_CATEGORY" val="custom"/>
   <p:tag name="KSO_WM_TEMPLATE_INDEX" val="160404"/>
 </p:tagLst>
 </file>
 
 <file path=ppt/tags/tag7.xml><?xml version="1.0" encoding="utf-8"?>
-<p:tagLst xmlns:p="http://schemas.openxmlformats.org/presentationml/2006/main">
+<p:tagLst xmlns:a="http://schemas.openxmlformats.org/drawingml/2006/main" xmlns:r="http://schemas.openxmlformats.org/officeDocument/2006/relationships" xmlns:p="http://schemas.openxmlformats.org/presentationml/2006/main">
   <p:tag name="KSO_WM_TEMPLATE_CATEGORY" val="custom"/>
   <p:tag name="KSO_WM_TEMPLATE_INDEX" val="160404"/>
 </p:tagLst>
 </file>
 
 <file path=ppt/tags/tag8.xml><?xml version="1.0" encoding="utf-8"?>
-<p:tagLst xmlns:p="http://schemas.openxmlformats.org/presentationml/2006/main">
+<p:tagLst xmlns:a="http://schemas.openxmlformats.org/drawingml/2006/main" xmlns:r="http://schemas.openxmlformats.org/officeDocument/2006/relationships" xmlns:p="http://schemas.openxmlformats.org/presentationml/2006/main">
   <p:tag name="KSO_WM_TEMPLATE_CATEGORY" val="custom"/>
   <p:tag name="KSO_WM_TEMPLATE_INDEX" val="160404"/>
 </p:tagLst>
 </file>
 
 <file path=ppt/tags/tag9.xml><?xml version="1.0" encoding="utf-8"?>
-<p:tagLst xmlns:p="http://schemas.openxmlformats.org/presentationml/2006/main">
+<p:tagLst xmlns:a="http://schemas.openxmlformats.org/drawingml/2006/main" xmlns:r="http://schemas.openxmlformats.org/officeDocument/2006/relationships" xmlns:p="http://schemas.openxmlformats.org/presentationml/2006/main">
   <p:tag name="KSO_WM_TEMPLATE_CATEGORY" val="custom"/>
   <p:tag name="KSO_WM_TEMPLATE_INDEX" val="160404"/>
 </p:tagLst>
@@ -30390,6 +30055,8 @@
       </a:bgFillStyleLst>
     </a:fmtScheme>
   </a:themeElements>
+  <a:objectDefaults/>
+  <a:extraClrSchemeLst/>
   <a:extLst>
     <a:ext uri="{05A4C25C-085E-4340-85A3-A5531E510DB2}">
       <thm15:themeFamily xmlns:thm15="http://schemas.microsoft.com/office/thememl/2012/main" name="Office Theme" id="{62F939B6-93AF-4DB8-9C6B-D6C7DFDC589F}" vid="{4A3C46E8-61CC-4603-A589-7422A47A8E4A}"/>
@@ -30678,6 +30345,8 @@
       </a:bgFillStyleLst>
     </a:fmtScheme>
   </a:themeElements>
+  <a:objectDefaults/>
+  <a:extraClrSchemeLst/>
   <a:extLst>
     <a:ext uri="{05A4C25C-085E-4340-85A3-A5531E510DB2}">
       <thm15:themeFamily xmlns:thm15="http://schemas.microsoft.com/office/thememl/2012/main" name="Office Theme" id="{62F939B6-93AF-4DB8-9C6B-D6C7DFDC589F}" vid="{4A3C46E8-61CC-4603-A589-7422A47A8E4A}"/>
